--- a/ODL_showcasepres.pptx
+++ b/ODL_showcasepres.pptx
@@ -2,8 +2,11 @@
 <file path=ppt/presentation.xml><?xml version="1.0" encoding="utf-8"?>
 <p:presentation xmlns:a="http://schemas.openxmlformats.org/drawingml/2006/main" xmlns:r="http://schemas.openxmlformats.org/officeDocument/2006/relationships" xmlns:p="http://schemas.openxmlformats.org/presentationml/2006/main" saveSubsetFonts="1" autoCompressPictures="0">
   <p:sldMasterIdLst>
-    <p:sldMasterId id="2147483648" r:id="rId1"/>
+    <p:sldMasterId id="2147483660" r:id="rId1"/>
   </p:sldMasterIdLst>
+  <p:notesMasterIdLst>
+    <p:notesMasterId r:id="rId17"/>
+  </p:notesMasterIdLst>
   <p:sldIdLst>
     <p:sldId id="256" r:id="rId2"/>
     <p:sldId id="267" r:id="rId3"/>
@@ -12,14 +15,14 @@
     <p:sldId id="258" r:id="rId6"/>
     <p:sldId id="259" r:id="rId7"/>
     <p:sldId id="260" r:id="rId8"/>
-    <p:sldId id="261" r:id="rId9"/>
-    <p:sldId id="262" r:id="rId10"/>
-    <p:sldId id="268" r:id="rId11"/>
-    <p:sldId id="263" r:id="rId12"/>
-    <p:sldId id="270" r:id="rId13"/>
-    <p:sldId id="264" r:id="rId14"/>
-    <p:sldId id="269" r:id="rId15"/>
-    <p:sldId id="266" r:id="rId16"/>
+    <p:sldId id="262" r:id="rId9"/>
+    <p:sldId id="268" r:id="rId10"/>
+    <p:sldId id="263" r:id="rId11"/>
+    <p:sldId id="264" r:id="rId12"/>
+    <p:sldId id="271" r:id="rId13"/>
+    <p:sldId id="269" r:id="rId14"/>
+    <p:sldId id="266" r:id="rId15"/>
+    <p:sldId id="273" r:id="rId16"/>
   </p:sldIdLst>
   <p:sldSz cx="12192000" cy="6858000"/>
   <p:notesSz cx="6858000" cy="9144000"/>
@@ -27,7 +30,7 @@
     <a:defPPr>
       <a:defRPr lang="en-US"/>
     </a:defPPr>
-    <a:lvl1pPr marL="0" algn="l" defTabSz="914400" rtl="0" eaLnBrk="1" latinLnBrk="0" hangingPunct="1">
+    <a:lvl1pPr marL="0" algn="l" defTabSz="457200" rtl="0" eaLnBrk="1" latinLnBrk="0" hangingPunct="1">
       <a:defRPr sz="1800" kern="1200">
         <a:solidFill>
           <a:schemeClr val="tx1"/>
@@ -37,7 +40,7 @@
         <a:cs typeface="+mn-cs"/>
       </a:defRPr>
     </a:lvl1pPr>
-    <a:lvl2pPr marL="457200" algn="l" defTabSz="914400" rtl="0" eaLnBrk="1" latinLnBrk="0" hangingPunct="1">
+    <a:lvl2pPr marL="457200" algn="l" defTabSz="457200" rtl="0" eaLnBrk="1" latinLnBrk="0" hangingPunct="1">
       <a:defRPr sz="1800" kern="1200">
         <a:solidFill>
           <a:schemeClr val="tx1"/>
@@ -47,7 +50,7 @@
         <a:cs typeface="+mn-cs"/>
       </a:defRPr>
     </a:lvl2pPr>
-    <a:lvl3pPr marL="914400" algn="l" defTabSz="914400" rtl="0" eaLnBrk="1" latinLnBrk="0" hangingPunct="1">
+    <a:lvl3pPr marL="914400" algn="l" defTabSz="457200" rtl="0" eaLnBrk="1" latinLnBrk="0" hangingPunct="1">
       <a:defRPr sz="1800" kern="1200">
         <a:solidFill>
           <a:schemeClr val="tx1"/>
@@ -57,7 +60,7 @@
         <a:cs typeface="+mn-cs"/>
       </a:defRPr>
     </a:lvl3pPr>
-    <a:lvl4pPr marL="1371600" algn="l" defTabSz="914400" rtl="0" eaLnBrk="1" latinLnBrk="0" hangingPunct="1">
+    <a:lvl4pPr marL="1371600" algn="l" defTabSz="457200" rtl="0" eaLnBrk="1" latinLnBrk="0" hangingPunct="1">
       <a:defRPr sz="1800" kern="1200">
         <a:solidFill>
           <a:schemeClr val="tx1"/>
@@ -67,7 +70,7 @@
         <a:cs typeface="+mn-cs"/>
       </a:defRPr>
     </a:lvl4pPr>
-    <a:lvl5pPr marL="1828800" algn="l" defTabSz="914400" rtl="0" eaLnBrk="1" latinLnBrk="0" hangingPunct="1">
+    <a:lvl5pPr marL="1828800" algn="l" defTabSz="457200" rtl="0" eaLnBrk="1" latinLnBrk="0" hangingPunct="1">
       <a:defRPr sz="1800" kern="1200">
         <a:solidFill>
           <a:schemeClr val="tx1"/>
@@ -77,7 +80,7 @@
         <a:cs typeface="+mn-cs"/>
       </a:defRPr>
     </a:lvl5pPr>
-    <a:lvl6pPr marL="2286000" algn="l" defTabSz="914400" rtl="0" eaLnBrk="1" latinLnBrk="0" hangingPunct="1">
+    <a:lvl6pPr marL="2286000" algn="l" defTabSz="457200" rtl="0" eaLnBrk="1" latinLnBrk="0" hangingPunct="1">
       <a:defRPr sz="1800" kern="1200">
         <a:solidFill>
           <a:schemeClr val="tx1"/>
@@ -87,7 +90,7 @@
         <a:cs typeface="+mn-cs"/>
       </a:defRPr>
     </a:lvl6pPr>
-    <a:lvl7pPr marL="2743200" algn="l" defTabSz="914400" rtl="0" eaLnBrk="1" latinLnBrk="0" hangingPunct="1">
+    <a:lvl7pPr marL="2743200" algn="l" defTabSz="457200" rtl="0" eaLnBrk="1" latinLnBrk="0" hangingPunct="1">
       <a:defRPr sz="1800" kern="1200">
         <a:solidFill>
           <a:schemeClr val="tx1"/>
@@ -97,7 +100,7 @@
         <a:cs typeface="+mn-cs"/>
       </a:defRPr>
     </a:lvl7pPr>
-    <a:lvl8pPr marL="3200400" algn="l" defTabSz="914400" rtl="0" eaLnBrk="1" latinLnBrk="0" hangingPunct="1">
+    <a:lvl8pPr marL="3200400" algn="l" defTabSz="457200" rtl="0" eaLnBrk="1" latinLnBrk="0" hangingPunct="1">
       <a:defRPr sz="1800" kern="1200">
         <a:solidFill>
           <a:schemeClr val="tx1"/>
@@ -107,7 +110,7 @@
         <a:cs typeface="+mn-cs"/>
       </a:defRPr>
     </a:lvl8pPr>
-    <a:lvl9pPr marL="3657600" algn="l" defTabSz="914400" rtl="0" eaLnBrk="1" latinLnBrk="0" hangingPunct="1">
+    <a:lvl9pPr marL="3657600" algn="l" defTabSz="457200" rtl="0" eaLnBrk="1" latinLnBrk="0" hangingPunct="1">
       <a:defRPr sz="1800" kern="1200">
         <a:solidFill>
           <a:schemeClr val="tx1"/>
@@ -126,9 +129,14 @@
 </p:presentation>
 </file>
 
-<file path=ppt/slideLayouts/slideLayout1.xml><?xml version="1.0" encoding="utf-8"?>
-<p:sldLayout xmlns:a="http://schemas.openxmlformats.org/drawingml/2006/main" xmlns:r="http://schemas.openxmlformats.org/officeDocument/2006/relationships" xmlns:p="http://schemas.openxmlformats.org/presentationml/2006/main" type="title" preserve="1">
-  <p:cSld name="Title Slide">
+<file path=ppt/notesMasters/notesMaster1.xml><?xml version="1.0" encoding="utf-8"?>
+<p:notesMaster xmlns:a="http://schemas.openxmlformats.org/drawingml/2006/main" xmlns:r="http://schemas.openxmlformats.org/officeDocument/2006/relationships" xmlns:p="http://schemas.openxmlformats.org/presentationml/2006/main">
+  <p:cSld>
+    <p:bg>
+      <p:bgRef idx="1001">
+        <a:schemeClr val="bg1"/>
+      </p:bgRef>
+    </p:bg>
     <p:spTree>
       <p:nvGrpSpPr>
         <p:cNvPr id="1" name=""/>
@@ -145,13 +153,443 @@
       </p:grpSpPr>
       <p:sp>
         <p:nvSpPr>
-          <p:cNvPr id="2" name="Title 1">
-            <a:extLst>
-              <a:ext uri="{FF2B5EF4-FFF2-40B4-BE49-F238E27FC236}">
-                <a16:creationId xmlns:a16="http://schemas.microsoft.com/office/drawing/2014/main" id="{D326CD42-B38E-C243-B7A5-46D8C2119675}"/>
-              </a:ext>
-            </a:extLst>
-          </p:cNvPr>
+          <p:cNvPr id="2" name="Header Placeholder 1"/>
+          <p:cNvSpPr>
+            <a:spLocks noGrp="1"/>
+          </p:cNvSpPr>
+          <p:nvPr>
+            <p:ph type="hdr" sz="quarter"/>
+          </p:nvPr>
+        </p:nvSpPr>
+        <p:spPr>
+          <a:xfrm>
+            <a:off x="0" y="0"/>
+            <a:ext cx="2971800" cy="458788"/>
+          </a:xfrm>
+          <a:prstGeom prst="rect">
+            <a:avLst/>
+          </a:prstGeom>
+        </p:spPr>
+        <p:txBody>
+          <a:bodyPr vert="horz" lIns="91440" tIns="45720" rIns="91440" bIns="45720" rtlCol="0"/>
+          <a:lstStyle>
+            <a:lvl1pPr algn="l">
+              <a:defRPr sz="1200"/>
+            </a:lvl1pPr>
+          </a:lstStyle>
+          <a:p>
+            <a:endParaRPr lang="en-US"/>
+          </a:p>
+        </p:txBody>
+      </p:sp>
+      <p:sp>
+        <p:nvSpPr>
+          <p:cNvPr id="3" name="Date Placeholder 2"/>
+          <p:cNvSpPr>
+            <a:spLocks noGrp="1"/>
+          </p:cNvSpPr>
+          <p:nvPr>
+            <p:ph type="dt" idx="1"/>
+          </p:nvPr>
+        </p:nvSpPr>
+        <p:spPr>
+          <a:xfrm>
+            <a:off x="3884613" y="0"/>
+            <a:ext cx="2971800" cy="458788"/>
+          </a:xfrm>
+          <a:prstGeom prst="rect">
+            <a:avLst/>
+          </a:prstGeom>
+        </p:spPr>
+        <p:txBody>
+          <a:bodyPr vert="horz" lIns="91440" tIns="45720" rIns="91440" bIns="45720" rtlCol="0"/>
+          <a:lstStyle>
+            <a:lvl1pPr algn="r">
+              <a:defRPr sz="1200"/>
+            </a:lvl1pPr>
+          </a:lstStyle>
+          <a:p>
+            <a:fld id="{2C6BF72E-0400-7945-AA85-BA7FB90517B4}" type="datetimeFigureOut">
+              <a:rPr lang="en-US" smtClean="0"/>
+              <a:t>8/16/19</a:t>
+            </a:fld>
+            <a:endParaRPr lang="en-US"/>
+          </a:p>
+        </p:txBody>
+      </p:sp>
+      <p:sp>
+        <p:nvSpPr>
+          <p:cNvPr id="4" name="Slide Image Placeholder 3"/>
+          <p:cNvSpPr>
+            <a:spLocks noGrp="1" noRot="1" noChangeAspect="1"/>
+          </p:cNvSpPr>
+          <p:nvPr>
+            <p:ph type="sldImg" idx="2"/>
+          </p:nvPr>
+        </p:nvSpPr>
+        <p:spPr>
+          <a:xfrm>
+            <a:off x="685800" y="1143000"/>
+            <a:ext cx="5486400" cy="3086100"/>
+          </a:xfrm>
+          <a:prstGeom prst="rect">
+            <a:avLst/>
+          </a:prstGeom>
+          <a:noFill/>
+          <a:ln w="12700">
+            <a:solidFill>
+              <a:prstClr val="black"/>
+            </a:solidFill>
+          </a:ln>
+        </p:spPr>
+        <p:txBody>
+          <a:bodyPr vert="horz" lIns="91440" tIns="45720" rIns="91440" bIns="45720" rtlCol="0" anchor="ctr"/>
+          <a:lstStyle/>
+          <a:p>
+            <a:endParaRPr lang="en-US"/>
+          </a:p>
+        </p:txBody>
+      </p:sp>
+      <p:sp>
+        <p:nvSpPr>
+          <p:cNvPr id="5" name="Notes Placeholder 4"/>
+          <p:cNvSpPr>
+            <a:spLocks noGrp="1"/>
+          </p:cNvSpPr>
+          <p:nvPr>
+            <p:ph type="body" sz="quarter" idx="3"/>
+          </p:nvPr>
+        </p:nvSpPr>
+        <p:spPr>
+          <a:xfrm>
+            <a:off x="685800" y="4400550"/>
+            <a:ext cx="5486400" cy="3600450"/>
+          </a:xfrm>
+          <a:prstGeom prst="rect">
+            <a:avLst/>
+          </a:prstGeom>
+        </p:spPr>
+        <p:txBody>
+          <a:bodyPr vert="horz" lIns="91440" tIns="45720" rIns="91440" bIns="45720" rtlCol="0"/>
+          <a:lstStyle/>
+          <a:p>
+            <a:pPr lvl="0"/>
+            <a:r>
+              <a:rPr lang="en-US"/>
+              <a:t>Click to edit Master text styles</a:t>
+            </a:r>
+          </a:p>
+          <a:p>
+            <a:pPr lvl="1"/>
+            <a:r>
+              <a:rPr lang="en-US"/>
+              <a:t>Second level</a:t>
+            </a:r>
+          </a:p>
+          <a:p>
+            <a:pPr lvl="2"/>
+            <a:r>
+              <a:rPr lang="en-US"/>
+              <a:t>Third level</a:t>
+            </a:r>
+          </a:p>
+          <a:p>
+            <a:pPr lvl="3"/>
+            <a:r>
+              <a:rPr lang="en-US"/>
+              <a:t>Fourth level</a:t>
+            </a:r>
+          </a:p>
+          <a:p>
+            <a:pPr lvl="4"/>
+            <a:r>
+              <a:rPr lang="en-US"/>
+              <a:t>Fifth level</a:t>
+            </a:r>
+          </a:p>
+        </p:txBody>
+      </p:sp>
+      <p:sp>
+        <p:nvSpPr>
+          <p:cNvPr id="6" name="Footer Placeholder 5"/>
+          <p:cNvSpPr>
+            <a:spLocks noGrp="1"/>
+          </p:cNvSpPr>
+          <p:nvPr>
+            <p:ph type="ftr" sz="quarter" idx="4"/>
+          </p:nvPr>
+        </p:nvSpPr>
+        <p:spPr>
+          <a:xfrm>
+            <a:off x="0" y="8685213"/>
+            <a:ext cx="2971800" cy="458787"/>
+          </a:xfrm>
+          <a:prstGeom prst="rect">
+            <a:avLst/>
+          </a:prstGeom>
+        </p:spPr>
+        <p:txBody>
+          <a:bodyPr vert="horz" lIns="91440" tIns="45720" rIns="91440" bIns="45720" rtlCol="0" anchor="b"/>
+          <a:lstStyle>
+            <a:lvl1pPr algn="l">
+              <a:defRPr sz="1200"/>
+            </a:lvl1pPr>
+          </a:lstStyle>
+          <a:p>
+            <a:endParaRPr lang="en-US"/>
+          </a:p>
+        </p:txBody>
+      </p:sp>
+      <p:sp>
+        <p:nvSpPr>
+          <p:cNvPr id="7" name="Slide Number Placeholder 6"/>
+          <p:cNvSpPr>
+            <a:spLocks noGrp="1"/>
+          </p:cNvSpPr>
+          <p:nvPr>
+            <p:ph type="sldNum" sz="quarter" idx="5"/>
+          </p:nvPr>
+        </p:nvSpPr>
+        <p:spPr>
+          <a:xfrm>
+            <a:off x="3884613" y="8685213"/>
+            <a:ext cx="2971800" cy="458787"/>
+          </a:xfrm>
+          <a:prstGeom prst="rect">
+            <a:avLst/>
+          </a:prstGeom>
+        </p:spPr>
+        <p:txBody>
+          <a:bodyPr vert="horz" lIns="91440" tIns="45720" rIns="91440" bIns="45720" rtlCol="0" anchor="b"/>
+          <a:lstStyle>
+            <a:lvl1pPr algn="r">
+              <a:defRPr sz="1200"/>
+            </a:lvl1pPr>
+          </a:lstStyle>
+          <a:p>
+            <a:fld id="{A3F0E503-C0B8-DB47-8742-34E2D1B831F6}" type="slidenum">
+              <a:rPr lang="en-US" smtClean="0"/>
+              <a:t>‹#›</a:t>
+            </a:fld>
+            <a:endParaRPr lang="en-US"/>
+          </a:p>
+        </p:txBody>
+      </p:sp>
+    </p:spTree>
+    <p:extLst>
+      <p:ext uri="{BB962C8B-B14F-4D97-AF65-F5344CB8AC3E}">
+        <p14:creationId xmlns:p14="http://schemas.microsoft.com/office/powerpoint/2010/main" val="2444306187"/>
+      </p:ext>
+    </p:extLst>
+  </p:cSld>
+  <p:clrMap bg1="lt1" tx1="dk1" bg2="lt2" tx2="dk2" accent1="accent1" accent2="accent2" accent3="accent3" accent4="accent4" accent5="accent5" accent6="accent6" hlink="hlink" folHlink="folHlink"/>
+  <p:notesStyle>
+    <a:lvl1pPr marL="0" algn="l" defTabSz="914400" rtl="0" eaLnBrk="1" latinLnBrk="0" hangingPunct="1">
+      <a:defRPr sz="1200" kern="1200">
+        <a:solidFill>
+          <a:schemeClr val="tx1"/>
+        </a:solidFill>
+        <a:latin typeface="+mn-lt"/>
+        <a:ea typeface="+mn-ea"/>
+        <a:cs typeface="+mn-cs"/>
+      </a:defRPr>
+    </a:lvl1pPr>
+    <a:lvl2pPr marL="457200" algn="l" defTabSz="914400" rtl="0" eaLnBrk="1" latinLnBrk="0" hangingPunct="1">
+      <a:defRPr sz="1200" kern="1200">
+        <a:solidFill>
+          <a:schemeClr val="tx1"/>
+        </a:solidFill>
+        <a:latin typeface="+mn-lt"/>
+        <a:ea typeface="+mn-ea"/>
+        <a:cs typeface="+mn-cs"/>
+      </a:defRPr>
+    </a:lvl2pPr>
+    <a:lvl3pPr marL="914400" algn="l" defTabSz="914400" rtl="0" eaLnBrk="1" latinLnBrk="0" hangingPunct="1">
+      <a:defRPr sz="1200" kern="1200">
+        <a:solidFill>
+          <a:schemeClr val="tx1"/>
+        </a:solidFill>
+        <a:latin typeface="+mn-lt"/>
+        <a:ea typeface="+mn-ea"/>
+        <a:cs typeface="+mn-cs"/>
+      </a:defRPr>
+    </a:lvl3pPr>
+    <a:lvl4pPr marL="1371600" algn="l" defTabSz="914400" rtl="0" eaLnBrk="1" latinLnBrk="0" hangingPunct="1">
+      <a:defRPr sz="1200" kern="1200">
+        <a:solidFill>
+          <a:schemeClr val="tx1"/>
+        </a:solidFill>
+        <a:latin typeface="+mn-lt"/>
+        <a:ea typeface="+mn-ea"/>
+        <a:cs typeface="+mn-cs"/>
+      </a:defRPr>
+    </a:lvl4pPr>
+    <a:lvl5pPr marL="1828800" algn="l" defTabSz="914400" rtl="0" eaLnBrk="1" latinLnBrk="0" hangingPunct="1">
+      <a:defRPr sz="1200" kern="1200">
+        <a:solidFill>
+          <a:schemeClr val="tx1"/>
+        </a:solidFill>
+        <a:latin typeface="+mn-lt"/>
+        <a:ea typeface="+mn-ea"/>
+        <a:cs typeface="+mn-cs"/>
+      </a:defRPr>
+    </a:lvl5pPr>
+    <a:lvl6pPr marL="2286000" algn="l" defTabSz="914400" rtl="0" eaLnBrk="1" latinLnBrk="0" hangingPunct="1">
+      <a:defRPr sz="1200" kern="1200">
+        <a:solidFill>
+          <a:schemeClr val="tx1"/>
+        </a:solidFill>
+        <a:latin typeface="+mn-lt"/>
+        <a:ea typeface="+mn-ea"/>
+        <a:cs typeface="+mn-cs"/>
+      </a:defRPr>
+    </a:lvl6pPr>
+    <a:lvl7pPr marL="2743200" algn="l" defTabSz="914400" rtl="0" eaLnBrk="1" latinLnBrk="0" hangingPunct="1">
+      <a:defRPr sz="1200" kern="1200">
+        <a:solidFill>
+          <a:schemeClr val="tx1"/>
+        </a:solidFill>
+        <a:latin typeface="+mn-lt"/>
+        <a:ea typeface="+mn-ea"/>
+        <a:cs typeface="+mn-cs"/>
+      </a:defRPr>
+    </a:lvl7pPr>
+    <a:lvl8pPr marL="3200400" algn="l" defTabSz="914400" rtl="0" eaLnBrk="1" latinLnBrk="0" hangingPunct="1">
+      <a:defRPr sz="1200" kern="1200">
+        <a:solidFill>
+          <a:schemeClr val="tx1"/>
+        </a:solidFill>
+        <a:latin typeface="+mn-lt"/>
+        <a:ea typeface="+mn-ea"/>
+        <a:cs typeface="+mn-cs"/>
+      </a:defRPr>
+    </a:lvl8pPr>
+    <a:lvl9pPr marL="3657600" algn="l" defTabSz="914400" rtl="0" eaLnBrk="1" latinLnBrk="0" hangingPunct="1">
+      <a:defRPr sz="1200" kern="1200">
+        <a:solidFill>
+          <a:schemeClr val="tx1"/>
+        </a:solidFill>
+        <a:latin typeface="+mn-lt"/>
+        <a:ea typeface="+mn-ea"/>
+        <a:cs typeface="+mn-cs"/>
+      </a:defRPr>
+    </a:lvl9pPr>
+  </p:notesStyle>
+</p:notesMaster>
+</file>
+
+<file path=ppt/notesSlides/notesSlide1.xml><?xml version="1.0" encoding="utf-8"?>
+<p:notes xmlns:a="http://schemas.openxmlformats.org/drawingml/2006/main" xmlns:r="http://schemas.openxmlformats.org/officeDocument/2006/relationships" xmlns:p="http://schemas.openxmlformats.org/presentationml/2006/main">
+  <p:cSld>
+    <p:spTree>
+      <p:nvGrpSpPr>
+        <p:cNvPr id="1" name=""/>
+        <p:cNvGrpSpPr/>
+        <p:nvPr/>
+      </p:nvGrpSpPr>
+      <p:grpSpPr>
+        <a:xfrm>
+          <a:off x="0" y="0"/>
+          <a:ext cx="0" cy="0"/>
+          <a:chOff x="0" y="0"/>
+          <a:chExt cx="0" cy="0"/>
+        </a:xfrm>
+      </p:grpSpPr>
+      <p:sp>
+        <p:nvSpPr>
+          <p:cNvPr id="2" name="Slide Image Placeholder 1"/>
+          <p:cNvSpPr>
+            <a:spLocks noGrp="1" noRot="1" noChangeAspect="1"/>
+          </p:cNvSpPr>
+          <p:nvPr>
+            <p:ph type="sldImg"/>
+          </p:nvPr>
+        </p:nvSpPr>
+        <p:spPr/>
+      </p:sp>
+      <p:sp>
+        <p:nvSpPr>
+          <p:cNvPr id="3" name="Notes Placeholder 2"/>
+          <p:cNvSpPr>
+            <a:spLocks noGrp="1"/>
+          </p:cNvSpPr>
+          <p:nvPr>
+            <p:ph type="body" idx="1"/>
+          </p:nvPr>
+        </p:nvSpPr>
+        <p:spPr/>
+        <p:txBody>
+          <a:bodyPr/>
+          <a:lstStyle/>
+          <a:p>
+            <a:endParaRPr lang="en-US" dirty="0"/>
+          </a:p>
+        </p:txBody>
+      </p:sp>
+      <p:sp>
+        <p:nvSpPr>
+          <p:cNvPr id="4" name="Slide Number Placeholder 3"/>
+          <p:cNvSpPr>
+            <a:spLocks noGrp="1"/>
+          </p:cNvSpPr>
+          <p:nvPr>
+            <p:ph type="sldNum" sz="quarter" idx="5"/>
+          </p:nvPr>
+        </p:nvSpPr>
+        <p:spPr/>
+        <p:txBody>
+          <a:bodyPr/>
+          <a:lstStyle/>
+          <a:p>
+            <a:fld id="{A3F0E503-C0B8-DB47-8742-34E2D1B831F6}" type="slidenum">
+              <a:rPr lang="en-US" smtClean="0"/>
+              <a:t>11</a:t>
+            </a:fld>
+            <a:endParaRPr lang="en-US"/>
+          </a:p>
+        </p:txBody>
+      </p:sp>
+    </p:spTree>
+    <p:extLst>
+      <p:ext uri="{BB962C8B-B14F-4D97-AF65-F5344CB8AC3E}">
+        <p14:creationId xmlns:p14="http://schemas.microsoft.com/office/powerpoint/2010/main" val="1043102007"/>
+      </p:ext>
+    </p:extLst>
+  </p:cSld>
+  <p:clrMapOvr>
+    <a:masterClrMapping/>
+  </p:clrMapOvr>
+</p:notes>
+</file>
+
+<file path=ppt/slideLayouts/slideLayout1.xml><?xml version="1.0" encoding="utf-8"?>
+<p:sldLayout xmlns:a="http://schemas.openxmlformats.org/drawingml/2006/main" xmlns:r="http://schemas.openxmlformats.org/officeDocument/2006/relationships" xmlns:p="http://schemas.openxmlformats.org/presentationml/2006/main" type="title" preserve="1">
+  <p:cSld name="Title Slide">
+    <p:bg>
+      <p:bgPr>
+        <a:solidFill>
+          <a:schemeClr val="accent2"/>
+        </a:solidFill>
+        <a:effectLst/>
+      </p:bgPr>
+    </p:bg>
+    <p:spTree>
+      <p:nvGrpSpPr>
+        <p:cNvPr id="1" name=""/>
+        <p:cNvGrpSpPr/>
+        <p:nvPr/>
+      </p:nvGrpSpPr>
+      <p:grpSpPr>
+        <a:xfrm>
+          <a:off x="0" y="0"/>
+          <a:ext cx="0" cy="0"/>
+          <a:chOff x="0" y="0"/>
+          <a:chExt cx="0" cy="0"/>
+        </a:xfrm>
+      </p:grpSpPr>
+      <p:sp>
+        <p:nvSpPr>
+          <p:cNvPr id="2" name="Title 1"/>
           <p:cNvSpPr>
             <a:spLocks noGrp="1"/>
           </p:cNvSpPr>
@@ -159,17 +597,31 @@
             <p:ph type="ctrTitle"/>
           </p:nvPr>
         </p:nvSpPr>
-        <p:spPr>
-          <a:xfrm>
-            <a:off x="1524000" y="1122363"/>
-            <a:ext cx="9144000" cy="2387600"/>
-          </a:xfrm>
-        </p:spPr>
-        <p:txBody>
-          <a:bodyPr anchor="b"/>
+        <p:spPr bwMode="blackWhite">
+          <a:xfrm>
+            <a:off x="1600200" y="2386744"/>
+            <a:ext cx="8991600" cy="1645920"/>
+          </a:xfrm>
+          <a:solidFill>
+            <a:srgbClr val="FFFFFF"/>
+          </a:solidFill>
+          <a:ln w="38100">
+            <a:solidFill>
+              <a:srgbClr val="404040"/>
+            </a:solidFill>
+          </a:ln>
+        </p:spPr>
+        <p:txBody>
+          <a:bodyPr lIns="274320" rIns="274320" anchor="ctr" anchorCtr="1">
+            <a:normAutofit/>
+          </a:bodyPr>
           <a:lstStyle>
             <a:lvl1pPr algn="ctr">
-              <a:defRPr sz="6000"/>
+              <a:defRPr sz="3800">
+                <a:solidFill>
+                  <a:srgbClr val="262626"/>
+                </a:solidFill>
+              </a:defRPr>
             </a:lvl1pPr>
           </a:lstStyle>
           <a:p>
@@ -177,18 +629,13 @@
               <a:rPr lang="en-US"/>
               <a:t>Click to edit Master title style</a:t>
             </a:r>
-          </a:p>
-        </p:txBody>
-      </p:sp>
-      <p:sp>
-        <p:nvSpPr>
-          <p:cNvPr id="3" name="Subtitle 2">
-            <a:extLst>
-              <a:ext uri="{FF2B5EF4-FFF2-40B4-BE49-F238E27FC236}">
-                <a16:creationId xmlns:a16="http://schemas.microsoft.com/office/drawing/2014/main" id="{63A6EB53-A1FE-B949-8866-506ED7ED52A6}"/>
-              </a:ext>
-            </a:extLst>
-          </p:cNvPr>
+            <a:endParaRPr lang="en-US" dirty="0"/>
+          </a:p>
+        </p:txBody>
+      </p:sp>
+      <p:sp>
+        <p:nvSpPr>
+          <p:cNvPr id="3" name="Subtitle 2"/>
           <p:cNvSpPr>
             <a:spLocks noGrp="1"/>
           </p:cNvSpPr>
@@ -198,16 +645,26 @@
         </p:nvSpPr>
         <p:spPr>
           <a:xfrm>
-            <a:off x="1524000" y="3602038"/>
-            <a:ext cx="9144000" cy="1655762"/>
-          </a:xfrm>
-        </p:spPr>
-        <p:txBody>
-          <a:bodyPr/>
+            <a:off x="2695194" y="4352544"/>
+            <a:ext cx="6801612" cy="1239894"/>
+          </a:xfrm>
+          <a:noFill/>
+        </p:spPr>
+        <p:txBody>
+          <a:bodyPr>
+            <a:normAutofit/>
+          </a:bodyPr>
           <a:lstStyle>
             <a:lvl1pPr marL="0" indent="0" algn="ctr">
               <a:buNone/>
-              <a:defRPr sz="2400"/>
+              <a:defRPr sz="2000">
+                <a:solidFill>
+                  <a:schemeClr val="tx1">
+                    <a:lumMod val="75000"/>
+                    <a:lumOff val="25000"/>
+                  </a:schemeClr>
+                </a:solidFill>
+              </a:defRPr>
             </a:lvl1pPr>
             <a:lvl2pPr marL="457200" indent="0" algn="ctr">
               <a:buNone/>
@@ -247,18 +704,13 @@
               <a:rPr lang="en-US"/>
               <a:t>Click to edit Master subtitle style</a:t>
             </a:r>
-          </a:p>
-        </p:txBody>
-      </p:sp>
-      <p:sp>
-        <p:nvSpPr>
-          <p:cNvPr id="4" name="Date Placeholder 3">
-            <a:extLst>
-              <a:ext uri="{FF2B5EF4-FFF2-40B4-BE49-F238E27FC236}">
-                <a16:creationId xmlns:a16="http://schemas.microsoft.com/office/drawing/2014/main" id="{539BBA84-3821-464E-9E78-05F6EFD8C219}"/>
-              </a:ext>
-            </a:extLst>
-          </p:cNvPr>
+            <a:endParaRPr lang="en-US" dirty="0"/>
+          </a:p>
+        </p:txBody>
+      </p:sp>
+      <p:sp>
+        <p:nvSpPr>
+          <p:cNvPr id="7" name="Date Placeholder 6"/>
           <p:cNvSpPr>
             <a:spLocks noGrp="1"/>
           </p:cNvSpPr>
@@ -273,7 +725,7 @@
           <a:p>
             <a:fld id="{8C11D646-4C9B-4D48-BFDD-EE8CA063219B}" type="datetimeFigureOut">
               <a:rPr lang="en-US" smtClean="0"/>
-              <a:t>8/8/19</a:t>
+              <a:t>8/13/19</a:t>
             </a:fld>
             <a:endParaRPr lang="en-US"/>
           </a:p>
@@ -281,13 +733,7 @@
       </p:sp>
       <p:sp>
         <p:nvSpPr>
-          <p:cNvPr id="5" name="Footer Placeholder 4">
-            <a:extLst>
-              <a:ext uri="{FF2B5EF4-FFF2-40B4-BE49-F238E27FC236}">
-                <a16:creationId xmlns:a16="http://schemas.microsoft.com/office/drawing/2014/main" id="{0050CB3F-6892-AA49-8940-41722F0DCF42}"/>
-              </a:ext>
-            </a:extLst>
-          </p:cNvPr>
+          <p:cNvPr id="8" name="Footer Placeholder 7"/>
           <p:cNvSpPr>
             <a:spLocks noGrp="1"/>
           </p:cNvSpPr>
@@ -306,13 +752,7 @@
       </p:sp>
       <p:sp>
         <p:nvSpPr>
-          <p:cNvPr id="6" name="Slide Number Placeholder 5">
-            <a:extLst>
-              <a:ext uri="{FF2B5EF4-FFF2-40B4-BE49-F238E27FC236}">
-                <a16:creationId xmlns:a16="http://schemas.microsoft.com/office/drawing/2014/main" id="{290250A7-69B1-7748-9118-80515584EBE2}"/>
-              </a:ext>
-            </a:extLst>
-          </p:cNvPr>
+          <p:cNvPr id="9" name="Slide Number Placeholder 8"/>
           <p:cNvSpPr>
             <a:spLocks noGrp="1"/>
           </p:cNvSpPr>
@@ -336,12 +776,12 @@
     </p:spTree>
     <p:extLst>
       <p:ext uri="{BB962C8B-B14F-4D97-AF65-F5344CB8AC3E}">
-        <p14:creationId xmlns:p14="http://schemas.microsoft.com/office/powerpoint/2010/main" val="1267305983"/>
+        <p14:creationId xmlns:p14="http://schemas.microsoft.com/office/powerpoint/2010/main" val="233559294"/>
       </p:ext>
     </p:extLst>
   </p:cSld>
   <p:clrMapOvr>
-    <a:masterClrMapping/>
+    <a:overrideClrMapping bg1="dk1" tx1="lt1" bg2="dk2" tx2="lt2" accent1="accent1" accent2="accent2" accent3="accent3" accent4="accent4" accent5="accent5" accent6="accent6" hlink="hlink" folHlink="folHlink"/>
   </p:clrMapOvr>
 </p:sldLayout>
 </file>
@@ -365,13 +805,7 @@
       </p:grpSpPr>
       <p:sp>
         <p:nvSpPr>
-          <p:cNvPr id="2" name="Title 1">
-            <a:extLst>
-              <a:ext uri="{FF2B5EF4-FFF2-40B4-BE49-F238E27FC236}">
-                <a16:creationId xmlns:a16="http://schemas.microsoft.com/office/drawing/2014/main" id="{18A4A871-27ED-E94C-8A0B-93A101034BA0}"/>
-              </a:ext>
-            </a:extLst>
-          </p:cNvPr>
+          <p:cNvPr id="2" name="Title 1"/>
           <p:cNvSpPr>
             <a:spLocks noGrp="1"/>
           </p:cNvSpPr>
@@ -388,18 +822,13 @@
               <a:rPr lang="en-US"/>
               <a:t>Click to edit Master title style</a:t>
             </a:r>
-          </a:p>
-        </p:txBody>
-      </p:sp>
-      <p:sp>
-        <p:nvSpPr>
-          <p:cNvPr id="3" name="Vertical Text Placeholder 2">
-            <a:extLst>
-              <a:ext uri="{FF2B5EF4-FFF2-40B4-BE49-F238E27FC236}">
-                <a16:creationId xmlns:a16="http://schemas.microsoft.com/office/drawing/2014/main" id="{4C4F662A-4F2B-AC4A-8377-ED2C4CFE1AD0}"/>
-              </a:ext>
-            </a:extLst>
-          </p:cNvPr>
+            <a:endParaRPr lang="en-US" dirty="0"/>
+          </a:p>
+        </p:txBody>
+      </p:sp>
+      <p:sp>
+        <p:nvSpPr>
+          <p:cNvPr id="3" name="Vertical Text Placeholder 2"/>
           <p:cNvSpPr>
             <a:spLocks noGrp="1"/>
           </p:cNvSpPr>
@@ -445,18 +874,13 @@
               <a:rPr lang="en-US"/>
               <a:t>Fifth level</a:t>
             </a:r>
-          </a:p>
-        </p:txBody>
-      </p:sp>
-      <p:sp>
-        <p:nvSpPr>
-          <p:cNvPr id="4" name="Date Placeholder 3">
-            <a:extLst>
-              <a:ext uri="{FF2B5EF4-FFF2-40B4-BE49-F238E27FC236}">
-                <a16:creationId xmlns:a16="http://schemas.microsoft.com/office/drawing/2014/main" id="{29B56FDC-9242-284D-B386-A16EC01F8F2E}"/>
-              </a:ext>
-            </a:extLst>
-          </p:cNvPr>
+            <a:endParaRPr lang="en-US" dirty="0"/>
+          </a:p>
+        </p:txBody>
+      </p:sp>
+      <p:sp>
+        <p:nvSpPr>
+          <p:cNvPr id="4" name="Date Placeholder 3"/>
           <p:cNvSpPr>
             <a:spLocks noGrp="1"/>
           </p:cNvSpPr>
@@ -471,7 +895,7 @@
           <a:p>
             <a:fld id="{8C11D646-4C9B-4D48-BFDD-EE8CA063219B}" type="datetimeFigureOut">
               <a:rPr lang="en-US" smtClean="0"/>
-              <a:t>8/8/19</a:t>
+              <a:t>8/13/19</a:t>
             </a:fld>
             <a:endParaRPr lang="en-US"/>
           </a:p>
@@ -479,13 +903,7 @@
       </p:sp>
       <p:sp>
         <p:nvSpPr>
-          <p:cNvPr id="5" name="Footer Placeholder 4">
-            <a:extLst>
-              <a:ext uri="{FF2B5EF4-FFF2-40B4-BE49-F238E27FC236}">
-                <a16:creationId xmlns:a16="http://schemas.microsoft.com/office/drawing/2014/main" id="{0A2A7DCF-77C1-0A4C-A560-FAC5A1E97994}"/>
-              </a:ext>
-            </a:extLst>
-          </p:cNvPr>
+          <p:cNvPr id="5" name="Footer Placeholder 4"/>
           <p:cNvSpPr>
             <a:spLocks noGrp="1"/>
           </p:cNvSpPr>
@@ -504,13 +922,7 @@
       </p:sp>
       <p:sp>
         <p:nvSpPr>
-          <p:cNvPr id="6" name="Slide Number Placeholder 5">
-            <a:extLst>
-              <a:ext uri="{FF2B5EF4-FFF2-40B4-BE49-F238E27FC236}">
-                <a16:creationId xmlns:a16="http://schemas.microsoft.com/office/drawing/2014/main" id="{F601BD66-94AC-7348-A243-68551C52F675}"/>
-              </a:ext>
-            </a:extLst>
-          </p:cNvPr>
+          <p:cNvPr id="6" name="Slide Number Placeholder 5"/>
           <p:cNvSpPr>
             <a:spLocks noGrp="1"/>
           </p:cNvSpPr>
@@ -534,7 +946,7 @@
     </p:spTree>
     <p:extLst>
       <p:ext uri="{BB962C8B-B14F-4D97-AF65-F5344CB8AC3E}">
-        <p14:creationId xmlns:p14="http://schemas.microsoft.com/office/powerpoint/2010/main" val="1884420741"/>
+        <p14:creationId xmlns:p14="http://schemas.microsoft.com/office/powerpoint/2010/main" val="2968026523"/>
       </p:ext>
     </p:extLst>
   </p:cSld>
@@ -563,13 +975,7 @@
       </p:grpSpPr>
       <p:sp>
         <p:nvSpPr>
-          <p:cNvPr id="2" name="Vertical Title 1">
-            <a:extLst>
-              <a:ext uri="{FF2B5EF4-FFF2-40B4-BE49-F238E27FC236}">
-                <a16:creationId xmlns:a16="http://schemas.microsoft.com/office/drawing/2014/main" id="{0AF6B3AD-FFDE-CA40-A809-7BC60D6054D1}"/>
-              </a:ext>
-            </a:extLst>
-          </p:cNvPr>
+          <p:cNvPr id="2" name="Vertical Title 1"/>
           <p:cNvSpPr>
             <a:spLocks noGrp="1"/>
           </p:cNvSpPr>
@@ -579,8 +985,8 @@
         </p:nvSpPr>
         <p:spPr>
           <a:xfrm>
-            <a:off x="8724900" y="365125"/>
-            <a:ext cx="2628900" cy="5811838"/>
+            <a:off x="8653112" y="937260"/>
+            <a:ext cx="1298608" cy="4983480"/>
           </a:xfrm>
         </p:spPr>
         <p:txBody>
@@ -591,18 +997,13 @@
               <a:rPr lang="en-US"/>
               <a:t>Click to edit Master title style</a:t>
             </a:r>
-          </a:p>
-        </p:txBody>
-      </p:sp>
-      <p:sp>
-        <p:nvSpPr>
-          <p:cNvPr id="3" name="Vertical Text Placeholder 2">
-            <a:extLst>
-              <a:ext uri="{FF2B5EF4-FFF2-40B4-BE49-F238E27FC236}">
-                <a16:creationId xmlns:a16="http://schemas.microsoft.com/office/drawing/2014/main" id="{4C8B6D48-26A5-E34B-8B0E-456B5EA3DDA1}"/>
-              </a:ext>
-            </a:extLst>
-          </p:cNvPr>
+            <a:endParaRPr lang="en-US" dirty="0"/>
+          </a:p>
+        </p:txBody>
+      </p:sp>
+      <p:sp>
+        <p:nvSpPr>
+          <p:cNvPr id="3" name="Vertical Text Placeholder 2"/>
           <p:cNvSpPr>
             <a:spLocks noGrp="1"/>
           </p:cNvSpPr>
@@ -612,8 +1013,8 @@
         </p:nvSpPr>
         <p:spPr>
           <a:xfrm>
-            <a:off x="838200" y="365125"/>
-            <a:ext cx="7734300" cy="5811838"/>
+            <a:off x="2231136" y="937260"/>
+            <a:ext cx="6198489" cy="4983480"/>
           </a:xfrm>
         </p:spPr>
         <p:txBody>
@@ -653,18 +1054,13 @@
               <a:rPr lang="en-US"/>
               <a:t>Fifth level</a:t>
             </a:r>
-          </a:p>
-        </p:txBody>
-      </p:sp>
-      <p:sp>
-        <p:nvSpPr>
-          <p:cNvPr id="4" name="Date Placeholder 3">
-            <a:extLst>
-              <a:ext uri="{FF2B5EF4-FFF2-40B4-BE49-F238E27FC236}">
-                <a16:creationId xmlns:a16="http://schemas.microsoft.com/office/drawing/2014/main" id="{C41A3755-BB3F-6A4A-B5EC-C803B8123B09}"/>
-              </a:ext>
-            </a:extLst>
-          </p:cNvPr>
+            <a:endParaRPr lang="en-US" dirty="0"/>
+          </a:p>
+        </p:txBody>
+      </p:sp>
+      <p:sp>
+        <p:nvSpPr>
+          <p:cNvPr id="4" name="Date Placeholder 3"/>
           <p:cNvSpPr>
             <a:spLocks noGrp="1"/>
           </p:cNvSpPr>
@@ -679,7 +1075,7 @@
           <a:p>
             <a:fld id="{8C11D646-4C9B-4D48-BFDD-EE8CA063219B}" type="datetimeFigureOut">
               <a:rPr lang="en-US" smtClean="0"/>
-              <a:t>8/8/19</a:t>
+              <a:t>8/13/19</a:t>
             </a:fld>
             <a:endParaRPr lang="en-US"/>
           </a:p>
@@ -687,13 +1083,7 @@
       </p:sp>
       <p:sp>
         <p:nvSpPr>
-          <p:cNvPr id="5" name="Footer Placeholder 4">
-            <a:extLst>
-              <a:ext uri="{FF2B5EF4-FFF2-40B4-BE49-F238E27FC236}">
-                <a16:creationId xmlns:a16="http://schemas.microsoft.com/office/drawing/2014/main" id="{E1A51F5E-49A3-D247-916F-077E8D5CE1FB}"/>
-              </a:ext>
-            </a:extLst>
-          </p:cNvPr>
+          <p:cNvPr id="5" name="Footer Placeholder 4"/>
           <p:cNvSpPr>
             <a:spLocks noGrp="1"/>
           </p:cNvSpPr>
@@ -712,13 +1102,7 @@
       </p:sp>
       <p:sp>
         <p:nvSpPr>
-          <p:cNvPr id="6" name="Slide Number Placeholder 5">
-            <a:extLst>
-              <a:ext uri="{FF2B5EF4-FFF2-40B4-BE49-F238E27FC236}">
-                <a16:creationId xmlns:a16="http://schemas.microsoft.com/office/drawing/2014/main" id="{012F601A-D42D-5E40-888D-24668D38E5B1}"/>
-              </a:ext>
-            </a:extLst>
-          </p:cNvPr>
+          <p:cNvPr id="6" name="Slide Number Placeholder 5"/>
           <p:cNvSpPr>
             <a:spLocks noGrp="1"/>
           </p:cNvSpPr>
@@ -742,7 +1126,7 @@
     </p:spTree>
     <p:extLst>
       <p:ext uri="{BB962C8B-B14F-4D97-AF65-F5344CB8AC3E}">
-        <p14:creationId xmlns:p14="http://schemas.microsoft.com/office/powerpoint/2010/main" val="4129438889"/>
+        <p14:creationId xmlns:p14="http://schemas.microsoft.com/office/powerpoint/2010/main" val="3880735286"/>
       </p:ext>
     </p:extLst>
   </p:cSld>
@@ -771,13 +1155,7 @@
       </p:grpSpPr>
       <p:sp>
         <p:nvSpPr>
-          <p:cNvPr id="2" name="Title 1">
-            <a:extLst>
-              <a:ext uri="{FF2B5EF4-FFF2-40B4-BE49-F238E27FC236}">
-                <a16:creationId xmlns:a16="http://schemas.microsoft.com/office/drawing/2014/main" id="{66E48AAC-16A8-EE41-AA41-D8AA59FF8B6D}"/>
-              </a:ext>
-            </a:extLst>
-          </p:cNvPr>
+          <p:cNvPr id="2" name="Title 1"/>
           <p:cNvSpPr>
             <a:spLocks noGrp="1"/>
           </p:cNvSpPr>
@@ -794,18 +1172,13 @@
               <a:rPr lang="en-US"/>
               <a:t>Click to edit Master title style</a:t>
             </a:r>
-          </a:p>
-        </p:txBody>
-      </p:sp>
-      <p:sp>
-        <p:nvSpPr>
-          <p:cNvPr id="3" name="Content Placeholder 2">
-            <a:extLst>
-              <a:ext uri="{FF2B5EF4-FFF2-40B4-BE49-F238E27FC236}">
-                <a16:creationId xmlns:a16="http://schemas.microsoft.com/office/drawing/2014/main" id="{1B262341-E864-9648-A8D7-BC3C61D54BA7}"/>
-              </a:ext>
-            </a:extLst>
-          </p:cNvPr>
+            <a:endParaRPr lang="en-US" dirty="0"/>
+          </a:p>
+        </p:txBody>
+      </p:sp>
+      <p:sp>
+        <p:nvSpPr>
+          <p:cNvPr id="3" name="Content Placeholder 2"/>
           <p:cNvSpPr>
             <a:spLocks noGrp="1"/>
           </p:cNvSpPr>
@@ -851,18 +1224,13 @@
               <a:rPr lang="en-US"/>
               <a:t>Fifth level</a:t>
             </a:r>
-          </a:p>
-        </p:txBody>
-      </p:sp>
-      <p:sp>
-        <p:nvSpPr>
-          <p:cNvPr id="4" name="Date Placeholder 3">
-            <a:extLst>
-              <a:ext uri="{FF2B5EF4-FFF2-40B4-BE49-F238E27FC236}">
-                <a16:creationId xmlns:a16="http://schemas.microsoft.com/office/drawing/2014/main" id="{9C29482B-F4C2-5245-A25A-44150CBB38D4}"/>
-              </a:ext>
-            </a:extLst>
-          </p:cNvPr>
+            <a:endParaRPr lang="en-US" dirty="0"/>
+          </a:p>
+        </p:txBody>
+      </p:sp>
+      <p:sp>
+        <p:nvSpPr>
+          <p:cNvPr id="7" name="Date Placeholder 6"/>
           <p:cNvSpPr>
             <a:spLocks noGrp="1"/>
           </p:cNvSpPr>
@@ -877,7 +1245,7 @@
           <a:p>
             <a:fld id="{8C11D646-4C9B-4D48-BFDD-EE8CA063219B}" type="datetimeFigureOut">
               <a:rPr lang="en-US" smtClean="0"/>
-              <a:t>8/8/19</a:t>
+              <a:t>8/13/19</a:t>
             </a:fld>
             <a:endParaRPr lang="en-US"/>
           </a:p>
@@ -885,13 +1253,7 @@
       </p:sp>
       <p:sp>
         <p:nvSpPr>
-          <p:cNvPr id="5" name="Footer Placeholder 4">
-            <a:extLst>
-              <a:ext uri="{FF2B5EF4-FFF2-40B4-BE49-F238E27FC236}">
-                <a16:creationId xmlns:a16="http://schemas.microsoft.com/office/drawing/2014/main" id="{DA8E588A-BA6F-A543-BAEB-499339D116A9}"/>
-              </a:ext>
-            </a:extLst>
-          </p:cNvPr>
+          <p:cNvPr id="8" name="Footer Placeholder 7"/>
           <p:cNvSpPr>
             <a:spLocks noGrp="1"/>
           </p:cNvSpPr>
@@ -910,13 +1272,7 @@
       </p:sp>
       <p:sp>
         <p:nvSpPr>
-          <p:cNvPr id="6" name="Slide Number Placeholder 5">
-            <a:extLst>
-              <a:ext uri="{FF2B5EF4-FFF2-40B4-BE49-F238E27FC236}">
-                <a16:creationId xmlns:a16="http://schemas.microsoft.com/office/drawing/2014/main" id="{4F305A6B-99B5-B94B-8540-8446F131F9D1}"/>
-              </a:ext>
-            </a:extLst>
-          </p:cNvPr>
+          <p:cNvPr id="9" name="Slide Number Placeholder 8"/>
           <p:cNvSpPr>
             <a:spLocks noGrp="1"/>
           </p:cNvSpPr>
@@ -940,7 +1296,7 @@
     </p:spTree>
     <p:extLst>
       <p:ext uri="{BB962C8B-B14F-4D97-AF65-F5344CB8AC3E}">
-        <p14:creationId xmlns:p14="http://schemas.microsoft.com/office/powerpoint/2010/main" val="842975538"/>
+        <p14:creationId xmlns:p14="http://schemas.microsoft.com/office/powerpoint/2010/main" val="2981779292"/>
       </p:ext>
     </p:extLst>
   </p:cSld>
@@ -953,6 +1309,14 @@
 <file path=ppt/slideLayouts/slideLayout3.xml><?xml version="1.0" encoding="utf-8"?>
 <p:sldLayout xmlns:a="http://schemas.openxmlformats.org/drawingml/2006/main" xmlns:r="http://schemas.openxmlformats.org/officeDocument/2006/relationships" xmlns:p="http://schemas.openxmlformats.org/presentationml/2006/main" type="secHead" preserve="1">
   <p:cSld name="Section Header">
+    <p:bg>
+      <p:bgPr>
+        <a:solidFill>
+          <a:schemeClr val="accent1"/>
+        </a:solidFill>
+        <a:effectLst/>
+      </p:bgPr>
+    </p:bg>
     <p:spTree>
       <p:nvGrpSpPr>
         <p:cNvPr id="1" name=""/>
@@ -969,13 +1333,7 @@
       </p:grpSpPr>
       <p:sp>
         <p:nvSpPr>
-          <p:cNvPr id="2" name="Title 1">
-            <a:extLst>
-              <a:ext uri="{FF2B5EF4-FFF2-40B4-BE49-F238E27FC236}">
-                <a16:creationId xmlns:a16="http://schemas.microsoft.com/office/drawing/2014/main" id="{4A750CDF-92D3-764B-9C8A-0FA364729B49}"/>
-              </a:ext>
-            </a:extLst>
-          </p:cNvPr>
+          <p:cNvPr id="2" name="Title 1"/>
           <p:cNvSpPr>
             <a:spLocks noGrp="1"/>
           </p:cNvSpPr>
@@ -983,17 +1341,31 @@
             <p:ph type="title"/>
           </p:nvPr>
         </p:nvSpPr>
-        <p:spPr>
-          <a:xfrm>
-            <a:off x="831850" y="1709738"/>
-            <a:ext cx="10515600" cy="2852737"/>
-          </a:xfrm>
-        </p:spPr>
-        <p:txBody>
-          <a:bodyPr anchor="b"/>
+        <p:spPr bwMode="blackWhite">
+          <a:xfrm>
+            <a:off x="1600200" y="2386744"/>
+            <a:ext cx="8991600" cy="1645920"/>
+          </a:xfrm>
+          <a:solidFill>
+            <a:srgbClr val="FFFFFF"/>
+          </a:solidFill>
+          <a:ln w="38100">
+            <a:solidFill>
+              <a:srgbClr val="404040"/>
+            </a:solidFill>
+          </a:ln>
+        </p:spPr>
+        <p:txBody>
+          <a:bodyPr lIns="274320" rIns="274320" anchor="ctr" anchorCtr="1">
+            <a:normAutofit/>
+          </a:bodyPr>
           <a:lstStyle>
             <a:lvl1pPr>
-              <a:defRPr sz="6000"/>
+              <a:defRPr sz="3800">
+                <a:solidFill>
+                  <a:srgbClr val="262626"/>
+                </a:solidFill>
+              </a:defRPr>
             </a:lvl1pPr>
           </a:lstStyle>
           <a:p>
@@ -1001,18 +1373,13 @@
               <a:rPr lang="en-US"/>
               <a:t>Click to edit Master title style</a:t>
             </a:r>
-          </a:p>
-        </p:txBody>
-      </p:sp>
-      <p:sp>
-        <p:nvSpPr>
-          <p:cNvPr id="3" name="Text Placeholder 2">
-            <a:extLst>
-              <a:ext uri="{FF2B5EF4-FFF2-40B4-BE49-F238E27FC236}">
-                <a16:creationId xmlns:a16="http://schemas.microsoft.com/office/drawing/2014/main" id="{89B15C38-35D4-D842-95C8-9C6A16948752}"/>
-              </a:ext>
-            </a:extLst>
-          </p:cNvPr>
+            <a:endParaRPr lang="en-US" dirty="0"/>
+          </a:p>
+        </p:txBody>
+      </p:sp>
+      <p:sp>
+        <p:nvSpPr>
+          <p:cNvPr id="3" name="Text Placeholder 2"/>
           <p:cNvSpPr>
             <a:spLocks noGrp="1"/>
           </p:cNvSpPr>
@@ -1022,20 +1389,20 @@
         </p:nvSpPr>
         <p:spPr>
           <a:xfrm>
-            <a:off x="831850" y="4589463"/>
-            <a:ext cx="10515600" cy="1500187"/>
-          </a:xfrm>
-        </p:spPr>
-        <p:txBody>
-          <a:bodyPr/>
+            <a:off x="2695194" y="4352465"/>
+            <a:ext cx="6801612" cy="1265082"/>
+          </a:xfrm>
+        </p:spPr>
+        <p:txBody>
+          <a:bodyPr anchor="t" anchorCtr="1">
+            <a:normAutofit/>
+          </a:bodyPr>
           <a:lstStyle>
             <a:lvl1pPr marL="0" indent="0">
               <a:buNone/>
-              <a:defRPr sz="2400">
+              <a:defRPr sz="2000">
                 <a:solidFill>
-                  <a:schemeClr val="tx1">
-                    <a:tint val="75000"/>
-                  </a:schemeClr>
+                  <a:schemeClr val="tx1"/>
                 </a:solidFill>
               </a:defRPr>
             </a:lvl1pPr>
@@ -1131,13 +1498,7 @@
       </p:sp>
       <p:sp>
         <p:nvSpPr>
-          <p:cNvPr id="4" name="Date Placeholder 3">
-            <a:extLst>
-              <a:ext uri="{FF2B5EF4-FFF2-40B4-BE49-F238E27FC236}">
-                <a16:creationId xmlns:a16="http://schemas.microsoft.com/office/drawing/2014/main" id="{27867AA0-7CC7-6540-BF1A-C25AC8EB19FD}"/>
-              </a:ext>
-            </a:extLst>
-          </p:cNvPr>
+          <p:cNvPr id="7" name="Date Placeholder 6"/>
           <p:cNvSpPr>
             <a:spLocks noGrp="1"/>
           </p:cNvSpPr>
@@ -1152,7 +1513,7 @@
           <a:p>
             <a:fld id="{8C11D646-4C9B-4D48-BFDD-EE8CA063219B}" type="datetimeFigureOut">
               <a:rPr lang="en-US" smtClean="0"/>
-              <a:t>8/8/19</a:t>
+              <a:t>8/13/19</a:t>
             </a:fld>
             <a:endParaRPr lang="en-US"/>
           </a:p>
@@ -1160,13 +1521,7 @@
       </p:sp>
       <p:sp>
         <p:nvSpPr>
-          <p:cNvPr id="5" name="Footer Placeholder 4">
-            <a:extLst>
-              <a:ext uri="{FF2B5EF4-FFF2-40B4-BE49-F238E27FC236}">
-                <a16:creationId xmlns:a16="http://schemas.microsoft.com/office/drawing/2014/main" id="{54BEE90B-B13D-DB4D-AC01-DD7406E1190A}"/>
-              </a:ext>
-            </a:extLst>
-          </p:cNvPr>
+          <p:cNvPr id="8" name="Footer Placeholder 7"/>
           <p:cNvSpPr>
             <a:spLocks noGrp="1"/>
           </p:cNvSpPr>
@@ -1185,13 +1540,7 @@
       </p:sp>
       <p:sp>
         <p:nvSpPr>
-          <p:cNvPr id="6" name="Slide Number Placeholder 5">
-            <a:extLst>
-              <a:ext uri="{FF2B5EF4-FFF2-40B4-BE49-F238E27FC236}">
-                <a16:creationId xmlns:a16="http://schemas.microsoft.com/office/drawing/2014/main" id="{0A78A72E-19CD-D54F-8509-5D3071D6DA32}"/>
-              </a:ext>
-            </a:extLst>
-          </p:cNvPr>
+          <p:cNvPr id="9" name="Slide Number Placeholder 8"/>
           <p:cNvSpPr>
             <a:spLocks noGrp="1"/>
           </p:cNvSpPr>
@@ -1215,12 +1564,12 @@
     </p:spTree>
     <p:extLst>
       <p:ext uri="{BB962C8B-B14F-4D97-AF65-F5344CB8AC3E}">
-        <p14:creationId xmlns:p14="http://schemas.microsoft.com/office/powerpoint/2010/main" val="1537649307"/>
+        <p14:creationId xmlns:p14="http://schemas.microsoft.com/office/powerpoint/2010/main" val="1632665349"/>
       </p:ext>
     </p:extLst>
   </p:cSld>
   <p:clrMapOvr>
-    <a:masterClrMapping/>
+    <a:overrideClrMapping bg1="dk1" tx1="lt1" bg2="dk2" tx2="lt2" accent1="accent1" accent2="accent2" accent3="accent3" accent4="accent4" accent5="accent5" accent6="accent6" hlink="hlink" folHlink="folHlink"/>
   </p:clrMapOvr>
 </p:sldLayout>
 </file>
@@ -1244,13 +1593,7 @@
       </p:grpSpPr>
       <p:sp>
         <p:nvSpPr>
-          <p:cNvPr id="2" name="Title 1">
-            <a:extLst>
-              <a:ext uri="{FF2B5EF4-FFF2-40B4-BE49-F238E27FC236}">
-                <a16:creationId xmlns:a16="http://schemas.microsoft.com/office/drawing/2014/main" id="{7D886042-7417-714E-8C39-12DC2EA61B4D}"/>
-              </a:ext>
-            </a:extLst>
-          </p:cNvPr>
+          <p:cNvPr id="2" name="Title 1"/>
           <p:cNvSpPr>
             <a:spLocks noGrp="1"/>
           </p:cNvSpPr>
@@ -1267,18 +1610,13 @@
               <a:rPr lang="en-US"/>
               <a:t>Click to edit Master title style</a:t>
             </a:r>
-          </a:p>
-        </p:txBody>
-      </p:sp>
-      <p:sp>
-        <p:nvSpPr>
-          <p:cNvPr id="3" name="Content Placeholder 2">
-            <a:extLst>
-              <a:ext uri="{FF2B5EF4-FFF2-40B4-BE49-F238E27FC236}">
-                <a16:creationId xmlns:a16="http://schemas.microsoft.com/office/drawing/2014/main" id="{41CA93E1-38B4-4948-9744-9F27936D5651}"/>
-              </a:ext>
-            </a:extLst>
-          </p:cNvPr>
+            <a:endParaRPr lang="en-US" dirty="0"/>
+          </a:p>
+        </p:txBody>
+      </p:sp>
+      <p:sp>
+        <p:nvSpPr>
+          <p:cNvPr id="3" name="Content Placeholder 2"/>
           <p:cNvSpPr>
             <a:spLocks noGrp="1"/>
           </p:cNvSpPr>
@@ -1288,8 +1626,8 @@
         </p:nvSpPr>
         <p:spPr>
           <a:xfrm>
-            <a:off x="838200" y="1825625"/>
-            <a:ext cx="5181600" cy="4351338"/>
+            <a:off x="1581912" y="2638044"/>
+            <a:ext cx="4271771" cy="3101982"/>
           </a:xfrm>
         </p:spPr>
         <p:txBody>
@@ -1329,18 +1667,13 @@
               <a:rPr lang="en-US"/>
               <a:t>Fifth level</a:t>
             </a:r>
-          </a:p>
-        </p:txBody>
-      </p:sp>
-      <p:sp>
-        <p:nvSpPr>
-          <p:cNvPr id="4" name="Content Placeholder 3">
-            <a:extLst>
-              <a:ext uri="{FF2B5EF4-FFF2-40B4-BE49-F238E27FC236}">
-                <a16:creationId xmlns:a16="http://schemas.microsoft.com/office/drawing/2014/main" id="{B65E8F3E-B132-D340-A676-36DC626D026C}"/>
-              </a:ext>
-            </a:extLst>
-          </p:cNvPr>
+            <a:endParaRPr lang="en-US" dirty="0"/>
+          </a:p>
+        </p:txBody>
+      </p:sp>
+      <p:sp>
+        <p:nvSpPr>
+          <p:cNvPr id="4" name="Content Placeholder 3"/>
           <p:cNvSpPr>
             <a:spLocks noGrp="1"/>
           </p:cNvSpPr>
@@ -1350,8 +1683,8 @@
         </p:nvSpPr>
         <p:spPr>
           <a:xfrm>
-            <a:off x="6172200" y="1825625"/>
-            <a:ext cx="5181600" cy="4351338"/>
+            <a:off x="6338315" y="2638044"/>
+            <a:ext cx="4270247" cy="3101982"/>
           </a:xfrm>
         </p:spPr>
         <p:txBody>
@@ -1391,18 +1724,13 @@
               <a:rPr lang="en-US"/>
               <a:t>Fifth level</a:t>
             </a:r>
-          </a:p>
-        </p:txBody>
-      </p:sp>
-      <p:sp>
-        <p:nvSpPr>
-          <p:cNvPr id="5" name="Date Placeholder 4">
-            <a:extLst>
-              <a:ext uri="{FF2B5EF4-FFF2-40B4-BE49-F238E27FC236}">
-                <a16:creationId xmlns:a16="http://schemas.microsoft.com/office/drawing/2014/main" id="{A8884024-4E64-E04D-8A55-15D66BE678BB}"/>
-              </a:ext>
-            </a:extLst>
-          </p:cNvPr>
+            <a:endParaRPr lang="en-US" dirty="0"/>
+          </a:p>
+        </p:txBody>
+      </p:sp>
+      <p:sp>
+        <p:nvSpPr>
+          <p:cNvPr id="8" name="Date Placeholder 7"/>
           <p:cNvSpPr>
             <a:spLocks noGrp="1"/>
           </p:cNvSpPr>
@@ -1417,7 +1745,7 @@
           <a:p>
             <a:fld id="{8C11D646-4C9B-4D48-BFDD-EE8CA063219B}" type="datetimeFigureOut">
               <a:rPr lang="en-US" smtClean="0"/>
-              <a:t>8/8/19</a:t>
+              <a:t>8/13/19</a:t>
             </a:fld>
             <a:endParaRPr lang="en-US"/>
           </a:p>
@@ -1425,13 +1753,7 @@
       </p:sp>
       <p:sp>
         <p:nvSpPr>
-          <p:cNvPr id="6" name="Footer Placeholder 5">
-            <a:extLst>
-              <a:ext uri="{FF2B5EF4-FFF2-40B4-BE49-F238E27FC236}">
-                <a16:creationId xmlns:a16="http://schemas.microsoft.com/office/drawing/2014/main" id="{254D1B62-735A-034C-929C-098DD46C89D5}"/>
-              </a:ext>
-            </a:extLst>
-          </p:cNvPr>
+          <p:cNvPr id="9" name="Footer Placeholder 8"/>
           <p:cNvSpPr>
             <a:spLocks noGrp="1"/>
           </p:cNvSpPr>
@@ -1450,13 +1772,7 @@
       </p:sp>
       <p:sp>
         <p:nvSpPr>
-          <p:cNvPr id="7" name="Slide Number Placeholder 6">
-            <a:extLst>
-              <a:ext uri="{FF2B5EF4-FFF2-40B4-BE49-F238E27FC236}">
-                <a16:creationId xmlns:a16="http://schemas.microsoft.com/office/drawing/2014/main" id="{82E137CC-A83E-0747-8A18-AFAEF07A79C7}"/>
-              </a:ext>
-            </a:extLst>
-          </p:cNvPr>
+          <p:cNvPr id="10" name="Slide Number Placeholder 9"/>
           <p:cNvSpPr>
             <a:spLocks noGrp="1"/>
           </p:cNvSpPr>
@@ -1480,7 +1796,7 @@
     </p:spTree>
     <p:extLst>
       <p:ext uri="{BB962C8B-B14F-4D97-AF65-F5344CB8AC3E}">
-        <p14:creationId xmlns:p14="http://schemas.microsoft.com/office/powerpoint/2010/main" val="4214855237"/>
+        <p14:creationId xmlns:p14="http://schemas.microsoft.com/office/powerpoint/2010/main" val="3977538609"/>
       </p:ext>
     </p:extLst>
   </p:cSld>
@@ -1509,46 +1825,7 @@
       </p:grpSpPr>
       <p:sp>
         <p:nvSpPr>
-          <p:cNvPr id="2" name="Title 1">
-            <a:extLst>
-              <a:ext uri="{FF2B5EF4-FFF2-40B4-BE49-F238E27FC236}">
-                <a16:creationId xmlns:a16="http://schemas.microsoft.com/office/drawing/2014/main" id="{2A6D045F-C3F3-D143-A286-42379418A55A}"/>
-              </a:ext>
-            </a:extLst>
-          </p:cNvPr>
-          <p:cNvSpPr>
-            <a:spLocks noGrp="1"/>
-          </p:cNvSpPr>
-          <p:nvPr>
-            <p:ph type="title"/>
-          </p:nvPr>
-        </p:nvSpPr>
-        <p:spPr>
-          <a:xfrm>
-            <a:off x="839788" y="365125"/>
-            <a:ext cx="10515600" cy="1325563"/>
-          </a:xfrm>
-        </p:spPr>
-        <p:txBody>
-          <a:bodyPr/>
-          <a:lstStyle/>
-          <a:p>
-            <a:r>
-              <a:rPr lang="en-US"/>
-              <a:t>Click to edit Master title style</a:t>
-            </a:r>
-          </a:p>
-        </p:txBody>
-      </p:sp>
-      <p:sp>
-        <p:nvSpPr>
-          <p:cNvPr id="3" name="Text Placeholder 2">
-            <a:extLst>
-              <a:ext uri="{FF2B5EF4-FFF2-40B4-BE49-F238E27FC236}">
-                <a16:creationId xmlns:a16="http://schemas.microsoft.com/office/drawing/2014/main" id="{A24C3ADA-2F93-6448-A1AA-AC2EAEE85CAF}"/>
-              </a:ext>
-            </a:extLst>
-          </p:cNvPr>
+          <p:cNvPr id="3" name="Text Placeholder 2"/>
           <p:cNvSpPr>
             <a:spLocks noGrp="1"/>
           </p:cNvSpPr>
@@ -1558,20 +1835,28 @@
         </p:nvSpPr>
         <p:spPr>
           <a:xfrm>
-            <a:off x="839788" y="1681163"/>
-            <a:ext cx="5157787" cy="823912"/>
-          </a:xfrm>
-        </p:spPr>
-        <p:txBody>
-          <a:bodyPr anchor="b"/>
+            <a:off x="1583436" y="2313433"/>
+            <a:ext cx="4270248" cy="704087"/>
+          </a:xfrm>
+        </p:spPr>
+        <p:txBody>
+          <a:bodyPr anchor="b" anchorCtr="1">
+            <a:normAutofit/>
+          </a:bodyPr>
           <a:lstStyle>
-            <a:lvl1pPr marL="0" indent="0">
+            <a:lvl1pPr marL="0" indent="0" algn="ctr">
               <a:buNone/>
-              <a:defRPr sz="2400" b="1"/>
+              <a:defRPr sz="1900" b="0" cap="all" spc="100" baseline="0">
+                <a:solidFill>
+                  <a:schemeClr val="accent2">
+                    <a:lumMod val="75000"/>
+                  </a:schemeClr>
+                </a:solidFill>
+              </a:defRPr>
             </a:lvl1pPr>
             <a:lvl2pPr marL="457200" indent="0">
               <a:buNone/>
-              <a:defRPr sz="2000" b="1"/>
+              <a:defRPr sz="1900" b="1"/>
             </a:lvl2pPr>
             <a:lvl3pPr marL="914400" indent="0">
               <a:buNone/>
@@ -1613,13 +1898,7 @@
       </p:sp>
       <p:sp>
         <p:nvSpPr>
-          <p:cNvPr id="4" name="Content Placeholder 3">
-            <a:extLst>
-              <a:ext uri="{FF2B5EF4-FFF2-40B4-BE49-F238E27FC236}">
-                <a16:creationId xmlns:a16="http://schemas.microsoft.com/office/drawing/2014/main" id="{2E387136-DFF0-4A4D-BC04-8F715E1D8096}"/>
-              </a:ext>
-            </a:extLst>
-          </p:cNvPr>
+          <p:cNvPr id="4" name="Content Placeholder 3"/>
           <p:cNvSpPr>
             <a:spLocks noGrp="1"/>
           </p:cNvSpPr>
@@ -1629,8 +1908,8 @@
         </p:nvSpPr>
         <p:spPr>
           <a:xfrm>
-            <a:off x="839788" y="2505075"/>
-            <a:ext cx="5157787" cy="3684588"/>
+            <a:off x="1583436" y="3143250"/>
+            <a:ext cx="4270248" cy="2596776"/>
           </a:xfrm>
         </p:spPr>
         <p:txBody>
@@ -1670,41 +1949,105 @@
               <a:rPr lang="en-US"/>
               <a:t>Fifth level</a:t>
             </a:r>
-          </a:p>
-        </p:txBody>
-      </p:sp>
-      <p:sp>
-        <p:nvSpPr>
-          <p:cNvPr id="5" name="Text Placeholder 4">
-            <a:extLst>
-              <a:ext uri="{FF2B5EF4-FFF2-40B4-BE49-F238E27FC236}">
-                <a16:creationId xmlns:a16="http://schemas.microsoft.com/office/drawing/2014/main" id="{7AC6E8B3-2F46-8446-9B9D-6A89F120126B}"/>
-              </a:ext>
-            </a:extLst>
-          </p:cNvPr>
-          <p:cNvSpPr>
-            <a:spLocks noGrp="1"/>
-          </p:cNvSpPr>
-          <p:nvPr>
-            <p:ph type="body" sz="quarter" idx="3"/>
-          </p:nvPr>
-        </p:nvSpPr>
-        <p:spPr>
-          <a:xfrm>
-            <a:off x="6172200" y="1681163"/>
-            <a:ext cx="5183188" cy="823912"/>
-          </a:xfrm>
-        </p:spPr>
-        <p:txBody>
-          <a:bodyPr anchor="b"/>
+            <a:endParaRPr lang="en-US" dirty="0"/>
+          </a:p>
+        </p:txBody>
+      </p:sp>
+      <p:sp>
+        <p:nvSpPr>
+          <p:cNvPr id="6" name="Content Placeholder 5"/>
+          <p:cNvSpPr>
+            <a:spLocks noGrp="1"/>
+          </p:cNvSpPr>
+          <p:nvPr>
+            <p:ph sz="quarter" idx="4"/>
+          </p:nvPr>
+        </p:nvSpPr>
+        <p:spPr>
+          <a:xfrm>
+            <a:off x="6338316" y="3143250"/>
+            <a:ext cx="4253484" cy="2596776"/>
+          </a:xfrm>
+        </p:spPr>
+        <p:txBody>
+          <a:bodyPr/>
           <a:lstStyle>
-            <a:lvl1pPr marL="0" indent="0">
+            <a:lvl5pPr>
+              <a:defRPr/>
+            </a:lvl5pPr>
+          </a:lstStyle>
+          <a:p>
+            <a:pPr lvl="0"/>
+            <a:r>
+              <a:rPr lang="en-US"/>
+              <a:t>Click to edit Master text styles</a:t>
+            </a:r>
+          </a:p>
+          <a:p>
+            <a:pPr lvl="1"/>
+            <a:r>
+              <a:rPr lang="en-US"/>
+              <a:t>Second level</a:t>
+            </a:r>
+          </a:p>
+          <a:p>
+            <a:pPr lvl="2"/>
+            <a:r>
+              <a:rPr lang="en-US"/>
+              <a:t>Third level</a:t>
+            </a:r>
+          </a:p>
+          <a:p>
+            <a:pPr lvl="3"/>
+            <a:r>
+              <a:rPr lang="en-US"/>
+              <a:t>Fourth level</a:t>
+            </a:r>
+          </a:p>
+          <a:p>
+            <a:pPr lvl="4"/>
+            <a:r>
+              <a:rPr lang="en-US"/>
+              <a:t>Fifth level</a:t>
+            </a:r>
+            <a:endParaRPr lang="en-US" dirty="0"/>
+          </a:p>
+        </p:txBody>
+      </p:sp>
+      <p:sp>
+        <p:nvSpPr>
+          <p:cNvPr id="11" name="Text Placeholder 4"/>
+          <p:cNvSpPr>
+            <a:spLocks noGrp="1"/>
+          </p:cNvSpPr>
+          <p:nvPr>
+            <p:ph type="body" sz="quarter" idx="13"/>
+          </p:nvPr>
+        </p:nvSpPr>
+        <p:spPr>
+          <a:xfrm>
+            <a:off x="6338316" y="2313433"/>
+            <a:ext cx="4270248" cy="704087"/>
+          </a:xfrm>
+        </p:spPr>
+        <p:txBody>
+          <a:bodyPr anchor="b" anchorCtr="1">
+            <a:normAutofit/>
+          </a:bodyPr>
+          <a:lstStyle>
+            <a:lvl1pPr marL="0" indent="0" algn="ctr">
               <a:buNone/>
-              <a:defRPr sz="2400" b="1"/>
+              <a:defRPr sz="1900" b="0" cap="all" spc="100" baseline="0">
+                <a:solidFill>
+                  <a:schemeClr val="accent2">
+                    <a:lumMod val="75000"/>
+                  </a:schemeClr>
+                </a:solidFill>
+              </a:defRPr>
             </a:lvl1pPr>
             <a:lvl2pPr marL="457200" indent="0">
               <a:buNone/>
-              <a:defRPr sz="2000" b="1"/>
+              <a:defRPr sz="1900" b="1"/>
             </a:lvl2pPr>
             <a:lvl3pPr marL="914400" indent="0">
               <a:buNone/>
@@ -1746,75 +2089,7 @@
       </p:sp>
       <p:sp>
         <p:nvSpPr>
-          <p:cNvPr id="6" name="Content Placeholder 5">
-            <a:extLst>
-              <a:ext uri="{FF2B5EF4-FFF2-40B4-BE49-F238E27FC236}">
-                <a16:creationId xmlns:a16="http://schemas.microsoft.com/office/drawing/2014/main" id="{E2E88490-7746-2E42-96CA-E56F7ED97A90}"/>
-              </a:ext>
-            </a:extLst>
-          </p:cNvPr>
-          <p:cNvSpPr>
-            <a:spLocks noGrp="1"/>
-          </p:cNvSpPr>
-          <p:nvPr>
-            <p:ph sz="quarter" idx="4"/>
-          </p:nvPr>
-        </p:nvSpPr>
-        <p:spPr>
-          <a:xfrm>
-            <a:off x="6172200" y="2505075"/>
-            <a:ext cx="5183188" cy="3684588"/>
-          </a:xfrm>
-        </p:spPr>
-        <p:txBody>
-          <a:bodyPr/>
-          <a:lstStyle/>
-          <a:p>
-            <a:pPr lvl="0"/>
-            <a:r>
-              <a:rPr lang="en-US"/>
-              <a:t>Click to edit Master text styles</a:t>
-            </a:r>
-          </a:p>
-          <a:p>
-            <a:pPr lvl="1"/>
-            <a:r>
-              <a:rPr lang="en-US"/>
-              <a:t>Second level</a:t>
-            </a:r>
-          </a:p>
-          <a:p>
-            <a:pPr lvl="2"/>
-            <a:r>
-              <a:rPr lang="en-US"/>
-              <a:t>Third level</a:t>
-            </a:r>
-          </a:p>
-          <a:p>
-            <a:pPr lvl="3"/>
-            <a:r>
-              <a:rPr lang="en-US"/>
-              <a:t>Fourth level</a:t>
-            </a:r>
-          </a:p>
-          <a:p>
-            <a:pPr lvl="4"/>
-            <a:r>
-              <a:rPr lang="en-US"/>
-              <a:t>Fifth level</a:t>
-            </a:r>
-          </a:p>
-        </p:txBody>
-      </p:sp>
-      <p:sp>
-        <p:nvSpPr>
-          <p:cNvPr id="7" name="Date Placeholder 6">
-            <a:extLst>
-              <a:ext uri="{FF2B5EF4-FFF2-40B4-BE49-F238E27FC236}">
-                <a16:creationId xmlns:a16="http://schemas.microsoft.com/office/drawing/2014/main" id="{EF8E0FED-9708-6A40-BEAE-E356C41AF892}"/>
-              </a:ext>
-            </a:extLst>
-          </p:cNvPr>
+          <p:cNvPr id="7" name="Date Placeholder 6"/>
           <p:cNvSpPr>
             <a:spLocks noGrp="1"/>
           </p:cNvSpPr>
@@ -1829,7 +2104,7 @@
           <a:p>
             <a:fld id="{8C11D646-4C9B-4D48-BFDD-EE8CA063219B}" type="datetimeFigureOut">
               <a:rPr lang="en-US" smtClean="0"/>
-              <a:t>8/8/19</a:t>
+              <a:t>8/13/19</a:t>
             </a:fld>
             <a:endParaRPr lang="en-US"/>
           </a:p>
@@ -1837,13 +2112,7 @@
       </p:sp>
       <p:sp>
         <p:nvSpPr>
-          <p:cNvPr id="8" name="Footer Placeholder 7">
-            <a:extLst>
-              <a:ext uri="{FF2B5EF4-FFF2-40B4-BE49-F238E27FC236}">
-                <a16:creationId xmlns:a16="http://schemas.microsoft.com/office/drawing/2014/main" id="{C00FE5C7-0C3F-2840-9382-6D526C3076F4}"/>
-              </a:ext>
-            </a:extLst>
-          </p:cNvPr>
+          <p:cNvPr id="8" name="Footer Placeholder 7"/>
           <p:cNvSpPr>
             <a:spLocks noGrp="1"/>
           </p:cNvSpPr>
@@ -1862,13 +2131,7 @@
       </p:sp>
       <p:sp>
         <p:nvSpPr>
-          <p:cNvPr id="9" name="Slide Number Placeholder 8">
-            <a:extLst>
-              <a:ext uri="{FF2B5EF4-FFF2-40B4-BE49-F238E27FC236}">
-                <a16:creationId xmlns:a16="http://schemas.microsoft.com/office/drawing/2014/main" id="{CEBD1133-10C6-8D4A-8E97-A957905AB4DA}"/>
-              </a:ext>
-            </a:extLst>
-          </p:cNvPr>
+          <p:cNvPr id="9" name="Slide Number Placeholder 8"/>
           <p:cNvSpPr>
             <a:spLocks noGrp="1"/>
           </p:cNvSpPr>
@@ -1889,10 +2152,33 @@
           </a:p>
         </p:txBody>
       </p:sp>
+      <p:sp>
+        <p:nvSpPr>
+          <p:cNvPr id="10" name="Title 9"/>
+          <p:cNvSpPr>
+            <a:spLocks noGrp="1"/>
+          </p:cNvSpPr>
+          <p:nvPr>
+            <p:ph type="title"/>
+          </p:nvPr>
+        </p:nvSpPr>
+        <p:spPr/>
+        <p:txBody>
+          <a:bodyPr/>
+          <a:lstStyle/>
+          <a:p>
+            <a:r>
+              <a:rPr lang="en-US"/>
+              <a:t>Click to edit Master title style</a:t>
+            </a:r>
+            <a:endParaRPr lang="en-US" dirty="0"/>
+          </a:p>
+        </p:txBody>
+      </p:sp>
     </p:spTree>
     <p:extLst>
       <p:ext uri="{BB962C8B-B14F-4D97-AF65-F5344CB8AC3E}">
-        <p14:creationId xmlns:p14="http://schemas.microsoft.com/office/powerpoint/2010/main" val="1002218989"/>
+        <p14:creationId xmlns:p14="http://schemas.microsoft.com/office/powerpoint/2010/main" val="1914045516"/>
       </p:ext>
     </p:extLst>
   </p:cSld>
@@ -1921,13 +2207,7 @@
       </p:grpSpPr>
       <p:sp>
         <p:nvSpPr>
-          <p:cNvPr id="2" name="Title 1">
-            <a:extLst>
-              <a:ext uri="{FF2B5EF4-FFF2-40B4-BE49-F238E27FC236}">
-                <a16:creationId xmlns:a16="http://schemas.microsoft.com/office/drawing/2014/main" id="{C608EF40-5E78-7A4D-85AE-348520FB15A6}"/>
-              </a:ext>
-            </a:extLst>
-          </p:cNvPr>
+          <p:cNvPr id="2" name="Title 1"/>
           <p:cNvSpPr>
             <a:spLocks noGrp="1"/>
           </p:cNvSpPr>
@@ -1944,18 +2224,13 @@
               <a:rPr lang="en-US"/>
               <a:t>Click to edit Master title style</a:t>
             </a:r>
-          </a:p>
-        </p:txBody>
-      </p:sp>
-      <p:sp>
-        <p:nvSpPr>
-          <p:cNvPr id="3" name="Date Placeholder 2">
-            <a:extLst>
-              <a:ext uri="{FF2B5EF4-FFF2-40B4-BE49-F238E27FC236}">
-                <a16:creationId xmlns:a16="http://schemas.microsoft.com/office/drawing/2014/main" id="{74EB5A94-1B39-3B40-9487-318ACAB7A796}"/>
-              </a:ext>
-            </a:extLst>
-          </p:cNvPr>
+            <a:endParaRPr lang="en-US" dirty="0"/>
+          </a:p>
+        </p:txBody>
+      </p:sp>
+      <p:sp>
+        <p:nvSpPr>
+          <p:cNvPr id="3" name="Date Placeholder 2"/>
           <p:cNvSpPr>
             <a:spLocks noGrp="1"/>
           </p:cNvSpPr>
@@ -1970,7 +2245,7 @@
           <a:p>
             <a:fld id="{8C11D646-4C9B-4D48-BFDD-EE8CA063219B}" type="datetimeFigureOut">
               <a:rPr lang="en-US" smtClean="0"/>
-              <a:t>8/8/19</a:t>
+              <a:t>8/13/19</a:t>
             </a:fld>
             <a:endParaRPr lang="en-US"/>
           </a:p>
@@ -1978,13 +2253,7 @@
       </p:sp>
       <p:sp>
         <p:nvSpPr>
-          <p:cNvPr id="4" name="Footer Placeholder 3">
-            <a:extLst>
-              <a:ext uri="{FF2B5EF4-FFF2-40B4-BE49-F238E27FC236}">
-                <a16:creationId xmlns:a16="http://schemas.microsoft.com/office/drawing/2014/main" id="{C88732DF-6F59-094B-9EE3-5708E126C6A2}"/>
-              </a:ext>
-            </a:extLst>
-          </p:cNvPr>
+          <p:cNvPr id="4" name="Footer Placeholder 3"/>
           <p:cNvSpPr>
             <a:spLocks noGrp="1"/>
           </p:cNvSpPr>
@@ -2003,13 +2272,7 @@
       </p:sp>
       <p:sp>
         <p:nvSpPr>
-          <p:cNvPr id="5" name="Slide Number Placeholder 4">
-            <a:extLst>
-              <a:ext uri="{FF2B5EF4-FFF2-40B4-BE49-F238E27FC236}">
-                <a16:creationId xmlns:a16="http://schemas.microsoft.com/office/drawing/2014/main" id="{B6AA90AE-4A7F-9245-ACFE-EBC9954FBC17}"/>
-              </a:ext>
-            </a:extLst>
-          </p:cNvPr>
+          <p:cNvPr id="5" name="Slide Number Placeholder 4"/>
           <p:cNvSpPr>
             <a:spLocks noGrp="1"/>
           </p:cNvSpPr>
@@ -2033,7 +2296,7 @@
     </p:spTree>
     <p:extLst>
       <p:ext uri="{BB962C8B-B14F-4D97-AF65-F5344CB8AC3E}">
-        <p14:creationId xmlns:p14="http://schemas.microsoft.com/office/powerpoint/2010/main" val="2149245940"/>
+        <p14:creationId xmlns:p14="http://schemas.microsoft.com/office/powerpoint/2010/main" val="3546076690"/>
       </p:ext>
     </p:extLst>
   </p:cSld>
@@ -2062,13 +2325,7 @@
       </p:grpSpPr>
       <p:sp>
         <p:nvSpPr>
-          <p:cNvPr id="2" name="Date Placeholder 1">
-            <a:extLst>
-              <a:ext uri="{FF2B5EF4-FFF2-40B4-BE49-F238E27FC236}">
-                <a16:creationId xmlns:a16="http://schemas.microsoft.com/office/drawing/2014/main" id="{9493C8D2-5533-FF4D-B3A0-F38556FB4F3F}"/>
-              </a:ext>
-            </a:extLst>
-          </p:cNvPr>
+          <p:cNvPr id="2" name="Date Placeholder 1"/>
           <p:cNvSpPr>
             <a:spLocks noGrp="1"/>
           </p:cNvSpPr>
@@ -2083,7 +2340,7 @@
           <a:p>
             <a:fld id="{8C11D646-4C9B-4D48-BFDD-EE8CA063219B}" type="datetimeFigureOut">
               <a:rPr lang="en-US" smtClean="0"/>
-              <a:t>8/8/19</a:t>
+              <a:t>8/13/19</a:t>
             </a:fld>
             <a:endParaRPr lang="en-US"/>
           </a:p>
@@ -2091,13 +2348,7 @@
       </p:sp>
       <p:sp>
         <p:nvSpPr>
-          <p:cNvPr id="3" name="Footer Placeholder 2">
-            <a:extLst>
-              <a:ext uri="{FF2B5EF4-FFF2-40B4-BE49-F238E27FC236}">
-                <a16:creationId xmlns:a16="http://schemas.microsoft.com/office/drawing/2014/main" id="{0EE51BB1-A333-9A49-9466-97D6A809AFC1}"/>
-              </a:ext>
-            </a:extLst>
-          </p:cNvPr>
+          <p:cNvPr id="3" name="Footer Placeholder 2"/>
           <p:cNvSpPr>
             <a:spLocks noGrp="1"/>
           </p:cNvSpPr>
@@ -2116,13 +2367,7 @@
       </p:sp>
       <p:sp>
         <p:nvSpPr>
-          <p:cNvPr id="4" name="Slide Number Placeholder 3">
-            <a:extLst>
-              <a:ext uri="{FF2B5EF4-FFF2-40B4-BE49-F238E27FC236}">
-                <a16:creationId xmlns:a16="http://schemas.microsoft.com/office/drawing/2014/main" id="{C0C79D70-8ACE-494F-8B59-6F8DD24881B3}"/>
-              </a:ext>
-            </a:extLst>
-          </p:cNvPr>
+          <p:cNvPr id="4" name="Slide Number Placeholder 3"/>
           <p:cNvSpPr>
             <a:spLocks noGrp="1"/>
           </p:cNvSpPr>
@@ -2146,7 +2391,7 @@
     </p:spTree>
     <p:extLst>
       <p:ext uri="{BB962C8B-B14F-4D97-AF65-F5344CB8AC3E}">
-        <p14:creationId xmlns:p14="http://schemas.microsoft.com/office/powerpoint/2010/main" val="1142518430"/>
+        <p14:creationId xmlns:p14="http://schemas.microsoft.com/office/powerpoint/2010/main" val="3244995953"/>
       </p:ext>
     </p:extLst>
   </p:cSld>
@@ -2175,13 +2420,45 @@
       </p:grpSpPr>
       <p:sp>
         <p:nvSpPr>
-          <p:cNvPr id="2" name="Title 1">
-            <a:extLst>
-              <a:ext uri="{FF2B5EF4-FFF2-40B4-BE49-F238E27FC236}">
-                <a16:creationId xmlns:a16="http://schemas.microsoft.com/office/drawing/2014/main" id="{F5A02C9C-9C68-4748-9EC4-2C5B69125F84}"/>
-              </a:ext>
-            </a:extLst>
-          </p:cNvPr>
+          <p:cNvPr id="26" name="Rectangle 25"/>
+          <p:cNvSpPr/>
+          <p:nvPr/>
+        </p:nvSpPr>
+        <p:spPr>
+          <a:xfrm>
+            <a:off x="0" y="0"/>
+            <a:ext cx="6096000" cy="6858000"/>
+          </a:xfrm>
+          <a:prstGeom prst="rect">
+            <a:avLst/>
+          </a:prstGeom>
+          <a:solidFill>
+            <a:schemeClr val="accent2"/>
+          </a:solidFill>
+          <a:ln>
+            <a:noFill/>
+          </a:ln>
+        </p:spPr>
+        <p:style>
+          <a:lnRef idx="2">
+            <a:schemeClr val="accent1">
+              <a:shade val="50000"/>
+            </a:schemeClr>
+          </a:lnRef>
+          <a:fillRef idx="1">
+            <a:schemeClr val="accent1"/>
+          </a:fillRef>
+          <a:effectRef idx="0">
+            <a:schemeClr val="accent1"/>
+          </a:effectRef>
+          <a:fontRef idx="minor">
+            <a:schemeClr val="lt1"/>
+          </a:fontRef>
+        </p:style>
+      </p:sp>
+      <p:sp>
+        <p:nvSpPr>
+          <p:cNvPr id="2" name="Title 1"/>
           <p:cNvSpPr>
             <a:spLocks noGrp="1"/>
           </p:cNvSpPr>
@@ -2189,17 +2466,31 @@
             <p:ph type="title"/>
           </p:nvPr>
         </p:nvSpPr>
-        <p:spPr>
-          <a:xfrm>
-            <a:off x="839788" y="457200"/>
-            <a:ext cx="3932237" cy="1600200"/>
-          </a:xfrm>
-        </p:spPr>
-        <p:txBody>
-          <a:bodyPr anchor="b"/>
+        <p:spPr bwMode="blackWhite">
+          <a:xfrm>
+            <a:off x="804672" y="2243828"/>
+            <a:ext cx="4486656" cy="1141497"/>
+          </a:xfrm>
+          <a:solidFill>
+            <a:srgbClr val="FFFFFF"/>
+          </a:solidFill>
+          <a:ln>
+            <a:solidFill>
+              <a:srgbClr val="404040"/>
+            </a:solidFill>
+          </a:ln>
+        </p:spPr>
+        <p:txBody>
+          <a:bodyPr anchor="ctr" anchorCtr="1">
+            <a:normAutofit/>
+          </a:bodyPr>
           <a:lstStyle>
             <a:lvl1pPr>
-              <a:defRPr sz="3200"/>
+              <a:defRPr sz="2200">
+                <a:solidFill>
+                  <a:srgbClr val="262626"/>
+                </a:solidFill>
+              </a:defRPr>
             </a:lvl1pPr>
           </a:lstStyle>
           <a:p>
@@ -2207,18 +2498,13 @@
               <a:rPr lang="en-US"/>
               <a:t>Click to edit Master title style</a:t>
             </a:r>
-          </a:p>
-        </p:txBody>
-      </p:sp>
-      <p:sp>
-        <p:nvSpPr>
-          <p:cNvPr id="3" name="Content Placeholder 2">
-            <a:extLst>
-              <a:ext uri="{FF2B5EF4-FFF2-40B4-BE49-F238E27FC236}">
-                <a16:creationId xmlns:a16="http://schemas.microsoft.com/office/drawing/2014/main" id="{D775BAFF-A45A-514A-B393-08306B47B396}"/>
-              </a:ext>
-            </a:extLst>
-          </p:cNvPr>
+            <a:endParaRPr lang="en-US" dirty="0"/>
+          </a:p>
+        </p:txBody>
+      </p:sp>
+      <p:sp>
+        <p:nvSpPr>
+          <p:cNvPr id="3" name="Content Placeholder 2"/>
           <p:cNvSpPr>
             <a:spLocks noGrp="1"/>
           </p:cNvSpPr>
@@ -2228,39 +2514,61 @@
         </p:nvSpPr>
         <p:spPr>
           <a:xfrm>
-            <a:off x="5183188" y="987425"/>
-            <a:ext cx="6172200" cy="4873625"/>
-          </a:xfrm>
-        </p:spPr>
-        <p:txBody>
-          <a:bodyPr/>
+            <a:off x="6736080" y="804672"/>
+            <a:ext cx="4815840" cy="5248656"/>
+          </a:xfrm>
+        </p:spPr>
+        <p:txBody>
+          <a:bodyPr>
+            <a:normAutofit/>
+          </a:bodyPr>
           <a:lstStyle>
             <a:lvl1pPr>
-              <a:defRPr sz="3200"/>
+              <a:defRPr sz="1900">
+                <a:solidFill>
+                  <a:schemeClr val="tx1"/>
+                </a:solidFill>
+              </a:defRPr>
             </a:lvl1pPr>
             <a:lvl2pPr>
-              <a:defRPr sz="2800"/>
+              <a:defRPr sz="1600">
+                <a:solidFill>
+                  <a:schemeClr val="tx1"/>
+                </a:solidFill>
+              </a:defRPr>
             </a:lvl2pPr>
             <a:lvl3pPr>
-              <a:defRPr sz="2400"/>
+              <a:defRPr sz="1600">
+                <a:solidFill>
+                  <a:schemeClr val="tx1"/>
+                </a:solidFill>
+              </a:defRPr>
             </a:lvl3pPr>
             <a:lvl4pPr>
-              <a:defRPr sz="2000"/>
+              <a:defRPr sz="1600">
+                <a:solidFill>
+                  <a:schemeClr val="tx1"/>
+                </a:solidFill>
+              </a:defRPr>
             </a:lvl4pPr>
             <a:lvl5pPr>
-              <a:defRPr sz="2000"/>
+              <a:defRPr sz="1600">
+                <a:solidFill>
+                  <a:schemeClr val="tx1"/>
+                </a:solidFill>
+              </a:defRPr>
             </a:lvl5pPr>
             <a:lvl6pPr>
-              <a:defRPr sz="2000"/>
+              <a:defRPr sz="1600"/>
             </a:lvl6pPr>
             <a:lvl7pPr>
-              <a:defRPr sz="2000"/>
+              <a:defRPr sz="1600"/>
             </a:lvl7pPr>
             <a:lvl8pPr>
-              <a:defRPr sz="2000"/>
+              <a:defRPr sz="1600"/>
             </a:lvl8pPr>
             <a:lvl9pPr>
-              <a:defRPr sz="2000"/>
+              <a:defRPr sz="1600"/>
             </a:lvl9pPr>
           </a:lstStyle>
           <a:p>
@@ -2297,18 +2605,13 @@
               <a:rPr lang="en-US"/>
               <a:t>Fifth level</a:t>
             </a:r>
-          </a:p>
-        </p:txBody>
-      </p:sp>
-      <p:sp>
-        <p:nvSpPr>
-          <p:cNvPr id="4" name="Text Placeholder 3">
-            <a:extLst>
-              <a:ext uri="{FF2B5EF4-FFF2-40B4-BE49-F238E27FC236}">
-                <a16:creationId xmlns:a16="http://schemas.microsoft.com/office/drawing/2014/main" id="{7B424CF0-ABBD-EB4F-BE0F-2564871A27AD}"/>
-              </a:ext>
-            </a:extLst>
-          </p:cNvPr>
+            <a:endParaRPr lang="en-US" dirty="0"/>
+          </a:p>
+        </p:txBody>
+      </p:sp>
+      <p:sp>
+        <p:nvSpPr>
+          <p:cNvPr id="4" name="Text Placeholder 3"/>
           <p:cNvSpPr>
             <a:spLocks noGrp="1"/>
           </p:cNvSpPr>
@@ -2318,16 +2621,22 @@
         </p:nvSpPr>
         <p:spPr>
           <a:xfrm>
-            <a:off x="839788" y="2057400"/>
-            <a:ext cx="3932237" cy="3811588"/>
-          </a:xfrm>
-        </p:spPr>
-        <p:txBody>
-          <a:bodyPr/>
+            <a:off x="1115568" y="3549918"/>
+            <a:ext cx="3794760" cy="2194036"/>
+          </a:xfrm>
+        </p:spPr>
+        <p:txBody>
+          <a:bodyPr anchor="t" anchorCtr="1">
+            <a:normAutofit/>
+          </a:bodyPr>
           <a:lstStyle>
-            <a:lvl1pPr marL="0" indent="0">
+            <a:lvl1pPr marL="0" indent="0" algn="ctr">
               <a:buNone/>
-              <a:defRPr sz="1600"/>
+              <a:defRPr sz="1500">
+                <a:solidFill>
+                  <a:srgbClr val="FFFFFF"/>
+                </a:solidFill>
+              </a:defRPr>
             </a:lvl1pPr>
             <a:lvl2pPr marL="457200" indent="0">
               <a:buNone/>
@@ -2373,13 +2682,7 @@
       </p:sp>
       <p:sp>
         <p:nvSpPr>
-          <p:cNvPr id="5" name="Date Placeholder 4">
-            <a:extLst>
-              <a:ext uri="{FF2B5EF4-FFF2-40B4-BE49-F238E27FC236}">
-                <a16:creationId xmlns:a16="http://schemas.microsoft.com/office/drawing/2014/main" id="{A76C1FF6-C988-0A4D-A836-373BB3467898}"/>
-              </a:ext>
-            </a:extLst>
-          </p:cNvPr>
+          <p:cNvPr id="9" name="Date Placeholder 8"/>
           <p:cNvSpPr>
             <a:spLocks noGrp="1"/>
           </p:cNvSpPr>
@@ -2394,7 +2697,7 @@
           <a:p>
             <a:fld id="{8C11D646-4C9B-4D48-BFDD-EE8CA063219B}" type="datetimeFigureOut">
               <a:rPr lang="en-US" smtClean="0"/>
-              <a:t>8/8/19</a:t>
+              <a:t>8/13/19</a:t>
             </a:fld>
             <a:endParaRPr lang="en-US"/>
           </a:p>
@@ -2402,13 +2705,7 @@
       </p:sp>
       <p:sp>
         <p:nvSpPr>
-          <p:cNvPr id="6" name="Footer Placeholder 5">
-            <a:extLst>
-              <a:ext uri="{FF2B5EF4-FFF2-40B4-BE49-F238E27FC236}">
-                <a16:creationId xmlns:a16="http://schemas.microsoft.com/office/drawing/2014/main" id="{49F080C1-BFFA-814B-9F1B-A42622D2EFB9}"/>
-              </a:ext>
-            </a:extLst>
-          </p:cNvPr>
+          <p:cNvPr id="10" name="Footer Placeholder 9"/>
           <p:cNvSpPr>
             <a:spLocks noGrp="1"/>
           </p:cNvSpPr>
@@ -2416,10 +2713,25 @@
             <p:ph type="ftr" sz="quarter" idx="11"/>
           </p:nvPr>
         </p:nvSpPr>
-        <p:spPr/>
+        <p:spPr>
+          <a:xfrm>
+            <a:off x="804672" y="6236208"/>
+            <a:ext cx="5124797" cy="320040"/>
+          </a:xfrm>
+        </p:spPr>
         <p:txBody>
           <a:bodyPr/>
-          <a:lstStyle/>
+          <a:lstStyle>
+            <a:lvl1pPr>
+              <a:defRPr>
+                <a:solidFill>
+                  <a:srgbClr val="FFFFFF">
+                    <a:alpha val="70000"/>
+                  </a:srgbClr>
+                </a:solidFill>
+              </a:defRPr>
+            </a:lvl1pPr>
+          </a:lstStyle>
           <a:p>
             <a:endParaRPr lang="en-US"/>
           </a:p>
@@ -2427,13 +2739,7 @@
       </p:sp>
       <p:sp>
         <p:nvSpPr>
-          <p:cNvPr id="7" name="Slide Number Placeholder 6">
-            <a:extLst>
-              <a:ext uri="{FF2B5EF4-FFF2-40B4-BE49-F238E27FC236}">
-                <a16:creationId xmlns:a16="http://schemas.microsoft.com/office/drawing/2014/main" id="{6EC5C73F-2F1A-474B-B5DD-42188C30162D}"/>
-              </a:ext>
-            </a:extLst>
-          </p:cNvPr>
+          <p:cNvPr id="11" name="Slide Number Placeholder 10"/>
           <p:cNvSpPr>
             <a:spLocks noGrp="1"/>
           </p:cNvSpPr>
@@ -2457,7 +2763,7 @@
     </p:spTree>
     <p:extLst>
       <p:ext uri="{BB962C8B-B14F-4D97-AF65-F5344CB8AC3E}">
-        <p14:creationId xmlns:p14="http://schemas.microsoft.com/office/powerpoint/2010/main" val="1853433823"/>
+        <p14:creationId xmlns:p14="http://schemas.microsoft.com/office/powerpoint/2010/main" val="2712707643"/>
       </p:ext>
     </p:extLst>
   </p:cSld>
@@ -2486,13 +2792,45 @@
       </p:grpSpPr>
       <p:sp>
         <p:nvSpPr>
-          <p:cNvPr id="2" name="Title 1">
-            <a:extLst>
-              <a:ext uri="{FF2B5EF4-FFF2-40B4-BE49-F238E27FC236}">
-                <a16:creationId xmlns:a16="http://schemas.microsoft.com/office/drawing/2014/main" id="{C57BAFBB-FF7D-B546-85C8-3E873906E1B9}"/>
-              </a:ext>
-            </a:extLst>
-          </p:cNvPr>
+          <p:cNvPr id="18" name="Rectangle 17"/>
+          <p:cNvSpPr/>
+          <p:nvPr/>
+        </p:nvSpPr>
+        <p:spPr>
+          <a:xfrm>
+            <a:off x="0" y="0"/>
+            <a:ext cx="6095999" cy="6858000"/>
+          </a:xfrm>
+          <a:prstGeom prst="rect">
+            <a:avLst/>
+          </a:prstGeom>
+          <a:solidFill>
+            <a:schemeClr val="accent2"/>
+          </a:solidFill>
+          <a:ln>
+            <a:noFill/>
+          </a:ln>
+        </p:spPr>
+        <p:style>
+          <a:lnRef idx="2">
+            <a:schemeClr val="accent1">
+              <a:shade val="50000"/>
+            </a:schemeClr>
+          </a:lnRef>
+          <a:fillRef idx="1">
+            <a:schemeClr val="accent1"/>
+          </a:fillRef>
+          <a:effectRef idx="0">
+            <a:schemeClr val="accent1"/>
+          </a:effectRef>
+          <a:fontRef idx="minor">
+            <a:schemeClr val="lt1"/>
+          </a:fontRef>
+        </p:style>
+      </p:sp>
+      <p:sp>
+        <p:nvSpPr>
+          <p:cNvPr id="2" name="Title 1"/>
           <p:cNvSpPr>
             <a:spLocks noGrp="1"/>
           </p:cNvSpPr>
@@ -2500,17 +2838,31 @@
             <p:ph type="title"/>
           </p:nvPr>
         </p:nvSpPr>
-        <p:spPr>
-          <a:xfrm>
-            <a:off x="839788" y="457200"/>
-            <a:ext cx="3932237" cy="1600200"/>
-          </a:xfrm>
-        </p:spPr>
-        <p:txBody>
-          <a:bodyPr anchor="b"/>
+        <p:spPr bwMode="blackWhite">
+          <a:xfrm>
+            <a:off x="808523" y="2243828"/>
+            <a:ext cx="4494998" cy="1134640"/>
+          </a:xfrm>
+          <a:solidFill>
+            <a:srgbClr val="FFFFFF"/>
+          </a:solidFill>
+          <a:ln>
+            <a:solidFill>
+              <a:srgbClr val="404040"/>
+            </a:solidFill>
+          </a:ln>
+        </p:spPr>
+        <p:txBody>
+          <a:bodyPr anchor="ctr" anchorCtr="1">
+            <a:noAutofit/>
+          </a:bodyPr>
           <a:lstStyle>
             <a:lvl1pPr>
-              <a:defRPr sz="3200"/>
+              <a:defRPr sz="2200">
+                <a:solidFill>
+                  <a:srgbClr val="262626"/>
+                </a:solidFill>
+              </a:defRPr>
             </a:lvl1pPr>
           </a:lstStyle>
           <a:p>
@@ -2518,20 +2870,15 @@
               <a:rPr lang="en-US"/>
               <a:t>Click to edit Master title style</a:t>
             </a:r>
-          </a:p>
-        </p:txBody>
-      </p:sp>
-      <p:sp>
-        <p:nvSpPr>
-          <p:cNvPr id="3" name="Picture Placeholder 2">
-            <a:extLst>
-              <a:ext uri="{FF2B5EF4-FFF2-40B4-BE49-F238E27FC236}">
-                <a16:creationId xmlns:a16="http://schemas.microsoft.com/office/drawing/2014/main" id="{2DF1EA15-5A4A-A043-BDFE-BC220F54860D}"/>
-              </a:ext>
-            </a:extLst>
-          </p:cNvPr>
-          <p:cNvSpPr>
-            <a:spLocks noGrp="1"/>
+            <a:endParaRPr lang="en-US" dirty="0"/>
+          </a:p>
+        </p:txBody>
+      </p:sp>
+      <p:sp>
+        <p:nvSpPr>
+          <p:cNvPr id="3" name="Picture Placeholder 2"/>
+          <p:cNvSpPr>
+            <a:spLocks noGrp="1" noChangeAspect="1"/>
           </p:cNvSpPr>
           <p:nvPr>
             <p:ph type="pic" idx="1"/>
@@ -2539,16 +2886,28 @@
         </p:nvSpPr>
         <p:spPr>
           <a:xfrm>
-            <a:off x="5183188" y="987425"/>
-            <a:ext cx="6172200" cy="4873625"/>
-          </a:xfrm>
-        </p:spPr>
-        <p:txBody>
-          <a:bodyPr/>
+            <a:off x="6095999" y="0"/>
+            <a:ext cx="6102097" cy="6858000"/>
+          </a:xfrm>
+          <a:solidFill>
+            <a:schemeClr val="bg1">
+              <a:lumMod val="75000"/>
+            </a:schemeClr>
+          </a:solidFill>
+        </p:spPr>
+        <p:txBody>
+          <a:bodyPr anchor="t"/>
           <a:lstStyle>
             <a:lvl1pPr marL="0" indent="0">
               <a:buNone/>
-              <a:defRPr sz="3200"/>
+              <a:defRPr sz="3200">
+                <a:solidFill>
+                  <a:schemeClr val="bg1">
+                    <a:lumMod val="85000"/>
+                    <a:lumOff val="15000"/>
+                  </a:schemeClr>
+                </a:solidFill>
+              </a:defRPr>
             </a:lvl1pPr>
             <a:lvl2pPr marL="457200" indent="0">
               <a:buNone/>
@@ -2584,19 +2943,17 @@
             </a:lvl9pPr>
           </a:lstStyle>
           <a:p>
-            <a:endParaRPr lang="en-US"/>
-          </a:p>
-        </p:txBody>
-      </p:sp>
-      <p:sp>
-        <p:nvSpPr>
-          <p:cNvPr id="4" name="Text Placeholder 3">
-            <a:extLst>
-              <a:ext uri="{FF2B5EF4-FFF2-40B4-BE49-F238E27FC236}">
-                <a16:creationId xmlns:a16="http://schemas.microsoft.com/office/drawing/2014/main" id="{E54CB0E6-75DC-154A-A58C-3DE216285418}"/>
-              </a:ext>
-            </a:extLst>
-          </p:cNvPr>
+            <a:r>
+              <a:rPr lang="en-US"/>
+              <a:t>Click icon to add picture</a:t>
+            </a:r>
+            <a:endParaRPr lang="en-US" dirty="0"/>
+          </a:p>
+        </p:txBody>
+      </p:sp>
+      <p:sp>
+        <p:nvSpPr>
+          <p:cNvPr id="4" name="Text Placeholder 3"/>
           <p:cNvSpPr>
             <a:spLocks noGrp="1"/>
           </p:cNvSpPr>
@@ -2606,16 +2963,22 @@
         </p:nvSpPr>
         <p:spPr>
           <a:xfrm>
-            <a:off x="839788" y="2057400"/>
-            <a:ext cx="3932237" cy="3811588"/>
-          </a:xfrm>
-        </p:spPr>
-        <p:txBody>
-          <a:bodyPr/>
+            <a:off x="1115568" y="3549918"/>
+            <a:ext cx="3794760" cy="2194037"/>
+          </a:xfrm>
+        </p:spPr>
+        <p:txBody>
+          <a:bodyPr anchor="t" anchorCtr="1">
+            <a:normAutofit/>
+          </a:bodyPr>
           <a:lstStyle>
-            <a:lvl1pPr marL="0" indent="0">
+            <a:lvl1pPr marL="0" indent="0" algn="ctr">
               <a:buNone/>
-              <a:defRPr sz="1600"/>
+              <a:defRPr sz="1500">
+                <a:solidFill>
+                  <a:srgbClr val="FFFFFF"/>
+                </a:solidFill>
+              </a:defRPr>
             </a:lvl1pPr>
             <a:lvl2pPr marL="457200" indent="0">
               <a:buNone/>
@@ -2661,13 +3024,7 @@
       </p:sp>
       <p:sp>
         <p:nvSpPr>
-          <p:cNvPr id="5" name="Date Placeholder 4">
-            <a:extLst>
-              <a:ext uri="{FF2B5EF4-FFF2-40B4-BE49-F238E27FC236}">
-                <a16:creationId xmlns:a16="http://schemas.microsoft.com/office/drawing/2014/main" id="{AB88C3C3-4BCB-FC42-8A07-0789737CBA0B}"/>
-              </a:ext>
-            </a:extLst>
-          </p:cNvPr>
+          <p:cNvPr id="8" name="Date Placeholder 7"/>
           <p:cNvSpPr>
             <a:spLocks noGrp="1"/>
           </p:cNvSpPr>
@@ -2678,11 +3035,26 @@
         <p:spPr/>
         <p:txBody>
           <a:bodyPr/>
-          <a:lstStyle/>
+          <a:lstStyle>
+            <a:lvl1pPr>
+              <a:defRPr>
+                <a:solidFill>
+                  <a:srgbClr val="FFFFFF"/>
+                </a:solidFill>
+                <a:effectLst>
+                  <a:outerShdw blurRad="50800" dist="38100" dir="2700000" algn="tl" rotWithShape="0">
+                    <a:prstClr val="black">
+                      <a:alpha val="43000"/>
+                    </a:prstClr>
+                  </a:outerShdw>
+                </a:effectLst>
+              </a:defRPr>
+            </a:lvl1pPr>
+          </a:lstStyle>
           <a:p>
             <a:fld id="{8C11D646-4C9B-4D48-BFDD-EE8CA063219B}" type="datetimeFigureOut">
               <a:rPr lang="en-US" smtClean="0"/>
-              <a:t>8/8/19</a:t>
+              <a:t>8/13/19</a:t>
             </a:fld>
             <a:endParaRPr lang="en-US"/>
           </a:p>
@@ -2690,13 +3062,7 @@
       </p:sp>
       <p:sp>
         <p:nvSpPr>
-          <p:cNvPr id="6" name="Footer Placeholder 5">
-            <a:extLst>
-              <a:ext uri="{FF2B5EF4-FFF2-40B4-BE49-F238E27FC236}">
-                <a16:creationId xmlns:a16="http://schemas.microsoft.com/office/drawing/2014/main" id="{D79857A8-2ED8-B342-8879-170BFA6C83CB}"/>
-              </a:ext>
-            </a:extLst>
-          </p:cNvPr>
+          <p:cNvPr id="9" name="Footer Placeholder 8"/>
           <p:cNvSpPr>
             <a:spLocks noGrp="1"/>
           </p:cNvSpPr>
@@ -2704,10 +3070,25 @@
             <p:ph type="ftr" sz="quarter" idx="11"/>
           </p:nvPr>
         </p:nvSpPr>
-        <p:spPr/>
+        <p:spPr>
+          <a:xfrm>
+            <a:off x="804672" y="6236208"/>
+            <a:ext cx="5124797" cy="320040"/>
+          </a:xfrm>
+        </p:spPr>
         <p:txBody>
           <a:bodyPr/>
-          <a:lstStyle/>
+          <a:lstStyle>
+            <a:lvl1pPr>
+              <a:defRPr>
+                <a:solidFill>
+                  <a:srgbClr val="FFFFFF">
+                    <a:alpha val="70000"/>
+                  </a:srgbClr>
+                </a:solidFill>
+              </a:defRPr>
+            </a:lvl1pPr>
+          </a:lstStyle>
           <a:p>
             <a:endParaRPr lang="en-US"/>
           </a:p>
@@ -2715,13 +3096,7 @@
       </p:sp>
       <p:sp>
         <p:nvSpPr>
-          <p:cNvPr id="7" name="Slide Number Placeholder 6">
-            <a:extLst>
-              <a:ext uri="{FF2B5EF4-FFF2-40B4-BE49-F238E27FC236}">
-                <a16:creationId xmlns:a16="http://schemas.microsoft.com/office/drawing/2014/main" id="{C3E08658-0497-B246-9985-6C9F32F1C4AB}"/>
-              </a:ext>
-            </a:extLst>
-          </p:cNvPr>
+          <p:cNvPr id="10" name="Slide Number Placeholder 9"/>
           <p:cNvSpPr>
             <a:spLocks noGrp="1"/>
           </p:cNvSpPr>
@@ -2745,7 +3120,7 @@
     </p:spTree>
     <p:extLst>
       <p:ext uri="{BB962C8B-B14F-4D97-AF65-F5344CB8AC3E}">
-        <p14:creationId xmlns:p14="http://schemas.microsoft.com/office/powerpoint/2010/main" val="840923507"/>
+        <p14:creationId xmlns:p14="http://schemas.microsoft.com/office/powerpoint/2010/main" val="2646083919"/>
       </p:ext>
     </p:extLst>
   </p:cSld>
@@ -2759,9 +3134,14 @@
 <p:sldMaster xmlns:a="http://schemas.openxmlformats.org/drawingml/2006/main" xmlns:r="http://schemas.openxmlformats.org/officeDocument/2006/relationships" xmlns:p="http://schemas.openxmlformats.org/presentationml/2006/main">
   <p:cSld>
     <p:bg>
-      <p:bgRef idx="1001">
-        <a:schemeClr val="bg1"/>
-      </p:bgRef>
+      <p:bgPr>
+        <a:solidFill>
+          <a:schemeClr val="bg1">
+            <a:lumMod val="95000"/>
+          </a:schemeClr>
+        </a:solidFill>
+        <a:effectLst/>
+      </p:bgPr>
     </p:bg>
     <p:spTree>
       <p:nvGrpSpPr>
@@ -2779,13 +3159,7 @@
       </p:grpSpPr>
       <p:sp>
         <p:nvSpPr>
-          <p:cNvPr id="2" name="Title Placeholder 1">
-            <a:extLst>
-              <a:ext uri="{FF2B5EF4-FFF2-40B4-BE49-F238E27FC236}">
-                <a16:creationId xmlns:a16="http://schemas.microsoft.com/office/drawing/2014/main" id="{B9ACDB1C-E359-3948-AC58-52F2628781C8}"/>
-              </a:ext>
-            </a:extLst>
-          </p:cNvPr>
+          <p:cNvPr id="2" name="Title Placeholder 1"/>
           <p:cNvSpPr>
             <a:spLocks noGrp="1"/>
           </p:cNvSpPr>
@@ -2793,17 +3167,26 @@
             <p:ph type="title"/>
           </p:nvPr>
         </p:nvSpPr>
-        <p:spPr>
-          <a:xfrm>
-            <a:off x="838200" y="365125"/>
-            <a:ext cx="10515600" cy="1325563"/>
+        <p:spPr bwMode="black">
+          <a:xfrm>
+            <a:off x="2231136" y="964692"/>
+            <a:ext cx="7729728" cy="1188720"/>
           </a:xfrm>
           <a:prstGeom prst="rect">
             <a:avLst/>
           </a:prstGeom>
-        </p:spPr>
-        <p:txBody>
-          <a:bodyPr vert="horz" lIns="91440" tIns="45720" rIns="91440" bIns="45720" rtlCol="0" anchor="ctr">
+          <a:solidFill>
+            <a:srgbClr val="FFFFFF"/>
+          </a:solidFill>
+          <a:ln w="31750" cap="sq">
+            <a:solidFill>
+              <a:srgbClr val="404040"/>
+            </a:solidFill>
+            <a:miter lim="800000"/>
+          </a:ln>
+        </p:spPr>
+        <p:txBody>
+          <a:bodyPr vert="horz" lIns="182880" tIns="182880" rIns="182880" bIns="182880" rtlCol="0" anchor="ctr">
             <a:normAutofit/>
           </a:bodyPr>
           <a:lstStyle/>
@@ -2812,18 +3195,13 @@
               <a:rPr lang="en-US"/>
               <a:t>Click to edit Master title style</a:t>
             </a:r>
-          </a:p>
-        </p:txBody>
-      </p:sp>
-      <p:sp>
-        <p:nvSpPr>
-          <p:cNvPr id="3" name="Text Placeholder 2">
-            <a:extLst>
-              <a:ext uri="{FF2B5EF4-FFF2-40B4-BE49-F238E27FC236}">
-                <a16:creationId xmlns:a16="http://schemas.microsoft.com/office/drawing/2014/main" id="{F9E561F0-FE35-3445-A1A8-10104788DDE2}"/>
-              </a:ext>
-            </a:extLst>
-          </p:cNvPr>
+            <a:endParaRPr lang="en-US" dirty="0"/>
+          </a:p>
+        </p:txBody>
+      </p:sp>
+      <p:sp>
+        <p:nvSpPr>
+          <p:cNvPr id="3" name="Text Placeholder 2"/>
           <p:cNvSpPr>
             <a:spLocks noGrp="1"/>
           </p:cNvSpPr>
@@ -2833,8 +3211,8 @@
         </p:nvSpPr>
         <p:spPr>
           <a:xfrm>
-            <a:off x="838200" y="1825625"/>
-            <a:ext cx="10515600" cy="4351338"/>
+            <a:off x="2231136" y="2638044"/>
+            <a:ext cx="7729728" cy="3101983"/>
           </a:xfrm>
           <a:prstGeom prst="rect">
             <a:avLst/>
@@ -2879,18 +3257,13 @@
               <a:rPr lang="en-US"/>
               <a:t>Fifth level</a:t>
             </a:r>
-          </a:p>
-        </p:txBody>
-      </p:sp>
-      <p:sp>
-        <p:nvSpPr>
-          <p:cNvPr id="4" name="Date Placeholder 3">
-            <a:extLst>
-              <a:ext uri="{FF2B5EF4-FFF2-40B4-BE49-F238E27FC236}">
-                <a16:creationId xmlns:a16="http://schemas.microsoft.com/office/drawing/2014/main" id="{DB7B2FBD-786D-F648-B625-E9D8196AC2E3}"/>
-              </a:ext>
-            </a:extLst>
-          </p:cNvPr>
+            <a:endParaRPr lang="en-US" dirty="0"/>
+          </a:p>
+        </p:txBody>
+      </p:sp>
+      <p:sp>
+        <p:nvSpPr>
+          <p:cNvPr id="4" name="Date Placeholder 3"/>
           <p:cNvSpPr>
             <a:spLocks noGrp="1"/>
           </p:cNvSpPr>
@@ -2900,8 +3273,8 @@
         </p:nvSpPr>
         <p:spPr>
           <a:xfrm>
-            <a:off x="838200" y="6356350"/>
-            <a:ext cx="2743200" cy="365125"/>
+            <a:off x="7821429" y="6238816"/>
+            <a:ext cx="2753746" cy="323968"/>
           </a:xfrm>
           <a:prstGeom prst="rect">
             <a:avLst/>
@@ -2910,11 +3283,11 @@
         <p:txBody>
           <a:bodyPr vert="horz" lIns="91440" tIns="45720" rIns="91440" bIns="45720" rtlCol="0" anchor="ctr"/>
           <a:lstStyle>
-            <a:lvl1pPr algn="l">
-              <a:defRPr sz="1200">
+            <a:lvl1pPr algn="r">
+              <a:defRPr sz="1050">
                 <a:solidFill>
                   <a:schemeClr val="tx1">
-                    <a:tint val="75000"/>
+                    <a:alpha val="70000"/>
                   </a:schemeClr>
                 </a:solidFill>
               </a:defRPr>
@@ -2923,7 +3296,7 @@
           <a:p>
             <a:fld id="{8C11D646-4C9B-4D48-BFDD-EE8CA063219B}" type="datetimeFigureOut">
               <a:rPr lang="en-US" smtClean="0"/>
-              <a:t>8/8/19</a:t>
+              <a:t>8/13/19</a:t>
             </a:fld>
             <a:endParaRPr lang="en-US"/>
           </a:p>
@@ -2931,13 +3304,7 @@
       </p:sp>
       <p:sp>
         <p:nvSpPr>
-          <p:cNvPr id="5" name="Footer Placeholder 4">
-            <a:extLst>
-              <a:ext uri="{FF2B5EF4-FFF2-40B4-BE49-F238E27FC236}">
-                <a16:creationId xmlns:a16="http://schemas.microsoft.com/office/drawing/2014/main" id="{81469CCB-95FD-E94D-B93C-EF8CDFD26704}"/>
-              </a:ext>
-            </a:extLst>
-          </p:cNvPr>
+          <p:cNvPr id="5" name="Footer Placeholder 4"/>
           <p:cNvSpPr>
             <a:spLocks noGrp="1"/>
           </p:cNvSpPr>
@@ -2947,8 +3314,8 @@
         </p:nvSpPr>
         <p:spPr>
           <a:xfrm>
-            <a:off x="4038600" y="6356350"/>
-            <a:ext cx="4114800" cy="365125"/>
+            <a:off x="1600200" y="6236208"/>
+            <a:ext cx="5901189" cy="320040"/>
           </a:xfrm>
           <a:prstGeom prst="rect">
             <a:avLst/>
@@ -2957,11 +3324,11 @@
         <p:txBody>
           <a:bodyPr vert="horz" lIns="91440" tIns="45720" rIns="91440" bIns="45720" rtlCol="0" anchor="ctr"/>
           <a:lstStyle>
-            <a:lvl1pPr algn="ctr">
-              <a:defRPr sz="1200">
+            <a:lvl1pPr algn="l">
+              <a:defRPr sz="1050">
                 <a:solidFill>
                   <a:schemeClr val="tx1">
-                    <a:tint val="75000"/>
+                    <a:alpha val="70000"/>
                   </a:schemeClr>
                 </a:solidFill>
               </a:defRPr>
@@ -2974,13 +3341,7 @@
       </p:sp>
       <p:sp>
         <p:nvSpPr>
-          <p:cNvPr id="6" name="Slide Number Placeholder 5">
-            <a:extLst>
-              <a:ext uri="{FF2B5EF4-FFF2-40B4-BE49-F238E27FC236}">
-                <a16:creationId xmlns:a16="http://schemas.microsoft.com/office/drawing/2014/main" id="{A0EAC77B-C104-1744-93D1-531C762AD867}"/>
-              </a:ext>
-            </a:extLst>
-          </p:cNvPr>
+          <p:cNvPr id="6" name="Slide Number Placeholder 5"/>
           <p:cNvSpPr>
             <a:spLocks noGrp="1"/>
           </p:cNvSpPr>
@@ -2990,22 +3351,27 @@
         </p:nvSpPr>
         <p:spPr>
           <a:xfrm>
-            <a:off x="8610600" y="6356350"/>
-            <a:ext cx="2743200" cy="365125"/>
-          </a:xfrm>
-          <a:prstGeom prst="rect">
+            <a:off x="10758922" y="6217920"/>
+            <a:ext cx="365760" cy="365760"/>
+          </a:xfrm>
+          <a:prstGeom prst="ellipse">
             <a:avLst/>
           </a:prstGeom>
-        </p:spPr>
-        <p:txBody>
-          <a:bodyPr vert="horz" lIns="91440" tIns="45720" rIns="91440" bIns="45720" rtlCol="0" anchor="ctr"/>
+          <a:solidFill>
+            <a:srgbClr val="1D1D1D">
+              <a:alpha val="70000"/>
+            </a:srgbClr>
+          </a:solidFill>
+        </p:spPr>
+        <p:txBody>
+          <a:bodyPr vert="horz" lIns="18288" tIns="45720" rIns="18288" bIns="45720" rtlCol="0" anchor="ctr">
+            <a:noAutofit/>
+          </a:bodyPr>
           <a:lstStyle>
-            <a:lvl1pPr algn="r">
-              <a:defRPr sz="1200">
+            <a:lvl1pPr algn="ctr">
+              <a:defRPr sz="1100" spc="0" baseline="0">
                 <a:solidFill>
-                  <a:schemeClr val="tx1">
-                    <a:tint val="75000"/>
-                  </a:schemeClr>
+                  <a:srgbClr val="FFFFFF"/>
                 </a:solidFill>
               </a:defRPr>
             </a:lvl1pPr>
@@ -3022,27 +3388,27 @@
     </p:spTree>
     <p:extLst>
       <p:ext uri="{BB962C8B-B14F-4D97-AF65-F5344CB8AC3E}">
-        <p14:creationId xmlns:p14="http://schemas.microsoft.com/office/powerpoint/2010/main" val="1550597197"/>
+        <p14:creationId xmlns:p14="http://schemas.microsoft.com/office/powerpoint/2010/main" val="529116491"/>
       </p:ext>
     </p:extLst>
   </p:cSld>
   <p:clrMap bg1="lt1" tx1="dk1" bg2="lt2" tx2="dk2" accent1="accent1" accent2="accent2" accent3="accent3" accent4="accent4" accent5="accent5" accent6="accent6" hlink="hlink" folHlink="folHlink"/>
   <p:sldLayoutIdLst>
-    <p:sldLayoutId id="2147483649" r:id="rId1"/>
-    <p:sldLayoutId id="2147483650" r:id="rId2"/>
-    <p:sldLayoutId id="2147483651" r:id="rId3"/>
-    <p:sldLayoutId id="2147483652" r:id="rId4"/>
-    <p:sldLayoutId id="2147483653" r:id="rId5"/>
-    <p:sldLayoutId id="2147483654" r:id="rId6"/>
-    <p:sldLayoutId id="2147483655" r:id="rId7"/>
-    <p:sldLayoutId id="2147483656" r:id="rId8"/>
-    <p:sldLayoutId id="2147483657" r:id="rId9"/>
-    <p:sldLayoutId id="2147483658" r:id="rId10"/>
-    <p:sldLayoutId id="2147483659" r:id="rId11"/>
+    <p:sldLayoutId id="2147483661" r:id="rId1"/>
+    <p:sldLayoutId id="2147483662" r:id="rId2"/>
+    <p:sldLayoutId id="2147483663" r:id="rId3"/>
+    <p:sldLayoutId id="2147483664" r:id="rId4"/>
+    <p:sldLayoutId id="2147483665" r:id="rId5"/>
+    <p:sldLayoutId id="2147483666" r:id="rId6"/>
+    <p:sldLayoutId id="2147483667" r:id="rId7"/>
+    <p:sldLayoutId id="2147483668" r:id="rId8"/>
+    <p:sldLayoutId id="2147483669" r:id="rId9"/>
+    <p:sldLayoutId id="2147483670" r:id="rId10"/>
+    <p:sldLayoutId id="2147483671" r:id="rId11"/>
   </p:sldLayoutIdLst>
   <p:txStyles>
     <p:titleStyle>
-      <a:lvl1pPr algn="l" defTabSz="914400" rtl="0" eaLnBrk="1" latinLnBrk="0" hangingPunct="1">
+      <a:lvl1pPr algn="ctr" defTabSz="914400" rtl="0" eaLnBrk="1" latinLnBrk="0" hangingPunct="1">
         <a:lnSpc>
           <a:spcPct val="90000"/>
         </a:lnSpc>
@@ -3050,9 +3416,9 @@
           <a:spcPct val="0"/>
         </a:spcBef>
         <a:buNone/>
-        <a:defRPr sz="4400" kern="1200">
+        <a:defRPr sz="2800" kern="1200" cap="all" spc="200" baseline="0">
           <a:solidFill>
-            <a:schemeClr val="tx1"/>
+            <a:srgbClr val="262626"/>
           </a:solidFill>
           <a:latin typeface="+mj-lt"/>
           <a:ea typeface="+mj-ea"/>
@@ -3063,104 +3429,137 @@
     <p:bodyStyle>
       <a:lvl1pPr marL="228600" indent="-228600" algn="l" defTabSz="914400" rtl="0" eaLnBrk="1" latinLnBrk="0" hangingPunct="1">
         <a:lnSpc>
-          <a:spcPct val="90000"/>
+          <a:spcPct val="100000"/>
         </a:lnSpc>
         <a:spcBef>
           <a:spcPts val="1000"/>
         </a:spcBef>
+        <a:buClr>
+          <a:schemeClr val="accent2"/>
+        </a:buClr>
         <a:buFont typeface="Arial" panose="020B0604020202020204" pitchFamily="34" charset="0"/>
         <a:buChar char="•"/>
-        <a:defRPr sz="2800" kern="1200">
+        <a:defRPr sz="1800" kern="1200">
           <a:solidFill>
-            <a:schemeClr val="tx1"/>
+            <a:schemeClr val="tx1">
+              <a:lumMod val="85000"/>
+              <a:lumOff val="15000"/>
+            </a:schemeClr>
           </a:solidFill>
           <a:latin typeface="+mn-lt"/>
           <a:ea typeface="+mn-ea"/>
           <a:cs typeface="+mn-cs"/>
         </a:defRPr>
       </a:lvl1pPr>
-      <a:lvl2pPr marL="685800" indent="-228600" algn="l" defTabSz="914400" rtl="0" eaLnBrk="1" latinLnBrk="0" hangingPunct="1">
+      <a:lvl2pPr marL="457200" indent="-228600" algn="l" defTabSz="914400" rtl="0" eaLnBrk="1" latinLnBrk="0" hangingPunct="1">
         <a:lnSpc>
-          <a:spcPct val="90000"/>
+          <a:spcPct val="100000"/>
         </a:lnSpc>
         <a:spcBef>
-          <a:spcPts val="500"/>
+          <a:spcPts val="1000"/>
         </a:spcBef>
+        <a:buClr>
+          <a:schemeClr val="accent2"/>
+        </a:buClr>
         <a:buFont typeface="Arial" panose="020B0604020202020204" pitchFamily="34" charset="0"/>
         <a:buChar char="•"/>
-        <a:defRPr sz="2400" kern="1200">
+        <a:defRPr sz="1600" kern="1200">
           <a:solidFill>
-            <a:schemeClr val="tx1"/>
+            <a:schemeClr val="tx1">
+              <a:lumMod val="85000"/>
+              <a:lumOff val="15000"/>
+            </a:schemeClr>
           </a:solidFill>
           <a:latin typeface="+mn-lt"/>
           <a:ea typeface="+mn-ea"/>
           <a:cs typeface="+mn-cs"/>
         </a:defRPr>
       </a:lvl2pPr>
-      <a:lvl3pPr marL="1143000" indent="-228600" algn="l" defTabSz="914400" rtl="0" eaLnBrk="1" latinLnBrk="0" hangingPunct="1">
+      <a:lvl3pPr marL="685800" indent="-228600" algn="l" defTabSz="914400" rtl="0" eaLnBrk="1" latinLnBrk="0" hangingPunct="1">
         <a:lnSpc>
-          <a:spcPct val="90000"/>
+          <a:spcPct val="100000"/>
         </a:lnSpc>
         <a:spcBef>
-          <a:spcPts val="500"/>
+          <a:spcPts val="1000"/>
         </a:spcBef>
+        <a:buClr>
+          <a:schemeClr val="accent2"/>
+        </a:buClr>
         <a:buFont typeface="Arial" panose="020B0604020202020204" pitchFamily="34" charset="0"/>
         <a:buChar char="•"/>
-        <a:defRPr sz="2000" kern="1200">
+        <a:defRPr sz="1600" kern="1200">
           <a:solidFill>
-            <a:schemeClr val="tx1"/>
+            <a:schemeClr val="tx1">
+              <a:lumMod val="85000"/>
+              <a:lumOff val="15000"/>
+            </a:schemeClr>
           </a:solidFill>
           <a:latin typeface="+mn-lt"/>
           <a:ea typeface="+mn-ea"/>
           <a:cs typeface="+mn-cs"/>
         </a:defRPr>
       </a:lvl3pPr>
-      <a:lvl4pPr marL="1600200" indent="-228600" algn="l" defTabSz="914400" rtl="0" eaLnBrk="1" latinLnBrk="0" hangingPunct="1">
+      <a:lvl4pPr marL="914400" indent="-228600" algn="l" defTabSz="914400" rtl="0" eaLnBrk="1" latinLnBrk="0" hangingPunct="1">
         <a:lnSpc>
-          <a:spcPct val="90000"/>
+          <a:spcPct val="100000"/>
         </a:lnSpc>
         <a:spcBef>
-          <a:spcPts val="500"/>
+          <a:spcPts val="1000"/>
         </a:spcBef>
+        <a:buClr>
+          <a:schemeClr val="accent2"/>
+        </a:buClr>
         <a:buFont typeface="Arial" panose="020B0604020202020204" pitchFamily="34" charset="0"/>
         <a:buChar char="•"/>
-        <a:defRPr sz="1800" kern="1200">
+        <a:defRPr sz="1600" kern="1200">
           <a:solidFill>
-            <a:schemeClr val="tx1"/>
+            <a:schemeClr val="tx1">
+              <a:lumMod val="85000"/>
+              <a:lumOff val="15000"/>
+            </a:schemeClr>
           </a:solidFill>
           <a:latin typeface="+mn-lt"/>
           <a:ea typeface="+mn-ea"/>
           <a:cs typeface="+mn-cs"/>
         </a:defRPr>
       </a:lvl4pPr>
-      <a:lvl5pPr marL="2057400" indent="-228600" algn="l" defTabSz="914400" rtl="0" eaLnBrk="1" latinLnBrk="0" hangingPunct="1">
+      <a:lvl5pPr marL="1143000" indent="-228600" algn="l" defTabSz="914400" rtl="0" eaLnBrk="1" latinLnBrk="0" hangingPunct="1">
         <a:lnSpc>
-          <a:spcPct val="90000"/>
+          <a:spcPct val="100000"/>
         </a:lnSpc>
         <a:spcBef>
-          <a:spcPts val="500"/>
+          <a:spcPts val="1000"/>
         </a:spcBef>
+        <a:buClr>
+          <a:schemeClr val="accent2"/>
+        </a:buClr>
         <a:buFont typeface="Arial" panose="020B0604020202020204" pitchFamily="34" charset="0"/>
         <a:buChar char="•"/>
-        <a:defRPr sz="1800" kern="1200">
+        <a:defRPr sz="1600" kern="1200">
           <a:solidFill>
-            <a:schemeClr val="tx1"/>
+            <a:schemeClr val="tx1">
+              <a:lumMod val="85000"/>
+              <a:lumOff val="15000"/>
+            </a:schemeClr>
           </a:solidFill>
           <a:latin typeface="+mn-lt"/>
           <a:ea typeface="+mn-ea"/>
           <a:cs typeface="+mn-cs"/>
         </a:defRPr>
       </a:lvl5pPr>
-      <a:lvl6pPr marL="2514600" indent="-228600" algn="l" defTabSz="914400" rtl="0" eaLnBrk="1" latinLnBrk="0" hangingPunct="1">
+      <a:lvl6pPr marL="1312863" indent="-228600" algn="l" defTabSz="914400" rtl="0" eaLnBrk="1" latinLnBrk="0" hangingPunct="1">
         <a:lnSpc>
-          <a:spcPct val="90000"/>
+          <a:spcPct val="100000"/>
         </a:lnSpc>
         <a:spcBef>
-          <a:spcPts val="500"/>
+          <a:spcPts val="1000"/>
         </a:spcBef>
+        <a:buClr>
+          <a:schemeClr val="accent2"/>
+        </a:buClr>
         <a:buFont typeface="Arial" panose="020B0604020202020204" pitchFamily="34" charset="0"/>
         <a:buChar char="•"/>
-        <a:defRPr sz="1800" kern="1200">
+        <a:defRPr sz="1600" kern="1200">
           <a:solidFill>
             <a:schemeClr val="tx1"/>
           </a:solidFill>
@@ -3169,16 +3568,19 @@
           <a:cs typeface="+mn-cs"/>
         </a:defRPr>
       </a:lvl6pPr>
-      <a:lvl7pPr marL="2971800" indent="-228600" algn="l" defTabSz="914400" rtl="0" eaLnBrk="1" latinLnBrk="0" hangingPunct="1">
+      <a:lvl7pPr marL="1484313" indent="-228600" algn="l" defTabSz="914400" rtl="0" eaLnBrk="1" latinLnBrk="0" hangingPunct="1">
         <a:lnSpc>
-          <a:spcPct val="90000"/>
+          <a:spcPct val="100000"/>
         </a:lnSpc>
         <a:spcBef>
-          <a:spcPts val="500"/>
+          <a:spcPts val="1000"/>
         </a:spcBef>
+        <a:buClr>
+          <a:schemeClr val="accent2"/>
+        </a:buClr>
         <a:buFont typeface="Arial" panose="020B0604020202020204" pitchFamily="34" charset="0"/>
         <a:buChar char="•"/>
-        <a:defRPr sz="1800" kern="1200">
+        <a:defRPr sz="1600" kern="1200">
           <a:solidFill>
             <a:schemeClr val="tx1"/>
           </a:solidFill>
@@ -3187,16 +3589,19 @@
           <a:cs typeface="+mn-cs"/>
         </a:defRPr>
       </a:lvl7pPr>
-      <a:lvl8pPr marL="3429000" indent="-228600" algn="l" defTabSz="914400" rtl="0" eaLnBrk="1" latinLnBrk="0" hangingPunct="1">
+      <a:lvl8pPr marL="1657350" indent="-228600" algn="l" defTabSz="914400" rtl="0" eaLnBrk="1" latinLnBrk="0" hangingPunct="1">
         <a:lnSpc>
-          <a:spcPct val="90000"/>
+          <a:spcPct val="100000"/>
         </a:lnSpc>
         <a:spcBef>
-          <a:spcPts val="500"/>
+          <a:spcPts val="1000"/>
         </a:spcBef>
+        <a:buClr>
+          <a:schemeClr val="accent2"/>
+        </a:buClr>
         <a:buFont typeface="Arial" panose="020B0604020202020204" pitchFamily="34" charset="0"/>
         <a:buChar char="•"/>
-        <a:defRPr sz="1800" kern="1200">
+        <a:defRPr sz="1600" kern="1200" baseline="0">
           <a:solidFill>
             <a:schemeClr val="tx1"/>
           </a:solidFill>
@@ -3205,16 +3610,19 @@
           <a:cs typeface="+mn-cs"/>
         </a:defRPr>
       </a:lvl8pPr>
-      <a:lvl9pPr marL="3886200" indent="-228600" algn="l" defTabSz="914400" rtl="0" eaLnBrk="1" latinLnBrk="0" hangingPunct="1">
+      <a:lvl9pPr marL="1882775" indent="-228600" algn="l" defTabSz="914400" rtl="0" eaLnBrk="1" latinLnBrk="0" hangingPunct="1">
         <a:lnSpc>
-          <a:spcPct val="90000"/>
+          <a:spcPct val="100000"/>
         </a:lnSpc>
         <a:spcBef>
-          <a:spcPts val="500"/>
+          <a:spcPts val="1000"/>
         </a:spcBef>
+        <a:buClr>
+          <a:schemeClr val="accent2"/>
+        </a:buClr>
         <a:buFont typeface="Arial" panose="020B0604020202020204" pitchFamily="34" charset="0"/>
         <a:buChar char="•"/>
-        <a:defRPr sz="1800" kern="1200">
+        <a:defRPr sz="1600" kern="1200" baseline="0">
           <a:solidFill>
             <a:schemeClr val="tx1"/>
           </a:solidFill>
@@ -3326,6 +3734,16 @@
 <file path=ppt/slides/slide1.xml><?xml version="1.0" encoding="utf-8"?>
 <p:sld xmlns:a="http://schemas.openxmlformats.org/drawingml/2006/main" xmlns:r="http://schemas.openxmlformats.org/officeDocument/2006/relationships" xmlns:p="http://schemas.openxmlformats.org/presentationml/2006/main">
   <p:cSld>
+    <p:bg>
+      <p:bgPr>
+        <a:solidFill>
+          <a:srgbClr val="1C68A4">
+            <a:alpha val="78824"/>
+          </a:srgbClr>
+        </a:solidFill>
+        <a:effectLst/>
+      </p:bgPr>
+    </p:bg>
     <p:spTree>
       <p:nvGrpSpPr>
         <p:cNvPr id="1" name=""/>
@@ -3358,19 +3776,19 @@
         </p:nvSpPr>
         <p:spPr>
           <a:xfrm>
-            <a:off x="1524000" y="1413381"/>
-            <a:ext cx="9144000" cy="1064246"/>
-          </a:xfrm>
-        </p:spPr>
-        <p:txBody>
-          <a:bodyPr anchor="t">
+            <a:off x="804671" y="1859797"/>
+            <a:ext cx="6047199" cy="2172867"/>
+          </a:xfrm>
+        </p:spPr>
+        <p:txBody>
+          <a:bodyPr>
             <a:normAutofit/>
           </a:bodyPr>
           <a:lstStyle/>
           <a:p>
             <a:r>
-              <a:rPr lang="en-US" dirty="0"/>
-              <a:t>Beyond Census Data</a:t>
+              <a:rPr lang="en-US" sz="2400" dirty="0"/>
+              <a:t>Beyond Census Data: Using Open Data to Understand Communities Around Public Libraries</a:t>
             </a:r>
           </a:p>
         </p:txBody>
@@ -3393,12 +3811,14 @@
         </p:nvSpPr>
         <p:spPr>
           <a:xfrm>
-            <a:off x="1524000" y="2757127"/>
-            <a:ext cx="9144000" cy="1064246"/>
-          </a:xfrm>
-        </p:spPr>
-        <p:txBody>
-          <a:bodyPr/>
+            <a:off x="1148615" y="4352544"/>
+            <a:ext cx="5242560" cy="1239894"/>
+          </a:xfrm>
+        </p:spPr>
+        <p:txBody>
+          <a:bodyPr>
+            <a:normAutofit/>
+          </a:bodyPr>
           <a:lstStyle/>
           <a:p>
             <a:r>
@@ -3411,6 +3831,133 @@
               <a:rPr lang="en-US" dirty="0"/>
               <a:t>Intern: Karalyn Ostler</a:t>
             </a:r>
+          </a:p>
+        </p:txBody>
+      </p:sp>
+      <p:sp>
+        <p:nvSpPr>
+          <p:cNvPr id="11" name="Rectangle 10">
+            <a:extLst>
+              <a:ext uri="{FF2B5EF4-FFF2-40B4-BE49-F238E27FC236}">
+                <a16:creationId xmlns:a16="http://schemas.microsoft.com/office/drawing/2014/main" id="{C9CF3D34-29D7-4174-91B7-7394213F8111}"/>
+              </a:ext>
+              <a:ext uri="{C183D7F6-B498-43B3-948B-1728B52AA6E4}">
+                <adec:decorative xmlns:adec="http://schemas.microsoft.com/office/drawing/2017/decorative" val="1"/>
+              </a:ext>
+            </a:extLst>
+          </p:cNvPr>
+          <p:cNvSpPr>
+            <a:spLocks noGrp="1" noRot="1" noChangeAspect="1" noMove="1" noResize="1" noEditPoints="1" noAdjustHandles="1" noChangeArrowheads="1" noChangeShapeType="1" noTextEdit="1"/>
+          </p:cNvSpPr>
+          <p:nvPr>
+            <p:extLst>
+              <p:ext uri="{386F3935-93C4-4BCD-93E2-E3B085C9AB24}">
+                <p16:designElem xmlns:p16="http://schemas.microsoft.com/office/powerpoint/2015/main" val="1"/>
+              </p:ext>
+            </p:extLst>
+          </p:nvPr>
+        </p:nvSpPr>
+        <p:spPr>
+          <a:xfrm>
+            <a:off x="7534655" y="640080"/>
+            <a:ext cx="4017265" cy="5263134"/>
+          </a:xfrm>
+          <a:prstGeom prst="rect">
+            <a:avLst/>
+          </a:prstGeom>
+          <a:noFill/>
+          <a:ln w="31750" cap="sq">
+            <a:solidFill>
+              <a:srgbClr val="FFFFFF"/>
+            </a:solidFill>
+            <a:miter lim="800000"/>
+          </a:ln>
+        </p:spPr>
+        <p:style>
+          <a:lnRef idx="2">
+            <a:schemeClr val="accent1">
+              <a:shade val="50000"/>
+            </a:schemeClr>
+          </a:lnRef>
+          <a:fillRef idx="1">
+            <a:schemeClr val="accent1"/>
+          </a:fillRef>
+          <a:effectRef idx="0">
+            <a:schemeClr val="accent1"/>
+          </a:effectRef>
+          <a:fontRef idx="minor">
+            <a:schemeClr val="lt1"/>
+          </a:fontRef>
+        </p:style>
+        <p:txBody>
+          <a:bodyPr rtlCol="0" anchor="ctr"/>
+          <a:lstStyle/>
+          <a:p>
+            <a:pPr algn="ctr"/>
+            <a:endParaRPr lang="en-US" dirty="0"/>
+          </a:p>
+        </p:txBody>
+      </p:sp>
+      <p:sp>
+        <p:nvSpPr>
+          <p:cNvPr id="13" name="Rectangle 12">
+            <a:extLst>
+              <a:ext uri="{FF2B5EF4-FFF2-40B4-BE49-F238E27FC236}">
+                <a16:creationId xmlns:a16="http://schemas.microsoft.com/office/drawing/2014/main" id="{483A02EC-953D-4FA3-AC0D-C720D553935E}"/>
+              </a:ext>
+              <a:ext uri="{C183D7F6-B498-43B3-948B-1728B52AA6E4}">
+                <adec:decorative xmlns:adec="http://schemas.microsoft.com/office/drawing/2017/decorative" val="1"/>
+              </a:ext>
+            </a:extLst>
+          </p:cNvPr>
+          <p:cNvSpPr>
+            <a:spLocks noGrp="1" noRot="1" noChangeAspect="1" noMove="1" noResize="1" noEditPoints="1" noAdjustHandles="1" noChangeArrowheads="1" noChangeShapeType="1" noTextEdit="1"/>
+          </p:cNvSpPr>
+          <p:nvPr>
+            <p:extLst>
+              <p:ext uri="{386F3935-93C4-4BCD-93E2-E3B085C9AB24}">
+                <p16:designElem xmlns:p16="http://schemas.microsoft.com/office/powerpoint/2015/main" val="1"/>
+              </p:ext>
+            </p:extLst>
+          </p:nvPr>
+        </p:nvSpPr>
+        <p:spPr>
+          <a:xfrm>
+            <a:off x="7700771" y="802767"/>
+            <a:ext cx="3685032" cy="4937760"/>
+          </a:xfrm>
+          <a:prstGeom prst="rect">
+            <a:avLst/>
+          </a:prstGeom>
+          <a:solidFill>
+            <a:srgbClr val="FFFFFF"/>
+          </a:solidFill>
+          <a:ln>
+            <a:noFill/>
+          </a:ln>
+        </p:spPr>
+        <p:style>
+          <a:lnRef idx="2">
+            <a:schemeClr val="accent1">
+              <a:shade val="50000"/>
+            </a:schemeClr>
+          </a:lnRef>
+          <a:fillRef idx="1">
+            <a:schemeClr val="accent1"/>
+          </a:fillRef>
+          <a:effectRef idx="0">
+            <a:schemeClr val="accent1"/>
+          </a:effectRef>
+          <a:fontRef idx="minor">
+            <a:schemeClr val="lt1"/>
+          </a:fontRef>
+        </p:style>
+        <p:txBody>
+          <a:bodyPr rtlCol="0" anchor="ctr"/>
+          <a:lstStyle/>
+          <a:p>
+            <a:pPr algn="ctr"/>
+            <a:endParaRPr lang="en-US"/>
           </a:p>
         </p:txBody>
       </p:sp>
@@ -3442,8 +3989,8 @@
         </p:blipFill>
         <p:spPr>
           <a:xfrm>
-            <a:off x="1524000" y="4338637"/>
-            <a:ext cx="2590800" cy="1397000"/>
+            <a:off x="8020811" y="1192339"/>
+            <a:ext cx="3044952" cy="1639589"/>
           </a:xfrm>
           <a:prstGeom prst="rect">
             <a:avLst/>
@@ -3472,8 +4019,8 @@
         </p:blipFill>
         <p:spPr>
           <a:xfrm>
-            <a:off x="8077202" y="4100873"/>
-            <a:ext cx="1722726" cy="1872528"/>
+            <a:off x="8549671" y="3260451"/>
+            <a:ext cx="1987232" cy="2160036"/>
           </a:xfrm>
           <a:prstGeom prst="rect">
             <a:avLst/>
@@ -3515,7 +4062,7 @@
           <p:cNvPr id="2" name="Title 1">
             <a:extLst>
               <a:ext uri="{FF2B5EF4-FFF2-40B4-BE49-F238E27FC236}">
-                <a16:creationId xmlns:a16="http://schemas.microsoft.com/office/drawing/2014/main" id="{5746F866-E9C8-5B4A-B7C5-4D53903A76AB}"/>
+                <a16:creationId xmlns:a16="http://schemas.microsoft.com/office/drawing/2014/main" id="{0571D3BF-1F64-4246-AD6C-934DC0177950}"/>
               </a:ext>
             </a:extLst>
           </p:cNvPr>
@@ -3526,20 +4073,20 @@
             <p:ph type="title"/>
           </p:nvPr>
         </p:nvSpPr>
-        <p:spPr/>
+        <p:spPr>
+          <a:xfrm>
+            <a:off x="2231136" y="584027"/>
+            <a:ext cx="7729728" cy="1188720"/>
+          </a:xfrm>
+        </p:spPr>
         <p:txBody>
           <a:bodyPr/>
           <a:lstStyle/>
           <a:p>
             <a:r>
               <a:rPr lang="en-US" dirty="0"/>
-              <a:t>Interactive Maps and </a:t>
-            </a:r>
-            <a:r>
-              <a:rPr lang="en-US" dirty="0" err="1"/>
-              <a:t>shinyapp.io</a:t>
-            </a:r>
-            <a:endParaRPr lang="en-US" dirty="0"/>
+              <a:t>Comparison with Internal Dataset</a:t>
+            </a:r>
           </a:p>
         </p:txBody>
       </p:sp>
@@ -3548,7 +4095,7 @@
           <p:cNvPr id="3" name="Content Placeholder 2">
             <a:extLst>
               <a:ext uri="{FF2B5EF4-FFF2-40B4-BE49-F238E27FC236}">
-                <a16:creationId xmlns:a16="http://schemas.microsoft.com/office/drawing/2014/main" id="{501D6C72-6DFC-3C44-802D-421401AFCEF1}"/>
+                <a16:creationId xmlns:a16="http://schemas.microsoft.com/office/drawing/2014/main" id="{EDC4BBB0-5F6F-A54F-ACD3-33BC9424386D}"/>
               </a:ext>
             </a:extLst>
           </p:cNvPr>
@@ -3556,109 +4103,632 @@
             <a:spLocks noGrp="1"/>
           </p:cNvSpPr>
           <p:nvPr>
-            <p:ph sz="half" idx="1"/>
-          </p:nvPr>
-        </p:nvSpPr>
-        <p:spPr/>
-        <p:txBody>
-          <a:bodyPr/>
-          <a:lstStyle/>
-          <a:p>
-            <a:r>
-              <a:rPr lang="en-US" dirty="0"/>
-              <a:t>(Insert picture of finished app)</a:t>
-            </a:r>
-          </a:p>
-          <a:p>
-            <a:r>
-              <a:rPr lang="en-US" dirty="0"/>
-              <a:t>URL </a:t>
-            </a:r>
-          </a:p>
-          <a:p>
-            <a:r>
-              <a:rPr lang="en-US" dirty="0"/>
-              <a:t>Browser based</a:t>
-            </a:r>
-          </a:p>
-          <a:p>
-            <a:r>
-              <a:rPr lang="en-US" dirty="0"/>
-              <a:t>Hosted by </a:t>
-            </a:r>
-            <a:r>
-              <a:rPr lang="en-US" dirty="0" err="1"/>
-              <a:t>Rstudio</a:t>
-            </a:r>
-            <a:endParaRPr lang="en-US" dirty="0"/>
-          </a:p>
-          <a:p>
-            <a:r>
-              <a:rPr lang="en-US" dirty="0"/>
-              <a:t>Interactive</a:t>
-            </a:r>
-          </a:p>
-        </p:txBody>
-      </p:sp>
-      <p:sp>
-        <p:nvSpPr>
-          <p:cNvPr id="6" name="Content Placeholder 5">
+            <p:ph idx="1"/>
+          </p:nvPr>
+        </p:nvSpPr>
+        <p:spPr>
+          <a:xfrm>
+            <a:off x="1175454" y="2039965"/>
+            <a:ext cx="6139745" cy="4230206"/>
+          </a:xfrm>
+        </p:spPr>
+        <p:txBody>
+          <a:bodyPr>
+            <a:normAutofit fontScale="92500" lnSpcReduction="20000"/>
+          </a:bodyPr>
+          <a:lstStyle/>
+          <a:p>
+            <a:r>
+              <a:rPr lang="en-US" sz="2800" dirty="0"/>
+              <a:t>Dataset: SPL Borrower Data</a:t>
+            </a:r>
+          </a:p>
+          <a:p>
+            <a:pPr lvl="1"/>
+            <a:r>
+              <a:rPr lang="en-US" sz="2400" dirty="0"/>
+              <a:t>Divided by branches</a:t>
+            </a:r>
+          </a:p>
+          <a:p>
+            <a:pPr lvl="1"/>
+            <a:r>
+              <a:rPr lang="en-US" sz="2400" dirty="0"/>
+              <a:t># of active uses of card by age of borrower</a:t>
+            </a:r>
+          </a:p>
+          <a:p>
+            <a:r>
+              <a:rPr lang="en-US" sz="2800" dirty="0"/>
+              <a:t>Age Statistics</a:t>
+            </a:r>
+          </a:p>
+          <a:p>
+            <a:pPr lvl="1"/>
+            <a:r>
+              <a:rPr lang="en-US" sz="2400" dirty="0"/>
+              <a:t>Average age of borrower at Branch</a:t>
+            </a:r>
+          </a:p>
+          <a:p>
+            <a:pPr lvl="1"/>
+            <a:r>
+              <a:rPr lang="en-US" sz="2400" dirty="0"/>
+              <a:t>Percentage Breakdown:</a:t>
+            </a:r>
+          </a:p>
+          <a:p>
+            <a:pPr lvl="2"/>
+            <a:r>
+              <a:rPr lang="en-US" sz="2400" dirty="0"/>
+              <a:t>Under 18</a:t>
+            </a:r>
+          </a:p>
+          <a:p>
+            <a:pPr lvl="2"/>
+            <a:r>
+              <a:rPr lang="en-US" sz="2400" dirty="0"/>
+              <a:t>18-39</a:t>
+            </a:r>
+          </a:p>
+          <a:p>
+            <a:pPr lvl="2"/>
+            <a:r>
+              <a:rPr lang="en-US" sz="2400" dirty="0"/>
+              <a:t>40-64</a:t>
+            </a:r>
+          </a:p>
+          <a:p>
+            <a:pPr lvl="2"/>
+            <a:r>
+              <a:rPr lang="en-US" sz="2400" dirty="0"/>
+              <a:t>Over 65</a:t>
+            </a:r>
+          </a:p>
+        </p:txBody>
+      </p:sp>
+      <p:graphicFrame>
+        <p:nvGraphicFramePr>
+          <p:cNvPr id="6" name="Table 5">
             <a:extLst>
               <a:ext uri="{FF2B5EF4-FFF2-40B4-BE49-F238E27FC236}">
-                <a16:creationId xmlns:a16="http://schemas.microsoft.com/office/drawing/2014/main" id="{EF3A6EBF-8027-4A4A-8FF9-F6EE821D9982}"/>
+                <a16:creationId xmlns:a16="http://schemas.microsoft.com/office/drawing/2014/main" id="{22DF6670-EB4E-B743-817F-3F5EA949B4DC}"/>
               </a:ext>
             </a:extLst>
           </p:cNvPr>
-          <p:cNvSpPr>
-            <a:spLocks noGrp="1"/>
-          </p:cNvSpPr>
-          <p:nvPr>
-            <p:ph sz="half" idx="2"/>
-          </p:nvPr>
-        </p:nvSpPr>
-        <p:spPr/>
-        <p:txBody>
-          <a:bodyPr/>
-          <a:lstStyle/>
-          <a:p>
-            <a:endParaRPr lang="en-US"/>
-          </a:p>
-        </p:txBody>
-      </p:sp>
-      <p:pic>
-        <p:nvPicPr>
-          <p:cNvPr id="5" name="Picture 4">
+          <p:cNvGraphicFramePr>
+            <a:graphicFrameLocks noGrp="1"/>
+          </p:cNvGraphicFramePr>
+          <p:nvPr>
+            <p:extLst>
+              <p:ext uri="{D42A27DB-BD31-4B8C-83A1-F6EECF244321}">
+                <p14:modId xmlns:p14="http://schemas.microsoft.com/office/powerpoint/2010/main" val="615560855"/>
+              </p:ext>
+            </p:extLst>
+          </p:nvPr>
+        </p:nvGraphicFramePr>
+        <p:xfrm>
+          <a:off x="7656163" y="2668941"/>
+          <a:ext cx="3576282" cy="3762858"/>
+        </p:xfrm>
+        <a:graphic>
+          <a:graphicData uri="http://schemas.openxmlformats.org/drawingml/2006/table">
+            <a:tbl>
+              <a:tblPr firstRow="1" bandRow="1">
+                <a:tableStyleId>{85BE263C-DBD7-4A20-BB59-AAB30ACAA65A}</a:tableStyleId>
+              </a:tblPr>
+              <a:tblGrid>
+                <a:gridCol w="1192094">
+                  <a:extLst>
+                    <a:ext uri="{9D8B030D-6E8A-4147-A177-3AD203B41FA5}">
+                      <a16:colId xmlns:a16="http://schemas.microsoft.com/office/drawing/2014/main" val="2713856163"/>
+                    </a:ext>
+                  </a:extLst>
+                </a:gridCol>
+                <a:gridCol w="1192094">
+                  <a:extLst>
+                    <a:ext uri="{9D8B030D-6E8A-4147-A177-3AD203B41FA5}">
+                      <a16:colId xmlns:a16="http://schemas.microsoft.com/office/drawing/2014/main" val="259590464"/>
+                    </a:ext>
+                  </a:extLst>
+                </a:gridCol>
+                <a:gridCol w="1192094">
+                  <a:extLst>
+                    <a:ext uri="{9D8B030D-6E8A-4147-A177-3AD203B41FA5}">
+                      <a16:colId xmlns:a16="http://schemas.microsoft.com/office/drawing/2014/main" val="3682065800"/>
+                    </a:ext>
+                  </a:extLst>
+                </a:gridCol>
+              </a:tblGrid>
+              <a:tr h="609896">
+                <a:tc>
+                  <a:txBody>
+                    <a:bodyPr/>
+                    <a:lstStyle/>
+                    <a:p>
+                      <a:endParaRPr lang="en-US" dirty="0"/>
+                    </a:p>
+                  </a:txBody>
+                  <a:tcPr/>
+                </a:tc>
+                <a:tc>
+                  <a:txBody>
+                    <a:bodyPr/>
+                    <a:lstStyle/>
+                    <a:p>
+                      <a:r>
+                        <a:rPr lang="en-US" dirty="0"/>
+                        <a:t>SPL</a:t>
+                      </a:r>
+                    </a:p>
+                  </a:txBody>
+                  <a:tcPr/>
+                </a:tc>
+                <a:tc>
+                  <a:txBody>
+                    <a:bodyPr/>
+                    <a:lstStyle/>
+                    <a:p>
+                      <a:r>
+                        <a:rPr lang="en-US" dirty="0"/>
+                        <a:t>Census</a:t>
+                      </a:r>
+                    </a:p>
+                  </a:txBody>
+                  <a:tcPr/>
+                </a:tc>
+                <a:extLst>
+                  <a:ext uri="{0D108BD9-81ED-4DB2-BD59-A6C34878D82A}">
+                    <a16:rowId xmlns:a16="http://schemas.microsoft.com/office/drawing/2014/main" val="2011199147"/>
+                  </a:ext>
+                </a:extLst>
+              </a:tr>
+              <a:tr h="713378">
+                <a:tc>
+                  <a:txBody>
+                    <a:bodyPr/>
+                    <a:lstStyle/>
+                    <a:p>
+                      <a:r>
+                        <a:rPr lang="en-US" dirty="0"/>
+                        <a:t>Average Age</a:t>
+                      </a:r>
+                    </a:p>
+                  </a:txBody>
+                  <a:tcPr/>
+                </a:tc>
+                <a:tc>
+                  <a:txBody>
+                    <a:bodyPr/>
+                    <a:lstStyle/>
+                    <a:p>
+                      <a:pPr marL="0" marR="0" lvl="0" indent="0" algn="l" defTabSz="914400" rtl="0" eaLnBrk="1" fontAlgn="auto" latinLnBrk="0" hangingPunct="1">
+                        <a:lnSpc>
+                          <a:spcPct val="100000"/>
+                        </a:lnSpc>
+                        <a:spcBef>
+                          <a:spcPts val="0"/>
+                        </a:spcBef>
+                        <a:spcAft>
+                          <a:spcPts val="0"/>
+                        </a:spcAft>
+                        <a:buClrTx/>
+                        <a:buSzTx/>
+                        <a:buFontTx/>
+                        <a:buNone/>
+                        <a:tabLst/>
+                        <a:defRPr/>
+                      </a:pPr>
+                      <a:r>
+                        <a:rPr lang="en-US" dirty="0"/>
+                        <a:t>40.2</a:t>
+                      </a:r>
+                    </a:p>
+                  </a:txBody>
+                  <a:tcPr/>
+                </a:tc>
+                <a:tc>
+                  <a:txBody>
+                    <a:bodyPr/>
+                    <a:lstStyle/>
+                    <a:p>
+                      <a:pPr marL="0" marR="0" lvl="0" indent="0" algn="l" defTabSz="914400" rtl="0" eaLnBrk="1" fontAlgn="auto" latinLnBrk="0" hangingPunct="1">
+                        <a:lnSpc>
+                          <a:spcPct val="100000"/>
+                        </a:lnSpc>
+                        <a:spcBef>
+                          <a:spcPts val="0"/>
+                        </a:spcBef>
+                        <a:spcAft>
+                          <a:spcPts val="0"/>
+                        </a:spcAft>
+                        <a:buClrTx/>
+                        <a:buSzTx/>
+                        <a:buFontTx/>
+                        <a:buNone/>
+                        <a:tabLst/>
+                        <a:defRPr/>
+                      </a:pPr>
+                      <a:r>
+                        <a:rPr lang="en-US" dirty="0"/>
+                        <a:t>35.8</a:t>
+                      </a:r>
+                    </a:p>
+                  </a:txBody>
+                  <a:tcPr/>
+                </a:tc>
+                <a:extLst>
+                  <a:ext uri="{0D108BD9-81ED-4DB2-BD59-A6C34878D82A}">
+                    <a16:rowId xmlns:a16="http://schemas.microsoft.com/office/drawing/2014/main" val="3838715804"/>
+                  </a:ext>
+                </a:extLst>
+              </a:tr>
+              <a:tr h="609896">
+                <a:tc>
+                  <a:txBody>
+                    <a:bodyPr/>
+                    <a:lstStyle/>
+                    <a:p>
+                      <a:r>
+                        <a:rPr lang="en-US" dirty="0"/>
+                        <a:t>Under 18</a:t>
+                      </a:r>
+                    </a:p>
+                  </a:txBody>
+                  <a:tcPr/>
+                </a:tc>
+                <a:tc>
+                  <a:txBody>
+                    <a:bodyPr/>
+                    <a:lstStyle/>
+                    <a:p>
+                      <a:pPr marL="0" marR="0" lvl="0" indent="0" algn="l" defTabSz="914400" rtl="0" eaLnBrk="1" fontAlgn="auto" latinLnBrk="0" hangingPunct="1">
+                        <a:lnSpc>
+                          <a:spcPct val="100000"/>
+                        </a:lnSpc>
+                        <a:spcBef>
+                          <a:spcPts val="0"/>
+                        </a:spcBef>
+                        <a:spcAft>
+                          <a:spcPts val="0"/>
+                        </a:spcAft>
+                        <a:buClrTx/>
+                        <a:buSzTx/>
+                        <a:buFontTx/>
+                        <a:buNone/>
+                        <a:tabLst/>
+                        <a:defRPr/>
+                      </a:pPr>
+                      <a:r>
+                        <a:rPr lang="en-US" dirty="0"/>
+                        <a:t>4.0%</a:t>
+                      </a:r>
+                    </a:p>
+                  </a:txBody>
+                  <a:tcPr/>
+                </a:tc>
+                <a:tc>
+                  <a:txBody>
+                    <a:bodyPr/>
+                    <a:lstStyle/>
+                    <a:p>
+                      <a:pPr marL="0" marR="0" lvl="0" indent="0" algn="l" defTabSz="914400" rtl="0" eaLnBrk="1" fontAlgn="auto" latinLnBrk="0" hangingPunct="1">
+                        <a:lnSpc>
+                          <a:spcPct val="100000"/>
+                        </a:lnSpc>
+                        <a:spcBef>
+                          <a:spcPts val="0"/>
+                        </a:spcBef>
+                        <a:spcAft>
+                          <a:spcPts val="0"/>
+                        </a:spcAft>
+                        <a:buClrTx/>
+                        <a:buSzTx/>
+                        <a:buFontTx/>
+                        <a:buNone/>
+                        <a:tabLst/>
+                        <a:defRPr/>
+                      </a:pPr>
+                      <a:r>
+                        <a:rPr lang="en-US" dirty="0"/>
+                        <a:t>5.9%</a:t>
+                      </a:r>
+                    </a:p>
+                  </a:txBody>
+                  <a:tcPr/>
+                </a:tc>
+                <a:extLst>
+                  <a:ext uri="{0D108BD9-81ED-4DB2-BD59-A6C34878D82A}">
+                    <a16:rowId xmlns:a16="http://schemas.microsoft.com/office/drawing/2014/main" val="712927708"/>
+                  </a:ext>
+                </a:extLst>
+              </a:tr>
+              <a:tr h="609896">
+                <a:tc>
+                  <a:txBody>
+                    <a:bodyPr/>
+                    <a:lstStyle/>
+                    <a:p>
+                      <a:r>
+                        <a:rPr lang="en-US" dirty="0"/>
+                        <a:t>18-39</a:t>
+                      </a:r>
+                    </a:p>
+                  </a:txBody>
+                  <a:tcPr/>
+                </a:tc>
+                <a:tc>
+                  <a:txBody>
+                    <a:bodyPr/>
+                    <a:lstStyle/>
+                    <a:p>
+                      <a:pPr marL="0" marR="0" lvl="0" indent="0" algn="l" defTabSz="914400" rtl="0" eaLnBrk="1" fontAlgn="auto" latinLnBrk="0" hangingPunct="1">
+                        <a:lnSpc>
+                          <a:spcPct val="100000"/>
+                        </a:lnSpc>
+                        <a:spcBef>
+                          <a:spcPts val="0"/>
+                        </a:spcBef>
+                        <a:spcAft>
+                          <a:spcPts val="0"/>
+                        </a:spcAft>
+                        <a:buClrTx/>
+                        <a:buSzTx/>
+                        <a:buFontTx/>
+                        <a:buNone/>
+                        <a:tabLst/>
+                        <a:defRPr/>
+                      </a:pPr>
+                      <a:r>
+                        <a:rPr lang="en-US" dirty="0"/>
+                        <a:t>52.1%</a:t>
+                      </a:r>
+                    </a:p>
+                  </a:txBody>
+                  <a:tcPr/>
+                </a:tc>
+                <a:tc>
+                  <a:txBody>
+                    <a:bodyPr/>
+                    <a:lstStyle/>
+                    <a:p>
+                      <a:pPr marL="0" marR="0" lvl="0" indent="0" algn="l" defTabSz="914400" rtl="0" eaLnBrk="1" fontAlgn="auto" latinLnBrk="0" hangingPunct="1">
+                        <a:lnSpc>
+                          <a:spcPct val="100000"/>
+                        </a:lnSpc>
+                        <a:spcBef>
+                          <a:spcPts val="0"/>
+                        </a:spcBef>
+                        <a:spcAft>
+                          <a:spcPts val="0"/>
+                        </a:spcAft>
+                        <a:buClrTx/>
+                        <a:buSzTx/>
+                        <a:buFontTx/>
+                        <a:buNone/>
+                        <a:tabLst/>
+                        <a:defRPr/>
+                      </a:pPr>
+                      <a:r>
+                        <a:rPr lang="en-US" dirty="0"/>
+                        <a:t>56.6%</a:t>
+                      </a:r>
+                    </a:p>
+                  </a:txBody>
+                  <a:tcPr/>
+                </a:tc>
+                <a:extLst>
+                  <a:ext uri="{0D108BD9-81ED-4DB2-BD59-A6C34878D82A}">
+                    <a16:rowId xmlns:a16="http://schemas.microsoft.com/office/drawing/2014/main" val="1170582599"/>
+                  </a:ext>
+                </a:extLst>
+              </a:tr>
+              <a:tr h="609896">
+                <a:tc>
+                  <a:txBody>
+                    <a:bodyPr/>
+                    <a:lstStyle/>
+                    <a:p>
+                      <a:r>
+                        <a:rPr lang="en-US" dirty="0"/>
+                        <a:t>40-64</a:t>
+                      </a:r>
+                    </a:p>
+                  </a:txBody>
+                  <a:tcPr/>
+                </a:tc>
+                <a:tc>
+                  <a:txBody>
+                    <a:bodyPr/>
+                    <a:lstStyle/>
+                    <a:p>
+                      <a:pPr marL="0" marR="0" lvl="0" indent="0" algn="l" defTabSz="914400" rtl="0" eaLnBrk="1" fontAlgn="auto" latinLnBrk="0" hangingPunct="1">
+                        <a:lnSpc>
+                          <a:spcPct val="100000"/>
+                        </a:lnSpc>
+                        <a:spcBef>
+                          <a:spcPts val="0"/>
+                        </a:spcBef>
+                        <a:spcAft>
+                          <a:spcPts val="0"/>
+                        </a:spcAft>
+                        <a:buClrTx/>
+                        <a:buSzTx/>
+                        <a:buFontTx/>
+                        <a:buNone/>
+                        <a:tabLst/>
+                        <a:defRPr/>
+                      </a:pPr>
+                      <a:r>
+                        <a:rPr lang="en-US" dirty="0"/>
+                        <a:t>34.5%</a:t>
+                      </a:r>
+                    </a:p>
+                  </a:txBody>
+                  <a:tcPr/>
+                </a:tc>
+                <a:tc>
+                  <a:txBody>
+                    <a:bodyPr/>
+                    <a:lstStyle/>
+                    <a:p>
+                      <a:pPr marL="0" marR="0" lvl="0" indent="0" algn="l" defTabSz="914400" rtl="0" eaLnBrk="1" fontAlgn="auto" latinLnBrk="0" hangingPunct="1">
+                        <a:lnSpc>
+                          <a:spcPct val="100000"/>
+                        </a:lnSpc>
+                        <a:spcBef>
+                          <a:spcPts val="0"/>
+                        </a:spcBef>
+                        <a:spcAft>
+                          <a:spcPts val="0"/>
+                        </a:spcAft>
+                        <a:buClrTx/>
+                        <a:buSzTx/>
+                        <a:buFontTx/>
+                        <a:buNone/>
+                        <a:tabLst/>
+                        <a:defRPr/>
+                      </a:pPr>
+                      <a:r>
+                        <a:rPr lang="en-US" dirty="0"/>
+                        <a:t>26.5%</a:t>
+                      </a:r>
+                    </a:p>
+                  </a:txBody>
+                  <a:tcPr/>
+                </a:tc>
+                <a:extLst>
+                  <a:ext uri="{0D108BD9-81ED-4DB2-BD59-A6C34878D82A}">
+                    <a16:rowId xmlns:a16="http://schemas.microsoft.com/office/drawing/2014/main" val="280346926"/>
+                  </a:ext>
+                </a:extLst>
+              </a:tr>
+              <a:tr h="609896">
+                <a:tc>
+                  <a:txBody>
+                    <a:bodyPr/>
+                    <a:lstStyle/>
+                    <a:p>
+                      <a:r>
+                        <a:rPr lang="en-US" dirty="0"/>
+                        <a:t>Over 65</a:t>
+                      </a:r>
+                    </a:p>
+                  </a:txBody>
+                  <a:tcPr/>
+                </a:tc>
+                <a:tc>
+                  <a:txBody>
+                    <a:bodyPr/>
+                    <a:lstStyle/>
+                    <a:p>
+                      <a:pPr marL="0" marR="0" lvl="0" indent="0" algn="l" defTabSz="914400" rtl="0" eaLnBrk="1" fontAlgn="auto" latinLnBrk="0" hangingPunct="1">
+                        <a:lnSpc>
+                          <a:spcPct val="100000"/>
+                        </a:lnSpc>
+                        <a:spcBef>
+                          <a:spcPts val="0"/>
+                        </a:spcBef>
+                        <a:spcAft>
+                          <a:spcPts val="0"/>
+                        </a:spcAft>
+                        <a:buClrTx/>
+                        <a:buSzTx/>
+                        <a:buFontTx/>
+                        <a:buNone/>
+                        <a:tabLst/>
+                        <a:defRPr/>
+                      </a:pPr>
+                      <a:r>
+                        <a:rPr lang="en-US" dirty="0"/>
+                        <a:t>9.4%</a:t>
+                      </a:r>
+                    </a:p>
+                  </a:txBody>
+                  <a:tcPr/>
+                </a:tc>
+                <a:tc>
+                  <a:txBody>
+                    <a:bodyPr/>
+                    <a:lstStyle/>
+                    <a:p>
+                      <a:pPr marL="0" marR="0" lvl="0" indent="0" algn="l" defTabSz="914400" rtl="0" eaLnBrk="1" fontAlgn="auto" latinLnBrk="0" hangingPunct="1">
+                        <a:lnSpc>
+                          <a:spcPct val="100000"/>
+                        </a:lnSpc>
+                        <a:spcBef>
+                          <a:spcPts val="0"/>
+                        </a:spcBef>
+                        <a:spcAft>
+                          <a:spcPts val="0"/>
+                        </a:spcAft>
+                        <a:buClrTx/>
+                        <a:buSzTx/>
+                        <a:buFontTx/>
+                        <a:buNone/>
+                        <a:tabLst/>
+                        <a:defRPr/>
+                      </a:pPr>
+                      <a:r>
+                        <a:rPr lang="en-US" dirty="0"/>
+                        <a:t>11.0%</a:t>
+                      </a:r>
+                    </a:p>
+                  </a:txBody>
+                  <a:tcPr/>
+                </a:tc>
+                <a:extLst>
+                  <a:ext uri="{0D108BD9-81ED-4DB2-BD59-A6C34878D82A}">
+                    <a16:rowId xmlns:a16="http://schemas.microsoft.com/office/drawing/2014/main" val="3878602103"/>
+                  </a:ext>
+                </a:extLst>
+              </a:tr>
+            </a:tbl>
+          </a:graphicData>
+        </a:graphic>
+      </p:graphicFrame>
+      <p:sp>
+        <p:nvSpPr>
+          <p:cNvPr id="7" name="TextBox 6">
             <a:extLst>
               <a:ext uri="{FF2B5EF4-FFF2-40B4-BE49-F238E27FC236}">
-                <a16:creationId xmlns:a16="http://schemas.microsoft.com/office/drawing/2014/main" id="{BBA8F2CC-5CD6-D746-AF22-81A4A0EE15FE}"/>
+                <a16:creationId xmlns:a16="http://schemas.microsoft.com/office/drawing/2014/main" id="{EE528600-B418-A442-8E27-B68B4F10FB7E}"/>
               </a:ext>
             </a:extLst>
           </p:cNvPr>
-          <p:cNvPicPr>
-            <a:picLocks noChangeAspect="1"/>
-          </p:cNvPicPr>
+          <p:cNvSpPr txBox="1"/>
           <p:nvPr/>
-        </p:nvPicPr>
-        <p:blipFill>
-          <a:blip r:embed="rId2"/>
-          <a:stretch>
-            <a:fillRect/>
-          </a:stretch>
-        </p:blipFill>
-        <p:spPr>
-          <a:xfrm>
-            <a:off x="5902036" y="1491996"/>
-            <a:ext cx="5916358" cy="5000879"/>
+        </p:nvSpPr>
+        <p:spPr>
+          <a:xfrm>
+            <a:off x="8072967" y="2065150"/>
+            <a:ext cx="2943578" cy="523220"/>
           </a:xfrm>
           <a:prstGeom prst="rect">
             <a:avLst/>
           </a:prstGeom>
-        </p:spPr>
-      </p:pic>
+          <a:noFill/>
+          <a:ln>
+            <a:noFill/>
+          </a:ln>
+        </p:spPr>
+        <p:txBody>
+          <a:bodyPr wrap="square" rtlCol="0">
+            <a:spAutoFit/>
+          </a:bodyPr>
+          <a:lstStyle/>
+          <a:p>
+            <a:r>
+              <a:rPr lang="en-US" sz="2800" b="1" dirty="0"/>
+              <a:t>Central Library</a:t>
+            </a:r>
+          </a:p>
+        </p:txBody>
+      </p:sp>
     </p:spTree>
     <p:extLst>
       <p:ext uri="{BB962C8B-B14F-4D97-AF65-F5344CB8AC3E}">
-        <p14:creationId xmlns:p14="http://schemas.microsoft.com/office/powerpoint/2010/main" val="3690678085"/>
+        <p14:creationId xmlns:p14="http://schemas.microsoft.com/office/powerpoint/2010/main" val="4174003368"/>
       </p:ext>
     </p:extLst>
   </p:cSld>
@@ -3690,7 +4760,7 @@
           <p:cNvPr id="2" name="Title 1">
             <a:extLst>
               <a:ext uri="{FF2B5EF4-FFF2-40B4-BE49-F238E27FC236}">
-                <a16:creationId xmlns:a16="http://schemas.microsoft.com/office/drawing/2014/main" id="{0571D3BF-1F64-4246-AD6C-934DC0177950}"/>
+                <a16:creationId xmlns:a16="http://schemas.microsoft.com/office/drawing/2014/main" id="{18F42809-53F1-1543-8994-8E18DCBCA549}"/>
               </a:ext>
             </a:extLst>
           </p:cNvPr>
@@ -3701,14 +4771,19 @@
             <p:ph type="title"/>
           </p:nvPr>
         </p:nvSpPr>
-        <p:spPr/>
+        <p:spPr>
+          <a:xfrm>
+            <a:off x="2231136" y="523613"/>
+            <a:ext cx="7729728" cy="1188720"/>
+          </a:xfrm>
+        </p:spPr>
         <p:txBody>
           <a:bodyPr/>
           <a:lstStyle/>
           <a:p>
             <a:r>
-              <a:rPr lang="en-US" dirty="0"/>
-              <a:t>Internal Datasets</a:t>
+              <a:rPr lang="en-US"/>
+              <a:t>Final Results</a:t>
             </a:r>
           </a:p>
         </p:txBody>
@@ -3718,7 +4793,7 @@
           <p:cNvPr id="3" name="Content Placeholder 2">
             <a:extLst>
               <a:ext uri="{FF2B5EF4-FFF2-40B4-BE49-F238E27FC236}">
-                <a16:creationId xmlns:a16="http://schemas.microsoft.com/office/drawing/2014/main" id="{EDC4BBB0-5F6F-A54F-ACD3-33BC9424386D}"/>
+                <a16:creationId xmlns:a16="http://schemas.microsoft.com/office/drawing/2014/main" id="{2A1AF4F7-A188-354D-BB96-E96D6684CCB2}"/>
               </a:ext>
             </a:extLst>
           </p:cNvPr>
@@ -3729,92 +4804,89 @@
             <p:ph idx="1"/>
           </p:nvPr>
         </p:nvSpPr>
-        <p:spPr/>
-        <p:txBody>
-          <a:bodyPr/>
-          <a:lstStyle/>
-          <a:p>
-            <a:r>
-              <a:rPr lang="en-US" dirty="0"/>
-              <a:t>SPL Borrower Data</a:t>
+        <p:spPr>
+          <a:xfrm>
+            <a:off x="2231136" y="1983783"/>
+            <a:ext cx="7729728" cy="4494509"/>
+          </a:xfrm>
+        </p:spPr>
+        <p:txBody>
+          <a:bodyPr>
+            <a:normAutofit lnSpcReduction="10000"/>
+          </a:bodyPr>
+          <a:lstStyle/>
+          <a:p>
+            <a:r>
+              <a:rPr lang="en-US" sz="2400" dirty="0"/>
+              <a:t>Dashboard with data about the community</a:t>
             </a:r>
           </a:p>
           <a:p>
             <a:pPr lvl="1"/>
             <a:r>
-              <a:rPr lang="en-US" dirty="0"/>
-              <a:t>Age of Borrower</a:t>
-            </a:r>
+              <a:rPr lang="en-US" sz="2000" dirty="0"/>
+              <a:t>Available publicly via </a:t>
+            </a:r>
+            <a:r>
+              <a:rPr lang="en-US" sz="2000" dirty="0">
+                <a:hlinkClick r:id="rId3"/>
+              </a:rPr>
+              <a:t>https://kostler.shinyapps.io/SPL-Seattle-Census-Data/</a:t>
+            </a:r>
+            <a:endParaRPr lang="en-US" sz="2400" dirty="0"/>
           </a:p>
           <a:p>
             <a:pPr lvl="1"/>
             <a:r>
-              <a:rPr lang="en-US" dirty="0"/>
-              <a:t># of active uses of card</a:t>
+              <a:rPr lang="en-US" sz="2000" dirty="0"/>
+              <a:t>Four interactive maps of census data and SPL branches</a:t>
+            </a:r>
+          </a:p>
+          <a:p>
+            <a:r>
+              <a:rPr lang="en-US" sz="2400" dirty="0"/>
+              <a:t>Short report for each region</a:t>
             </a:r>
           </a:p>
           <a:p>
             <a:pPr lvl="1"/>
             <a:r>
-              <a:rPr lang="en-US" dirty="0"/>
-              <a:t>Divided by branches</a:t>
-            </a:r>
-          </a:p>
-          <a:p>
-            <a:endParaRPr lang="en-US" dirty="0"/>
-          </a:p>
-          <a:p>
-            <a:r>
-              <a:rPr lang="en-US" dirty="0"/>
-              <a:t>Goal: Compare internal data with findings from external open data</a:t>
-            </a:r>
-          </a:p>
-        </p:txBody>
-      </p:sp>
-      <p:sp>
-        <p:nvSpPr>
-          <p:cNvPr id="4" name="TextBox 3">
-            <a:extLst>
-              <a:ext uri="{FF2B5EF4-FFF2-40B4-BE49-F238E27FC236}">
-                <a16:creationId xmlns:a16="http://schemas.microsoft.com/office/drawing/2014/main" id="{E4295D46-9212-AF4A-AB8C-7AEC121676C4}"/>
-              </a:ext>
-            </a:extLst>
-          </p:cNvPr>
-          <p:cNvSpPr txBox="1"/>
-          <p:nvPr/>
-        </p:nvSpPr>
-        <p:spPr>
-          <a:xfrm>
-            <a:off x="8772939" y="1239768"/>
-            <a:ext cx="1736034" cy="1569660"/>
-          </a:xfrm>
-          <a:prstGeom prst="rect">
-            <a:avLst/>
-          </a:prstGeom>
-          <a:noFill/>
-          <a:ln>
-            <a:solidFill>
-              <a:schemeClr val="accent1"/>
-            </a:solidFill>
-          </a:ln>
-        </p:spPr>
-        <p:txBody>
-          <a:bodyPr wrap="square" rtlCol="0">
-            <a:spAutoFit/>
-          </a:bodyPr>
-          <a:lstStyle/>
-          <a:p>
-            <a:pPr algn="ctr"/>
-            <a:r>
-              <a:rPr lang="en-US" sz="3200" dirty="0"/>
-              <a:t>Insert </a:t>
-            </a:r>
-          </a:p>
-          <a:p>
-            <a:pPr algn="ctr"/>
-            <a:r>
-              <a:rPr lang="en-US" sz="3200" dirty="0"/>
-              <a:t>Picture/Graph</a:t>
+              <a:rPr lang="en-US" sz="2000" dirty="0"/>
+              <a:t>Available datasets found</a:t>
+            </a:r>
+          </a:p>
+          <a:p>
+            <a:pPr lvl="1"/>
+            <a:r>
+              <a:rPr lang="en-US" sz="2000" dirty="0"/>
+              <a:t>Stats for each branch on topics</a:t>
+            </a:r>
+          </a:p>
+          <a:p>
+            <a:r>
+              <a:rPr lang="en-US" sz="2400" dirty="0"/>
+              <a:t>Documented code</a:t>
+            </a:r>
+          </a:p>
+          <a:p>
+            <a:pPr lvl="1"/>
+            <a:r>
+              <a:rPr lang="en-US" sz="2000" dirty="0"/>
+              <a:t>Available via GitHub repository: </a:t>
+            </a:r>
+            <a:r>
+              <a:rPr lang="en-US" sz="2000" dirty="0">
+                <a:hlinkClick r:id="rId4"/>
+              </a:rPr>
+              <a:t>https://github.com/OpenDataLiteracy/SPL-KO</a:t>
+            </a:r>
+            <a:endParaRPr lang="en-US" sz="2000" dirty="0"/>
+          </a:p>
+          <a:p>
+            <a:pPr lvl="1"/>
+            <a:r>
+              <a:rPr lang="en-US" sz="2000" dirty="0"/>
+              <a:t>Easily adapted by other library systems</a:t>
             </a:r>
           </a:p>
         </p:txBody>
@@ -3822,7 +4894,7 @@
     </p:spTree>
     <p:extLst>
       <p:ext uri="{BB962C8B-B14F-4D97-AF65-F5344CB8AC3E}">
-        <p14:creationId xmlns:p14="http://schemas.microsoft.com/office/powerpoint/2010/main" val="4174003368"/>
+        <p14:creationId xmlns:p14="http://schemas.microsoft.com/office/powerpoint/2010/main" val="3348039089"/>
       </p:ext>
     </p:extLst>
   </p:cSld>
@@ -3854,7 +4926,7 @@
           <p:cNvPr id="2" name="Title 1">
             <a:extLst>
               <a:ext uri="{FF2B5EF4-FFF2-40B4-BE49-F238E27FC236}">
-                <a16:creationId xmlns:a16="http://schemas.microsoft.com/office/drawing/2014/main" id="{3E1E971F-622F-5C42-9B1C-C6E168A89FF1}"/>
+                <a16:creationId xmlns:a16="http://schemas.microsoft.com/office/drawing/2014/main" id="{276ABC36-C339-464F-8FF2-4206D631B047}"/>
               </a:ext>
             </a:extLst>
           </p:cNvPr>
@@ -3872,7 +4944,7 @@
           <a:p>
             <a:r>
               <a:rPr lang="en-US" dirty="0"/>
-              <a:t>Short Reports</a:t>
+              <a:t>Sustainability</a:t>
             </a:r>
           </a:p>
         </p:txBody>
@@ -3882,7 +4954,7 @@
           <p:cNvPr id="3" name="Content Placeholder 2">
             <a:extLst>
               <a:ext uri="{FF2B5EF4-FFF2-40B4-BE49-F238E27FC236}">
-                <a16:creationId xmlns:a16="http://schemas.microsoft.com/office/drawing/2014/main" id="{E7090920-0638-BC4E-B15F-47E704EFE123}"/>
+                <a16:creationId xmlns:a16="http://schemas.microsoft.com/office/drawing/2014/main" id="{D1879954-3045-544C-B8F4-0A002374E41C}"/>
               </a:ext>
             </a:extLst>
           </p:cNvPr>
@@ -3890,40 +4962,283 @@
             <a:spLocks noGrp="1"/>
           </p:cNvSpPr>
           <p:nvPr>
-            <p:ph idx="1"/>
-          </p:nvPr>
-        </p:nvSpPr>
-        <p:spPr/>
-        <p:txBody>
-          <a:bodyPr/>
-          <a:lstStyle/>
-          <a:p>
-            <a:r>
-              <a:rPr lang="en-US" dirty="0"/>
-              <a:t>Information about what datasets were found and were not found</a:t>
-            </a:r>
-          </a:p>
-          <a:p>
-            <a:r>
-              <a:rPr lang="en-US" dirty="0"/>
-              <a:t>Quick stats for each branch in selected regions about topics covered</a:t>
-            </a:r>
-          </a:p>
-          <a:p>
-            <a:r>
-              <a:rPr lang="en-US" dirty="0"/>
-              <a:t>Maybe an example of the stats?</a:t>
-            </a:r>
-          </a:p>
-          <a:p>
-            <a:endParaRPr lang="en-US" dirty="0"/>
-          </a:p>
-        </p:txBody>
-      </p:sp>
+            <p:ph sz="half" idx="1"/>
+          </p:nvPr>
+        </p:nvSpPr>
+        <p:spPr>
+          <a:xfrm>
+            <a:off x="1782305" y="2638044"/>
+            <a:ext cx="4071378" cy="3685264"/>
+          </a:xfrm>
+        </p:spPr>
+        <p:txBody>
+          <a:bodyPr>
+            <a:normAutofit fontScale="92500" lnSpcReduction="20000"/>
+          </a:bodyPr>
+          <a:lstStyle/>
+          <a:p>
+            <a:r>
+              <a:rPr lang="en-US" sz="2800" dirty="0"/>
+              <a:t>Open file types and </a:t>
+            </a:r>
+            <a:r>
+              <a:rPr lang="en-US" sz="2800" dirty="0" err="1"/>
+              <a:t>softwares</a:t>
+            </a:r>
+            <a:endParaRPr lang="en-US" sz="2800" dirty="0"/>
+          </a:p>
+          <a:p>
+            <a:pPr lvl="1"/>
+            <a:r>
+              <a:rPr lang="en-US" sz="2400" dirty="0"/>
+              <a:t>R and </a:t>
+            </a:r>
+            <a:r>
+              <a:rPr lang="en-US" sz="2400" dirty="0" err="1"/>
+              <a:t>Rstudio</a:t>
+            </a:r>
+            <a:endParaRPr lang="en-US" sz="2400" dirty="0"/>
+          </a:p>
+          <a:p>
+            <a:pPr lvl="2"/>
+            <a:r>
+              <a:rPr lang="en-US" sz="2400" dirty="0"/>
+              <a:t>Preferred programming language for sponsor</a:t>
+            </a:r>
+          </a:p>
+          <a:p>
+            <a:pPr lvl="2"/>
+            <a:r>
+              <a:rPr lang="en-US" sz="2400" dirty="0"/>
+              <a:t>Good visualization packages</a:t>
+            </a:r>
+          </a:p>
+          <a:p>
+            <a:r>
+              <a:rPr lang="en-US" sz="2800" dirty="0"/>
+              <a:t>GitHub Repository</a:t>
+            </a:r>
+          </a:p>
+          <a:p>
+            <a:pPr lvl="1"/>
+            <a:r>
+              <a:rPr lang="en-US" sz="2400" dirty="0"/>
+              <a:t>All Code </a:t>
+            </a:r>
+          </a:p>
+          <a:p>
+            <a:pPr lvl="1"/>
+            <a:r>
+              <a:rPr lang="en-US" sz="2400" dirty="0"/>
+              <a:t>Publicly available</a:t>
+            </a:r>
+          </a:p>
+        </p:txBody>
+      </p:sp>
+      <p:sp>
+        <p:nvSpPr>
+          <p:cNvPr id="4" name="Content Placeholder 3">
+            <a:extLst>
+              <a:ext uri="{FF2B5EF4-FFF2-40B4-BE49-F238E27FC236}">
+                <a16:creationId xmlns:a16="http://schemas.microsoft.com/office/drawing/2014/main" id="{4EAB61D7-FCD9-6C47-B875-C8658CE2658D}"/>
+              </a:ext>
+            </a:extLst>
+          </p:cNvPr>
+          <p:cNvSpPr>
+            <a:spLocks noGrp="1"/>
+          </p:cNvSpPr>
+          <p:nvPr>
+            <p:ph sz="half" idx="2"/>
+          </p:nvPr>
+        </p:nvSpPr>
+        <p:spPr>
+          <a:xfrm>
+            <a:off x="6338315" y="2638044"/>
+            <a:ext cx="4270247" cy="3685264"/>
+          </a:xfrm>
+        </p:spPr>
+        <p:txBody>
+          <a:bodyPr>
+            <a:noAutofit/>
+          </a:bodyPr>
+          <a:lstStyle/>
+          <a:p>
+            <a:r>
+              <a:rPr lang="en-US" sz="2600" dirty="0"/>
+              <a:t>U.S. Census Bureau Data</a:t>
+            </a:r>
+          </a:p>
+          <a:p>
+            <a:pPr lvl="1"/>
+            <a:r>
+              <a:rPr lang="en-US" sz="2200" dirty="0"/>
+              <a:t>Federally maintained</a:t>
+            </a:r>
+          </a:p>
+          <a:p>
+            <a:pPr lvl="1"/>
+            <a:r>
+              <a:rPr lang="en-US" sz="2200" dirty="0"/>
+              <a:t>Consistent formatting and data releases</a:t>
+            </a:r>
+          </a:p>
+          <a:p>
+            <a:r>
+              <a:rPr lang="en-US" sz="2600" dirty="0"/>
+              <a:t>Dashboard on </a:t>
+            </a:r>
+            <a:r>
+              <a:rPr lang="en-US" sz="2600" dirty="0" err="1"/>
+              <a:t>shinyapps.io</a:t>
+            </a:r>
+            <a:endParaRPr lang="en-US" sz="2600" dirty="0"/>
+          </a:p>
+          <a:p>
+            <a:pPr lvl="1"/>
+            <a:r>
+              <a:rPr lang="en-US" sz="2200" dirty="0"/>
+              <a:t>Can easily be modified for future years’ data</a:t>
+            </a:r>
+          </a:p>
+          <a:p>
+            <a:pPr lvl="1"/>
+            <a:r>
+              <a:rPr lang="en-US" sz="2200" dirty="0"/>
+              <a:t>Hosted by RStudio</a:t>
+            </a:r>
+          </a:p>
+        </p:txBody>
+      </p:sp>
+      <p:pic>
+        <p:nvPicPr>
+          <p:cNvPr id="8" name="Picture 7">
+            <a:extLst>
+              <a:ext uri="{FF2B5EF4-FFF2-40B4-BE49-F238E27FC236}">
+                <a16:creationId xmlns:a16="http://schemas.microsoft.com/office/drawing/2014/main" id="{7C52E4A1-9B79-5D4A-8508-CC509F511F1C}"/>
+              </a:ext>
+            </a:extLst>
+          </p:cNvPr>
+          <p:cNvPicPr>
+            <a:picLocks noChangeAspect="1"/>
+          </p:cNvPicPr>
+          <p:nvPr/>
+        </p:nvPicPr>
+        <p:blipFill>
+          <a:blip r:embed="rId2"/>
+          <a:stretch>
+            <a:fillRect/>
+          </a:stretch>
+        </p:blipFill>
+        <p:spPr>
+          <a:xfrm>
+            <a:off x="10558476" y="2877216"/>
+            <a:ext cx="1373429" cy="648726"/>
+          </a:xfrm>
+          <a:prstGeom prst="rect">
+            <a:avLst/>
+          </a:prstGeom>
+        </p:spPr>
+      </p:pic>
+      <p:pic>
+        <p:nvPicPr>
+          <p:cNvPr id="10" name="Graphic 9">
+            <a:extLst>
+              <a:ext uri="{FF2B5EF4-FFF2-40B4-BE49-F238E27FC236}">
+                <a16:creationId xmlns:a16="http://schemas.microsoft.com/office/drawing/2014/main" id="{3A4D6072-1EE3-9647-A981-C941CF1FEA20}"/>
+              </a:ext>
+            </a:extLst>
+          </p:cNvPr>
+          <p:cNvPicPr>
+            <a:picLocks noChangeAspect="1"/>
+          </p:cNvPicPr>
+          <p:nvPr/>
+        </p:nvPicPr>
+        <p:blipFill>
+          <a:blip r:embed="rId3">
+            <a:extLst>
+              <a:ext uri="{96DAC541-7B7A-43D3-8B79-37D633B846F1}">
+                <asvg:svgBlip xmlns:asvg="http://schemas.microsoft.com/office/drawing/2016/SVG/main" r:embed="rId4"/>
+              </a:ext>
+            </a:extLst>
+          </a:blip>
+          <a:stretch>
+            <a:fillRect/>
+          </a:stretch>
+        </p:blipFill>
+        <p:spPr>
+          <a:xfrm>
+            <a:off x="489088" y="5192434"/>
+            <a:ext cx="899987" cy="899987"/>
+          </a:xfrm>
+          <a:prstGeom prst="rect">
+            <a:avLst/>
+          </a:prstGeom>
+        </p:spPr>
+      </p:pic>
+      <p:pic>
+        <p:nvPicPr>
+          <p:cNvPr id="12" name="Picture 11">
+            <a:extLst>
+              <a:ext uri="{FF2B5EF4-FFF2-40B4-BE49-F238E27FC236}">
+                <a16:creationId xmlns:a16="http://schemas.microsoft.com/office/drawing/2014/main" id="{14E96FF1-FF9C-184B-9AB1-15A1DA6CBA1A}"/>
+              </a:ext>
+            </a:extLst>
+          </p:cNvPr>
+          <p:cNvPicPr>
+            <a:picLocks noChangeAspect="1"/>
+          </p:cNvPicPr>
+          <p:nvPr/>
+        </p:nvPicPr>
+        <p:blipFill>
+          <a:blip r:embed="rId5"/>
+          <a:stretch>
+            <a:fillRect/>
+          </a:stretch>
+        </p:blipFill>
+        <p:spPr>
+          <a:xfrm>
+            <a:off x="10812511" y="4466903"/>
+            <a:ext cx="915444" cy="915444"/>
+          </a:xfrm>
+          <a:prstGeom prst="rect">
+            <a:avLst/>
+          </a:prstGeom>
+        </p:spPr>
+      </p:pic>
+      <p:pic>
+        <p:nvPicPr>
+          <p:cNvPr id="16" name="Picture 15">
+            <a:extLst>
+              <a:ext uri="{FF2B5EF4-FFF2-40B4-BE49-F238E27FC236}">
+                <a16:creationId xmlns:a16="http://schemas.microsoft.com/office/drawing/2014/main" id="{81D4FB13-4D55-F544-83DB-3C873C640562}"/>
+              </a:ext>
+            </a:extLst>
+          </p:cNvPr>
+          <p:cNvPicPr>
+            <a:picLocks noChangeAspect="1"/>
+          </p:cNvPicPr>
+          <p:nvPr/>
+        </p:nvPicPr>
+        <p:blipFill>
+          <a:blip r:embed="rId6"/>
+          <a:stretch>
+            <a:fillRect/>
+          </a:stretch>
+        </p:blipFill>
+        <p:spPr>
+          <a:xfrm>
+            <a:off x="565082" y="2870646"/>
+            <a:ext cx="747998" cy="1168746"/>
+          </a:xfrm>
+          <a:prstGeom prst="rect">
+            <a:avLst/>
+          </a:prstGeom>
+        </p:spPr>
+      </p:pic>
     </p:spTree>
     <p:extLst>
       <p:ext uri="{BB962C8B-B14F-4D97-AF65-F5344CB8AC3E}">
-        <p14:creationId xmlns:p14="http://schemas.microsoft.com/office/powerpoint/2010/main" val="167292216"/>
+        <p14:creationId xmlns:p14="http://schemas.microsoft.com/office/powerpoint/2010/main" val="3533125010"/>
       </p:ext>
     </p:extLst>
   </p:cSld>
@@ -3955,7 +5270,7 @@
           <p:cNvPr id="2" name="Title 1">
             <a:extLst>
               <a:ext uri="{FF2B5EF4-FFF2-40B4-BE49-F238E27FC236}">
-                <a16:creationId xmlns:a16="http://schemas.microsoft.com/office/drawing/2014/main" id="{18F42809-53F1-1543-8994-8E18DCBCA549}"/>
+                <a16:creationId xmlns:a16="http://schemas.microsoft.com/office/drawing/2014/main" id="{AC811A5D-B65F-8949-9F95-DD8D88DCC195}"/>
               </a:ext>
             </a:extLst>
           </p:cNvPr>
@@ -3972,8 +5287,8 @@
           <a:lstStyle/>
           <a:p>
             <a:r>
-              <a:rPr lang="en-US"/>
-              <a:t>Final Results</a:t>
+              <a:rPr lang="en-US" dirty="0"/>
+              <a:t>Challenges</a:t>
             </a:r>
           </a:p>
         </p:txBody>
@@ -3983,7 +5298,7 @@
           <p:cNvPr id="3" name="Content Placeholder 2">
             <a:extLst>
               <a:ext uri="{FF2B5EF4-FFF2-40B4-BE49-F238E27FC236}">
-                <a16:creationId xmlns:a16="http://schemas.microsoft.com/office/drawing/2014/main" id="{2A1AF4F7-A188-354D-BB96-E96D6684CCB2}"/>
+                <a16:creationId xmlns:a16="http://schemas.microsoft.com/office/drawing/2014/main" id="{9F193B0A-9C44-A244-A2FE-BE02918B6A5B}"/>
               </a:ext>
             </a:extLst>
           </p:cNvPr>
@@ -3996,45 +5311,26 @@
         </p:nvSpPr>
         <p:spPr/>
         <p:txBody>
-          <a:bodyPr/>
-          <a:lstStyle/>
-          <a:p>
-            <a:r>
-              <a:rPr lang="en-US" dirty="0"/>
-              <a:t>App with data about the community</a:t>
-            </a:r>
-          </a:p>
-          <a:p>
-            <a:r>
-              <a:rPr lang="en-US" dirty="0"/>
-              <a:t>Short report for each region</a:t>
-            </a:r>
-          </a:p>
-          <a:p>
-            <a:pPr lvl="1"/>
-            <a:r>
-              <a:rPr lang="en-US" dirty="0"/>
-              <a:t>Available datasets found</a:t>
-            </a:r>
-          </a:p>
-          <a:p>
-            <a:pPr lvl="1"/>
-            <a:r>
-              <a:rPr lang="en-US" dirty="0"/>
-              <a:t>Stats for each branch on topics</a:t>
-            </a:r>
-          </a:p>
-          <a:p>
-            <a:r>
-              <a:rPr lang="en-US" dirty="0"/>
-              <a:t>Documented code</a:t>
-            </a:r>
-          </a:p>
-          <a:p>
-            <a:pPr lvl="1"/>
-            <a:r>
-              <a:rPr lang="en-US" dirty="0"/>
-              <a:t>Available via GitHub repo</a:t>
+          <a:bodyPr>
+            <a:normAutofit/>
+          </a:bodyPr>
+          <a:lstStyle/>
+          <a:p>
+            <a:r>
+              <a:rPr lang="en-US" sz="2800" dirty="0"/>
+              <a:t>Keeping the project scale manageable, very easy to try and do too much</a:t>
+            </a:r>
+          </a:p>
+          <a:p>
+            <a:r>
+              <a:rPr lang="en-US" sz="2800" dirty="0"/>
+              <a:t>First time creating maps, especially interactive maps</a:t>
+            </a:r>
+          </a:p>
+          <a:p>
+            <a:r>
+              <a:rPr lang="en-US" sz="2800" dirty="0"/>
+              <a:t>Keeping things simple with visualizations, not overwhelming users</a:t>
             </a:r>
           </a:p>
         </p:txBody>
@@ -4042,7 +5338,7 @@
     </p:spTree>
     <p:extLst>
       <p:ext uri="{BB962C8B-B14F-4D97-AF65-F5344CB8AC3E}">
-        <p14:creationId xmlns:p14="http://schemas.microsoft.com/office/powerpoint/2010/main" val="3348039089"/>
+        <p14:creationId xmlns:p14="http://schemas.microsoft.com/office/powerpoint/2010/main" val="2709086757"/>
       </p:ext>
     </p:extLst>
   </p:cSld>
@@ -4074,7 +5370,7 @@
           <p:cNvPr id="2" name="Title 1">
             <a:extLst>
               <a:ext uri="{FF2B5EF4-FFF2-40B4-BE49-F238E27FC236}">
-                <a16:creationId xmlns:a16="http://schemas.microsoft.com/office/drawing/2014/main" id="{AC811A5D-B65F-8949-9F95-DD8D88DCC195}"/>
+                <a16:creationId xmlns:a16="http://schemas.microsoft.com/office/drawing/2014/main" id="{350E3A4C-0F03-724C-A1D4-17E1BF5035C5}"/>
               </a:ext>
             </a:extLst>
           </p:cNvPr>
@@ -4085,14 +5381,19 @@
             <p:ph type="title"/>
           </p:nvPr>
         </p:nvSpPr>
-        <p:spPr/>
+        <p:spPr>
+          <a:xfrm>
+            <a:off x="2231136" y="530739"/>
+            <a:ext cx="7729728" cy="1188720"/>
+          </a:xfrm>
+        </p:spPr>
         <p:txBody>
           <a:bodyPr/>
           <a:lstStyle/>
           <a:p>
             <a:r>
               <a:rPr lang="en-US" dirty="0"/>
-              <a:t>Challenges</a:t>
+              <a:t>Next steps for SPL</a:t>
             </a:r>
           </a:p>
         </p:txBody>
@@ -4102,7 +5403,7 @@
           <p:cNvPr id="3" name="Content Placeholder 2">
             <a:extLst>
               <a:ext uri="{FF2B5EF4-FFF2-40B4-BE49-F238E27FC236}">
-                <a16:creationId xmlns:a16="http://schemas.microsoft.com/office/drawing/2014/main" id="{9F193B0A-9C44-A244-A2FE-BE02918B6A5B}"/>
+                <a16:creationId xmlns:a16="http://schemas.microsoft.com/office/drawing/2014/main" id="{F65DD7D6-E815-7F48-A7F4-D71ACF5CA9BA}"/>
               </a:ext>
             </a:extLst>
           </p:cNvPr>
@@ -4113,26 +5414,59 @@
             <p:ph idx="1"/>
           </p:nvPr>
         </p:nvSpPr>
-        <p:spPr/>
-        <p:txBody>
-          <a:bodyPr/>
-          <a:lstStyle/>
-          <a:p>
-            <a:r>
-              <a:rPr lang="en-US" dirty="0"/>
-              <a:t>Keeping the project scale manageable, very easy to try and do too much</a:t>
-            </a:r>
-          </a:p>
-          <a:p>
-            <a:r>
-              <a:rPr lang="en-US" dirty="0"/>
-              <a:t>First time creating maps, especially interactive maps</a:t>
-            </a:r>
-          </a:p>
-          <a:p>
-            <a:r>
-              <a:rPr lang="en-US" dirty="0"/>
-              <a:t>Keeping things simple with visualizations, not overwhelming users</a:t>
+        <p:spPr>
+          <a:xfrm>
+            <a:off x="2231136" y="2030278"/>
+            <a:ext cx="7729728" cy="4448014"/>
+          </a:xfrm>
+        </p:spPr>
+        <p:txBody>
+          <a:bodyPr>
+            <a:normAutofit/>
+          </a:bodyPr>
+          <a:lstStyle/>
+          <a:p>
+            <a:r>
+              <a:rPr lang="en-US" sz="2400" dirty="0"/>
+              <a:t>Distribute the maps and reports for use by staff</a:t>
+            </a:r>
+          </a:p>
+          <a:p>
+            <a:r>
+              <a:rPr lang="en-US" sz="2400" dirty="0"/>
+              <a:t>Share maps with SPL Foundation, in annual reports about demographics served by SPL, or even in policy advocacy (e.g. Library Levee that just passed)</a:t>
+            </a:r>
+          </a:p>
+          <a:p>
+            <a:r>
+              <a:rPr lang="en-US" sz="2400" dirty="0"/>
+              <a:t>Add other datasets to maps</a:t>
+            </a:r>
+          </a:p>
+          <a:p>
+            <a:pPr lvl="1"/>
+            <a:r>
+              <a:rPr lang="en-US" sz="2100" dirty="0"/>
+              <a:t>School district data, low-income housing</a:t>
+            </a:r>
+          </a:p>
+          <a:p>
+            <a:r>
+              <a:rPr lang="en-US" sz="2400" dirty="0"/>
+              <a:t>Update when 2018 ACS data or 2020 Census data available</a:t>
+            </a:r>
+          </a:p>
+          <a:p>
+            <a:r>
+              <a:rPr lang="en-US" sz="2400" dirty="0"/>
+              <a:t>Collect feedback from frontline staff about maps and reports </a:t>
+            </a:r>
+          </a:p>
+          <a:p>
+            <a:pPr lvl="1"/>
+            <a:r>
+              <a:rPr lang="en-US" sz="2100" dirty="0"/>
+              <a:t>Are they helpful? How could they be improved?</a:t>
             </a:r>
           </a:p>
         </p:txBody>
@@ -4140,7 +5474,7 @@
     </p:spTree>
     <p:extLst>
       <p:ext uri="{BB962C8B-B14F-4D97-AF65-F5344CB8AC3E}">
-        <p14:creationId xmlns:p14="http://schemas.microsoft.com/office/powerpoint/2010/main" val="2709086757"/>
+        <p14:creationId xmlns:p14="http://schemas.microsoft.com/office/powerpoint/2010/main" val="1546976841"/>
       </p:ext>
     </p:extLst>
   </p:cSld>
@@ -4172,7 +5506,7 @@
           <p:cNvPr id="2" name="Title 1">
             <a:extLst>
               <a:ext uri="{FF2B5EF4-FFF2-40B4-BE49-F238E27FC236}">
-                <a16:creationId xmlns:a16="http://schemas.microsoft.com/office/drawing/2014/main" id="{350E3A4C-0F03-724C-A1D4-17E1BF5035C5}"/>
+                <a16:creationId xmlns:a16="http://schemas.microsoft.com/office/drawing/2014/main" id="{EAFFC458-CA88-3545-A966-AC1A835D3594}"/>
               </a:ext>
             </a:extLst>
           </p:cNvPr>
@@ -4190,7 +5524,7 @@
           <a:p>
             <a:r>
               <a:rPr lang="en-US" dirty="0"/>
-              <a:t>Next steps for SPL</a:t>
+              <a:t>Next steps for ODL</a:t>
             </a:r>
           </a:p>
         </p:txBody>
@@ -4200,7 +5534,7 @@
           <p:cNvPr id="3" name="Content Placeholder 2">
             <a:extLst>
               <a:ext uri="{FF2B5EF4-FFF2-40B4-BE49-F238E27FC236}">
-                <a16:creationId xmlns:a16="http://schemas.microsoft.com/office/drawing/2014/main" id="{F65DD7D6-E815-7F48-A7F4-D71ACF5CA9BA}"/>
+                <a16:creationId xmlns:a16="http://schemas.microsoft.com/office/drawing/2014/main" id="{A8DC5116-2225-524F-9732-39797472920C}"/>
               </a:ext>
             </a:extLst>
           </p:cNvPr>
@@ -4211,43 +5545,67 @@
             <p:ph idx="1"/>
           </p:nvPr>
         </p:nvSpPr>
-        <p:spPr/>
-        <p:txBody>
-          <a:bodyPr/>
-          <a:lstStyle/>
-          <a:p>
-            <a:r>
-              <a:rPr lang="en-US" dirty="0"/>
-              <a:t>Distribute the maps for use by staff</a:t>
-            </a:r>
-          </a:p>
-          <a:p>
-            <a:r>
-              <a:rPr lang="en-US" dirty="0"/>
-              <a:t>Add other datasets to maps</a:t>
-            </a:r>
-          </a:p>
-          <a:p>
-            <a:r>
-              <a:rPr lang="en-US" dirty="0"/>
-              <a:t>Update when 2018 ACS data or 2020 Census data available</a:t>
-            </a:r>
-          </a:p>
-          <a:p>
-            <a:r>
-              <a:rPr lang="en-US" dirty="0"/>
-              <a:t>Collect feedback from frontline staff about maps and reports to see if they have been helpful and how they could be improved</a:t>
-            </a:r>
-          </a:p>
-          <a:p>
-            <a:endParaRPr lang="en-US" dirty="0"/>
+        <p:spPr>
+          <a:xfrm>
+            <a:off x="2231136" y="2495228"/>
+            <a:ext cx="7729728" cy="4045058"/>
+          </a:xfrm>
+        </p:spPr>
+        <p:txBody>
+          <a:bodyPr>
+            <a:normAutofit lnSpcReduction="10000"/>
+          </a:bodyPr>
+          <a:lstStyle/>
+          <a:p>
+            <a:r>
+              <a:rPr lang="en-US" sz="3200" dirty="0"/>
+              <a:t>For this project:</a:t>
+            </a:r>
+          </a:p>
+          <a:p>
+            <a:pPr lvl="1"/>
+            <a:r>
+              <a:rPr lang="en-US" sz="2800" dirty="0"/>
+              <a:t>Write journal article about project</a:t>
+            </a:r>
+          </a:p>
+          <a:p>
+            <a:pPr lvl="1"/>
+            <a:r>
+              <a:rPr lang="en-US" sz="2800" dirty="0"/>
+              <a:t>Create Binder instance for R Notebook in GitHub Repo</a:t>
+            </a:r>
+          </a:p>
+          <a:p>
+            <a:r>
+              <a:rPr lang="en-US" sz="3000" dirty="0"/>
+              <a:t>In general:</a:t>
+            </a:r>
+          </a:p>
+          <a:p>
+            <a:pPr lvl="1"/>
+            <a:r>
+              <a:rPr lang="en-US" sz="2800" dirty="0"/>
+              <a:t> Data Science/Coding and Librarians</a:t>
+            </a:r>
+          </a:p>
+          <a:p>
+            <a:pPr lvl="2"/>
+            <a:r>
+              <a:rPr lang="en-US" sz="2800" dirty="0"/>
+              <a:t>Using Open data and open data software in an everyday workflow</a:t>
+            </a:r>
+          </a:p>
+          <a:p>
+            <a:pPr lvl="1"/>
+            <a:endParaRPr lang="en-US" sz="2800" dirty="0"/>
           </a:p>
         </p:txBody>
       </p:sp>
     </p:spTree>
     <p:extLst>
       <p:ext uri="{BB962C8B-B14F-4D97-AF65-F5344CB8AC3E}">
-        <p14:creationId xmlns:p14="http://schemas.microsoft.com/office/powerpoint/2010/main" val="1546976841"/>
+        <p14:creationId xmlns:p14="http://schemas.microsoft.com/office/powerpoint/2010/main" val="1923167330"/>
       </p:ext>
     </p:extLst>
   </p:cSld>
@@ -4290,7 +5648,12 @@
             <p:ph type="title"/>
           </p:nvPr>
         </p:nvSpPr>
-        <p:spPr/>
+        <p:spPr>
+          <a:xfrm>
+            <a:off x="838200" y="632573"/>
+            <a:ext cx="5257800" cy="1188720"/>
+          </a:xfrm>
+        </p:spPr>
         <p:txBody>
           <a:bodyPr/>
           <a:lstStyle/>
@@ -4318,50 +5681,88 @@
             <p:ph sz="half" idx="1"/>
           </p:nvPr>
         </p:nvSpPr>
-        <p:spPr/>
+        <p:spPr>
+          <a:xfrm>
+            <a:off x="838200" y="2433234"/>
+            <a:ext cx="5127171" cy="3978441"/>
+          </a:xfrm>
+        </p:spPr>
         <p:txBody>
           <a:bodyPr>
-            <a:normAutofit lnSpcReduction="10000"/>
+            <a:normAutofit fontScale="92500" lnSpcReduction="10000"/>
           </a:bodyPr>
           <a:lstStyle/>
           <a:p>
             <a:r>
-              <a:rPr lang="en-US" dirty="0"/>
+              <a:rPr lang="en-US" sz="2400" dirty="0"/>
               <a:t>Public library system serving Seattle</a:t>
             </a:r>
           </a:p>
           <a:p>
             <a:r>
-              <a:rPr lang="en-US" dirty="0"/>
+              <a:rPr lang="en-US" sz="2400" dirty="0"/>
               <a:t>27 Locations</a:t>
             </a:r>
           </a:p>
           <a:p>
             <a:r>
-              <a:rPr lang="en-US" dirty="0"/>
+              <a:rPr lang="en-US" sz="2400" dirty="0"/>
               <a:t>6 regions</a:t>
             </a:r>
           </a:p>
           <a:p>
             <a:r>
-              <a:rPr lang="en-US" dirty="0"/>
+              <a:rPr lang="en-US" sz="2400" dirty="0"/>
               <a:t>Variety of services and outreach programs</a:t>
             </a:r>
           </a:p>
           <a:p>
-            <a:endParaRPr lang="en-US" dirty="0"/>
-          </a:p>
-          <a:p>
-            <a:endParaRPr lang="en-US" dirty="0"/>
-          </a:p>
-          <a:p>
-            <a:r>
-              <a:rPr lang="en-US" dirty="0"/>
+            <a:r>
+              <a:rPr lang="en-US" sz="2400" dirty="0"/>
               <a:t>Note: Separate library system than King County Library System</a:t>
             </a:r>
           </a:p>
-        </p:txBody>
-      </p:sp>
+          <a:p>
+            <a:endParaRPr lang="en-US" sz="2400" dirty="0"/>
+          </a:p>
+          <a:p>
+            <a:r>
+              <a:rPr lang="en-US" sz="2400" dirty="0"/>
+              <a:t>SPL Mentor: David Christensen, Data Analysis Lead</a:t>
+            </a:r>
+          </a:p>
+        </p:txBody>
+      </p:sp>
+      <p:pic>
+        <p:nvPicPr>
+          <p:cNvPr id="7" name="Picture 6">
+            <a:extLst>
+              <a:ext uri="{FF2B5EF4-FFF2-40B4-BE49-F238E27FC236}">
+                <a16:creationId xmlns:a16="http://schemas.microsoft.com/office/drawing/2014/main" id="{FA99EA96-A44D-A044-8516-CC7EEF038F2E}"/>
+              </a:ext>
+            </a:extLst>
+          </p:cNvPr>
+          <p:cNvPicPr>
+            <a:picLocks noChangeAspect="1"/>
+          </p:cNvPicPr>
+          <p:nvPr/>
+        </p:nvPicPr>
+        <p:blipFill>
+          <a:blip r:embed="rId2"/>
+          <a:stretch>
+            <a:fillRect/>
+          </a:stretch>
+        </p:blipFill>
+        <p:spPr>
+          <a:xfrm>
+            <a:off x="6776058" y="632573"/>
+            <a:ext cx="4979472" cy="5606384"/>
+          </a:xfrm>
+          <a:prstGeom prst="rect">
+            <a:avLst/>
+          </a:prstGeom>
+        </p:spPr>
+      </p:pic>
       <p:pic>
         <p:nvPicPr>
           <p:cNvPr id="5" name="Picture 4">
@@ -4377,36 +5778,6 @@
           <p:nvPr/>
         </p:nvPicPr>
         <p:blipFill>
-          <a:blip r:embed="rId2"/>
-          <a:stretch>
-            <a:fillRect/>
-          </a:stretch>
-        </p:blipFill>
-        <p:spPr>
-          <a:xfrm>
-            <a:off x="10496550" y="230188"/>
-            <a:ext cx="1099704" cy="1195330"/>
-          </a:xfrm>
-          <a:prstGeom prst="rect">
-            <a:avLst/>
-          </a:prstGeom>
-        </p:spPr>
-      </p:pic>
-      <p:pic>
-        <p:nvPicPr>
-          <p:cNvPr id="7" name="Picture 6">
-            <a:extLst>
-              <a:ext uri="{FF2B5EF4-FFF2-40B4-BE49-F238E27FC236}">
-                <a16:creationId xmlns:a16="http://schemas.microsoft.com/office/drawing/2014/main" id="{FA99EA96-A44D-A044-8516-CC7EEF038F2E}"/>
-              </a:ext>
-            </a:extLst>
-          </p:cNvPr>
-          <p:cNvPicPr>
-            <a:picLocks noChangeAspect="1"/>
-          </p:cNvPicPr>
-          <p:nvPr/>
-        </p:nvPicPr>
-        <p:blipFill>
           <a:blip r:embed="rId3"/>
           <a:stretch>
             <a:fillRect/>
@@ -4414,12 +5785,20 @@
         </p:blipFill>
         <p:spPr>
           <a:xfrm>
-            <a:off x="6973168" y="1590912"/>
-            <a:ext cx="4073234" cy="4586051"/>
+            <a:off x="6226631" y="4581078"/>
+            <a:ext cx="1684149" cy="1830597"/>
           </a:xfrm>
           <a:prstGeom prst="rect">
             <a:avLst/>
           </a:prstGeom>
+          <a:solidFill>
+            <a:srgbClr val="FFFFFF"/>
+          </a:solidFill>
+          <a:ln>
+            <a:solidFill>
+              <a:srgbClr val="404040"/>
+            </a:solidFill>
+          </a:ln>
         </p:spPr>
       </p:pic>
     </p:spTree>
@@ -4474,9 +5853,10 @@
           <a:lstStyle/>
           <a:p>
             <a:r>
-              <a:rPr lang="en-US" dirty="0"/>
+              <a:rPr lang="en-US"/>
               <a:t>Problem Statement</a:t>
             </a:r>
+            <a:endParaRPr lang="en-US" dirty="0"/>
           </a:p>
         </p:txBody>
       </p:sp>
@@ -4498,22 +5878,27 @@
         </p:nvSpPr>
         <p:spPr/>
         <p:txBody>
-          <a:bodyPr/>
-          <a:lstStyle/>
-          <a:p>
-            <a:r>
-              <a:rPr lang="en-US" dirty="0"/>
-              <a:t>How can a large public library system like Seattle Public Libraries use open data to help inform staff about services and outreach?</a:t>
-            </a:r>
-          </a:p>
-          <a:p>
-            <a:r>
-              <a:rPr lang="en-US" dirty="0"/>
-              <a:t>How can open data be transformed into easier to understand materials?</a:t>
-            </a:r>
-          </a:p>
-          <a:p>
-            <a:endParaRPr lang="en-US" dirty="0"/>
+          <a:bodyPr>
+            <a:normAutofit/>
+          </a:bodyPr>
+          <a:lstStyle/>
+          <a:p>
+            <a:r>
+              <a:rPr lang="en-US" sz="2400" dirty="0"/>
+              <a:t>How can a large public library system like Seattle Public Libraries use external open data to help inform staff about the needs of the community to better plan services and outreach?</a:t>
+            </a:r>
+          </a:p>
+          <a:p>
+            <a:pPr marL="0" indent="0">
+              <a:buNone/>
+            </a:pPr>
+            <a:endParaRPr lang="en-US" sz="2400" dirty="0"/>
+          </a:p>
+          <a:p>
+            <a:r>
+              <a:rPr lang="en-US" sz="2400" dirty="0"/>
+              <a:t>How can open data be transformed into materials that are accessible and easy to understand?</a:t>
+            </a:r>
           </a:p>
         </p:txBody>
       </p:sp>
@@ -4569,9 +5954,10 @@
           <a:lstStyle/>
           <a:p>
             <a:r>
-              <a:rPr lang="en-US" dirty="0"/>
+              <a:rPr lang="en-US"/>
               <a:t>Project Goals</a:t>
             </a:r>
+            <a:endParaRPr lang="en-US" dirty="0"/>
           </a:p>
         </p:txBody>
       </p:sp>
@@ -4593,23 +5979,25 @@
         </p:nvSpPr>
         <p:spPr/>
         <p:txBody>
-          <a:bodyPr/>
-          <a:lstStyle/>
-          <a:p>
-            <a:r>
-              <a:rPr lang="en-US" dirty="0"/>
+          <a:bodyPr>
+            <a:normAutofit/>
+          </a:bodyPr>
+          <a:lstStyle/>
+          <a:p>
+            <a:r>
+              <a:rPr lang="en-US" sz="2800" dirty="0"/>
               <a:t>Identify data needs of SPL frontline staff</a:t>
             </a:r>
           </a:p>
           <a:p>
             <a:r>
-              <a:rPr lang="en-US" dirty="0"/>
-              <a:t>Identify relevant open datasets  related to Seattle and SPL</a:t>
-            </a:r>
-          </a:p>
-          <a:p>
-            <a:r>
-              <a:rPr lang="en-US" dirty="0"/>
+              <a:rPr lang="en-US" sz="2800" dirty="0"/>
+              <a:t>Identify relevant open datasets related to Seattle and SPL</a:t>
+            </a:r>
+          </a:p>
+          <a:p>
+            <a:r>
+              <a:rPr lang="en-US" sz="2800" dirty="0"/>
               <a:t>Create materials using selected datasets for use by SPL staff</a:t>
             </a:r>
           </a:p>
@@ -4661,15 +6049,21 @@
             <p:ph type="title"/>
           </p:nvPr>
         </p:nvSpPr>
-        <p:spPr/>
+        <p:spPr>
+          <a:xfrm>
+            <a:off x="2231136" y="503694"/>
+            <a:ext cx="7729728" cy="1188720"/>
+          </a:xfrm>
+        </p:spPr>
         <p:txBody>
           <a:bodyPr/>
           <a:lstStyle/>
           <a:p>
             <a:r>
-              <a:rPr lang="en-US" dirty="0"/>
+              <a:rPr lang="en-US"/>
               <a:t>Assessing Data Needs: Interviews</a:t>
             </a:r>
+            <a:endParaRPr lang="en-US" dirty="0"/>
           </a:p>
         </p:txBody>
       </p:sp>
@@ -4689,54 +6083,75 @@
             <p:ph idx="1"/>
           </p:nvPr>
         </p:nvSpPr>
-        <p:spPr/>
-        <p:txBody>
-          <a:bodyPr/>
-          <a:lstStyle/>
-          <a:p>
-            <a:r>
-              <a:rPr lang="en-US" dirty="0"/>
-              <a:t>2 SPL Regional Managers</a:t>
-            </a:r>
-          </a:p>
-          <a:p>
-            <a:r>
-              <a:rPr lang="en-US" dirty="0"/>
+        <p:spPr>
+          <a:xfrm>
+            <a:off x="2231136" y="1890792"/>
+            <a:ext cx="8044240" cy="4664991"/>
+          </a:xfrm>
+        </p:spPr>
+        <p:txBody>
+          <a:bodyPr>
+            <a:normAutofit fontScale="92500" lnSpcReduction="10000"/>
+          </a:bodyPr>
+          <a:lstStyle/>
+          <a:p>
+            <a:r>
+              <a:rPr lang="en-US" sz="3200" dirty="0"/>
+              <a:t>Interviewed two SPL Regional Managers</a:t>
+            </a:r>
+          </a:p>
+          <a:p>
+            <a:pPr lvl="1"/>
+            <a:r>
+              <a:rPr lang="en-US" sz="2800" dirty="0"/>
+              <a:t>Northeast Region: Francesca Wainwright</a:t>
+            </a:r>
+          </a:p>
+          <a:p>
+            <a:pPr lvl="1"/>
+            <a:r>
+              <a:rPr lang="en-US" sz="2800" dirty="0"/>
+              <a:t>Southeast Region: Wei Cai</a:t>
+            </a:r>
+          </a:p>
+          <a:p>
+            <a:r>
+              <a:rPr lang="en-US" sz="3200" dirty="0"/>
               <a:t>Findings:</a:t>
             </a:r>
           </a:p>
           <a:p>
             <a:pPr lvl="1"/>
             <a:r>
-              <a:rPr lang="en-US" dirty="0"/>
+              <a:rPr lang="en-US" sz="2800" dirty="0"/>
               <a:t>More granular data</a:t>
             </a:r>
           </a:p>
           <a:p>
             <a:pPr lvl="1"/>
             <a:r>
-              <a:rPr lang="en-US" dirty="0"/>
+              <a:rPr lang="en-US" sz="2800" dirty="0"/>
               <a:t>Age</a:t>
             </a:r>
           </a:p>
           <a:p>
             <a:pPr lvl="1"/>
             <a:r>
-              <a:rPr lang="en-US" dirty="0"/>
+              <a:rPr lang="en-US" sz="2800" dirty="0"/>
               <a:t>Income</a:t>
             </a:r>
           </a:p>
           <a:p>
             <a:pPr lvl="1"/>
             <a:r>
-              <a:rPr lang="en-US" dirty="0"/>
+              <a:rPr lang="en-US" sz="2800" dirty="0"/>
               <a:t>Language Spoken at home</a:t>
             </a:r>
           </a:p>
           <a:p>
             <a:pPr lvl="1"/>
             <a:r>
-              <a:rPr lang="en-US" dirty="0"/>
+              <a:rPr lang="en-US" sz="2800" dirty="0"/>
               <a:t>Private Schooling versus Public Schooling</a:t>
             </a:r>
           </a:p>
@@ -4788,15 +6203,21 @@
             <p:ph type="title"/>
           </p:nvPr>
         </p:nvSpPr>
-        <p:spPr/>
+        <p:spPr>
+          <a:xfrm>
+            <a:off x="1088630" y="572716"/>
+            <a:ext cx="7729728" cy="1188720"/>
+          </a:xfrm>
+        </p:spPr>
         <p:txBody>
           <a:bodyPr/>
           <a:lstStyle/>
           <a:p>
             <a:r>
-              <a:rPr lang="en-US" dirty="0"/>
+              <a:rPr lang="en-US"/>
               <a:t>Search for Suitable Open Data</a:t>
             </a:r>
+            <a:endParaRPr lang="en-US" dirty="0"/>
           </a:p>
         </p:txBody>
       </p:sp>
@@ -4816,45 +6237,213 @@
             <p:ph idx="1"/>
           </p:nvPr>
         </p:nvSpPr>
-        <p:spPr/>
-        <p:txBody>
-          <a:bodyPr/>
-          <a:lstStyle/>
-          <a:p>
-            <a:r>
-              <a:rPr lang="en-US" dirty="0"/>
+        <p:spPr>
+          <a:xfrm>
+            <a:off x="1132927" y="2309623"/>
+            <a:ext cx="7729728" cy="3101983"/>
+          </a:xfrm>
+        </p:spPr>
+        <p:txBody>
+          <a:bodyPr>
+            <a:normAutofit fontScale="92500" lnSpcReduction="10000"/>
+          </a:bodyPr>
+          <a:lstStyle/>
+          <a:p>
+            <a:r>
+              <a:rPr lang="en-US" sz="3200" dirty="0"/>
               <a:t>Local Data:</a:t>
             </a:r>
           </a:p>
           <a:p>
             <a:pPr lvl="1"/>
             <a:r>
-              <a:rPr lang="en-US" dirty="0"/>
+              <a:rPr lang="en-US" sz="2800" dirty="0"/>
               <a:t>City of Seattle Open Data portal</a:t>
             </a:r>
           </a:p>
           <a:p>
             <a:pPr lvl="1"/>
             <a:r>
-              <a:rPr lang="en-US" dirty="0"/>
+              <a:rPr lang="en-US" sz="2800" dirty="0"/>
               <a:t>Washington State Open data portal</a:t>
             </a:r>
           </a:p>
           <a:p>
             <a:r>
-              <a:rPr lang="en-US" dirty="0" err="1"/>
+              <a:rPr lang="en-US" sz="3200" dirty="0" err="1"/>
               <a:t>Data.gov</a:t>
             </a:r>
-            <a:endParaRPr lang="en-US" dirty="0"/>
-          </a:p>
-          <a:p>
-            <a:r>
-              <a:rPr lang="en-US" dirty="0"/>
+            <a:endParaRPr lang="en-US" sz="3200" dirty="0"/>
+          </a:p>
+          <a:p>
+            <a:r>
+              <a:rPr lang="en-US" sz="3200" dirty="0"/>
+              <a:t>Packaged Data in R</a:t>
+            </a:r>
+          </a:p>
+          <a:p>
+            <a:r>
+              <a:rPr lang="en-US" sz="3200" dirty="0"/>
               <a:t>US Census Bureau </a:t>
             </a:r>
           </a:p>
         </p:txBody>
       </p:sp>
+      <p:pic>
+        <p:nvPicPr>
+          <p:cNvPr id="4" name="Picture 3">
+            <a:extLst>
+              <a:ext uri="{FF2B5EF4-FFF2-40B4-BE49-F238E27FC236}">
+                <a16:creationId xmlns:a16="http://schemas.microsoft.com/office/drawing/2014/main" id="{B332C9FF-814E-0249-8F49-485DFC45D32D}"/>
+              </a:ext>
+            </a:extLst>
+          </p:cNvPr>
+          <p:cNvPicPr>
+            <a:picLocks noChangeAspect="1"/>
+          </p:cNvPicPr>
+          <p:nvPr/>
+        </p:nvPicPr>
+        <p:blipFill>
+          <a:blip r:embed="rId2"/>
+          <a:stretch>
+            <a:fillRect/>
+          </a:stretch>
+        </p:blipFill>
+        <p:spPr>
+          <a:xfrm>
+            <a:off x="3732967" y="5387640"/>
+            <a:ext cx="2984500" cy="1409700"/>
+          </a:xfrm>
+          <a:prstGeom prst="rect">
+            <a:avLst/>
+          </a:prstGeom>
+        </p:spPr>
+      </p:pic>
+      <p:pic>
+        <p:nvPicPr>
+          <p:cNvPr id="6" name="Picture 5">
+            <a:extLst>
+              <a:ext uri="{FF2B5EF4-FFF2-40B4-BE49-F238E27FC236}">
+                <a16:creationId xmlns:a16="http://schemas.microsoft.com/office/drawing/2014/main" id="{BC432AE7-DC62-814E-8B20-8F84D514B657}"/>
+              </a:ext>
+            </a:extLst>
+          </p:cNvPr>
+          <p:cNvPicPr>
+            <a:picLocks noChangeAspect="1"/>
+          </p:cNvPicPr>
+          <p:nvPr/>
+        </p:nvPicPr>
+        <p:blipFill>
+          <a:blip r:embed="rId3"/>
+          <a:stretch>
+            <a:fillRect/>
+          </a:stretch>
+        </p:blipFill>
+        <p:spPr>
+          <a:xfrm>
+            <a:off x="6253825" y="2195879"/>
+            <a:ext cx="2616200" cy="698500"/>
+          </a:xfrm>
+          <a:prstGeom prst="rect">
+            <a:avLst/>
+          </a:prstGeom>
+        </p:spPr>
+      </p:pic>
+      <p:pic>
+        <p:nvPicPr>
+          <p:cNvPr id="8" name="Picture 7">
+            <a:extLst>
+              <a:ext uri="{FF2B5EF4-FFF2-40B4-BE49-F238E27FC236}">
+                <a16:creationId xmlns:a16="http://schemas.microsoft.com/office/drawing/2014/main" id="{5C450546-C61C-B94D-BC3C-559B65D46EC4}"/>
+              </a:ext>
+            </a:extLst>
+          </p:cNvPr>
+          <p:cNvPicPr>
+            <a:picLocks noChangeAspect="1"/>
+          </p:cNvPicPr>
+          <p:nvPr/>
+        </p:nvPicPr>
+        <p:blipFill>
+          <a:blip r:embed="rId4"/>
+          <a:stretch>
+            <a:fillRect/>
+          </a:stretch>
+        </p:blipFill>
+        <p:spPr>
+          <a:xfrm>
+            <a:off x="9891779" y="1379997"/>
+            <a:ext cx="1631763" cy="1631763"/>
+          </a:xfrm>
+          <a:prstGeom prst="rect">
+            <a:avLst/>
+          </a:prstGeom>
+        </p:spPr>
+      </p:pic>
+      <p:pic>
+        <p:nvPicPr>
+          <p:cNvPr id="10" name="Graphic 9">
+            <a:extLst>
+              <a:ext uri="{FF2B5EF4-FFF2-40B4-BE49-F238E27FC236}">
+                <a16:creationId xmlns:a16="http://schemas.microsoft.com/office/drawing/2014/main" id="{9841BBF2-199C-7D42-B651-E1D42E1503CD}"/>
+              </a:ext>
+            </a:extLst>
+          </p:cNvPr>
+          <p:cNvPicPr>
+            <a:picLocks noChangeAspect="1"/>
+          </p:cNvPicPr>
+          <p:nvPr/>
+        </p:nvPicPr>
+        <p:blipFill>
+          <a:blip r:embed="rId5">
+            <a:extLst>
+              <a:ext uri="{96DAC541-7B7A-43D3-8B79-37D633B846F1}">
+                <asvg:svgBlip xmlns:asvg="http://schemas.microsoft.com/office/drawing/2016/SVG/main" r:embed="rId6"/>
+              </a:ext>
+            </a:extLst>
+          </a:blip>
+          <a:stretch>
+            <a:fillRect/>
+          </a:stretch>
+        </p:blipFill>
+        <p:spPr>
+          <a:xfrm>
+            <a:off x="9430518" y="4961780"/>
+            <a:ext cx="1760571" cy="1361768"/>
+          </a:xfrm>
+          <a:prstGeom prst="rect">
+            <a:avLst/>
+          </a:prstGeom>
+        </p:spPr>
+      </p:pic>
+      <p:pic>
+        <p:nvPicPr>
+          <p:cNvPr id="12" name="Picture 11">
+            <a:extLst>
+              <a:ext uri="{FF2B5EF4-FFF2-40B4-BE49-F238E27FC236}">
+                <a16:creationId xmlns:a16="http://schemas.microsoft.com/office/drawing/2014/main" id="{32A792EC-1616-E243-B9AA-5DF6FEB84EB9}"/>
+              </a:ext>
+            </a:extLst>
+          </p:cNvPr>
+          <p:cNvPicPr>
+            <a:picLocks noChangeAspect="1"/>
+          </p:cNvPicPr>
+          <p:nvPr/>
+        </p:nvPicPr>
+        <p:blipFill rotWithShape="1">
+          <a:blip r:embed="rId7"/>
+          <a:srcRect t="28827" b="27358"/>
+          <a:stretch/>
+        </p:blipFill>
+        <p:spPr>
+          <a:xfrm>
+            <a:off x="6253825" y="4001906"/>
+            <a:ext cx="2190750" cy="959874"/>
+          </a:xfrm>
+          <a:prstGeom prst="rect">
+            <a:avLst/>
+          </a:prstGeom>
+        </p:spPr>
+      </p:pic>
     </p:spTree>
     <p:extLst>
       <p:ext uri="{BB962C8B-B14F-4D97-AF65-F5344CB8AC3E}">
@@ -4901,7 +6490,12 @@
             <p:ph type="title"/>
           </p:nvPr>
         </p:nvSpPr>
-        <p:spPr/>
+        <p:spPr>
+          <a:xfrm>
+            <a:off x="512520" y="580832"/>
+            <a:ext cx="5594605" cy="1188720"/>
+          </a:xfrm>
+        </p:spPr>
         <p:txBody>
           <a:bodyPr/>
           <a:lstStyle/>
@@ -4929,10 +6523,15 @@
             <p:ph sz="half" idx="1"/>
           </p:nvPr>
         </p:nvSpPr>
-        <p:spPr/>
+        <p:spPr>
+          <a:xfrm>
+            <a:off x="805912" y="2092271"/>
+            <a:ext cx="4639795" cy="4184897"/>
+          </a:xfrm>
+        </p:spPr>
         <p:txBody>
           <a:bodyPr>
-            <a:normAutofit lnSpcReduction="10000"/>
+            <a:normAutofit fontScale="85000" lnSpcReduction="10000"/>
           </a:bodyPr>
           <a:lstStyle/>
           <a:p>
@@ -5022,36 +6621,41 @@
             <p:ph sz="half" idx="2"/>
           </p:nvPr>
         </p:nvSpPr>
-        <p:spPr/>
+        <p:spPr>
+          <a:xfrm>
+            <a:off x="6746295" y="1769552"/>
+            <a:ext cx="5181600" cy="2045090"/>
+          </a:xfrm>
+        </p:spPr>
         <p:txBody>
           <a:bodyPr>
-            <a:normAutofit lnSpcReduction="10000"/>
+            <a:normAutofit fontScale="85000" lnSpcReduction="10000"/>
           </a:bodyPr>
           <a:lstStyle/>
           <a:p>
             <a:r>
-              <a:rPr lang="en-US" dirty="0"/>
+              <a:rPr lang="en-US" sz="2500" dirty="0"/>
               <a:t>Ways to Get Data:</a:t>
             </a:r>
           </a:p>
           <a:p>
             <a:pPr lvl="1"/>
             <a:r>
-              <a:rPr lang="en-US" dirty="0"/>
+              <a:rPr lang="en-US" sz="2500" dirty="0"/>
+              <a:t>API</a:t>
+            </a:r>
+          </a:p>
+          <a:p>
+            <a:pPr lvl="1"/>
+            <a:r>
+              <a:rPr lang="en-US" sz="2500" dirty="0"/>
               <a:t>American </a:t>
             </a:r>
             <a:r>
-              <a:rPr lang="en-US" dirty="0" err="1"/>
+              <a:rPr lang="en-US" sz="2500" dirty="0" err="1"/>
               <a:t>FactFinder</a:t>
             </a:r>
-            <a:endParaRPr lang="en-US" dirty="0"/>
-          </a:p>
-          <a:p>
-            <a:pPr lvl="1"/>
-            <a:r>
-              <a:rPr lang="en-US" dirty="0"/>
-              <a:t>API</a:t>
-            </a:r>
+            <a:endParaRPr lang="en-US" sz="2500" dirty="0"/>
           </a:p>
         </p:txBody>
       </p:sp>
@@ -5106,7 +6710,7 @@
         </p:blipFill>
         <p:spPr>
           <a:xfrm>
-            <a:off x="6746292" y="3166044"/>
+            <a:off x="6553200" y="3076834"/>
             <a:ext cx="5181600" cy="3500178"/>
           </a:xfrm>
           <a:prstGeom prst="rect">
@@ -5144,12 +6748,47 @@
           <a:chExt cx="0" cy="0"/>
         </a:xfrm>
       </p:grpSpPr>
+      <p:pic>
+        <p:nvPicPr>
+          <p:cNvPr id="6" name="Picture 5">
+            <a:extLst>
+              <a:ext uri="{FF2B5EF4-FFF2-40B4-BE49-F238E27FC236}">
+                <a16:creationId xmlns:a16="http://schemas.microsoft.com/office/drawing/2014/main" id="{A4DECBC5-A1FC-4041-A522-9AAA74B157D7}"/>
+              </a:ext>
+            </a:extLst>
+          </p:cNvPr>
+          <p:cNvPicPr>
+            <a:picLocks noChangeAspect="1"/>
+          </p:cNvPicPr>
+          <p:nvPr/>
+        </p:nvPicPr>
+        <p:blipFill>
+          <a:blip r:embed="rId2"/>
+          <a:stretch>
+            <a:fillRect/>
+          </a:stretch>
+        </p:blipFill>
+        <p:spPr>
+          <a:xfrm>
+            <a:off x="4460895" y="150148"/>
+            <a:ext cx="4245897" cy="3522472"/>
+          </a:xfrm>
+          <a:prstGeom prst="rect">
+            <a:avLst/>
+          </a:prstGeom>
+          <a:ln>
+            <a:solidFill>
+              <a:schemeClr val="tx1"/>
+            </a:solidFill>
+          </a:ln>
+        </p:spPr>
+      </p:pic>
       <p:sp>
         <p:nvSpPr>
           <p:cNvPr id="2" name="Title 1">
             <a:extLst>
               <a:ext uri="{FF2B5EF4-FFF2-40B4-BE49-F238E27FC236}">
-                <a16:creationId xmlns:a16="http://schemas.microsoft.com/office/drawing/2014/main" id="{3ED92D8B-DBD7-8C44-8D87-945C591A1594}"/>
+                <a16:creationId xmlns:a16="http://schemas.microsoft.com/office/drawing/2014/main" id="{CF28C8A5-3C10-724F-9E8F-C1F0F7944D77}"/>
               </a:ext>
             </a:extLst>
           </p:cNvPr>
@@ -5160,14 +6799,19 @@
             <p:ph type="title"/>
           </p:nvPr>
         </p:nvSpPr>
-        <p:spPr/>
+        <p:spPr>
+          <a:xfrm>
+            <a:off x="1044877" y="395207"/>
+            <a:ext cx="2803902" cy="1325563"/>
+          </a:xfrm>
+        </p:spPr>
         <p:txBody>
           <a:bodyPr/>
           <a:lstStyle/>
           <a:p>
             <a:r>
               <a:rPr lang="en-US" dirty="0"/>
-              <a:t>Working with Census Data</a:t>
+              <a:t>Maps</a:t>
             </a:r>
           </a:p>
         </p:txBody>
@@ -5177,7 +6821,7 @@
           <p:cNvPr id="3" name="Content Placeholder 2">
             <a:extLst>
               <a:ext uri="{FF2B5EF4-FFF2-40B4-BE49-F238E27FC236}">
-                <a16:creationId xmlns:a16="http://schemas.microsoft.com/office/drawing/2014/main" id="{15D7C0E6-742B-4344-9C48-0F3D5D3848BB}"/>
+                <a16:creationId xmlns:a16="http://schemas.microsoft.com/office/drawing/2014/main" id="{2E3FC499-CE14-0A47-9D73-3214D38D1EB4}"/>
               </a:ext>
             </a:extLst>
           </p:cNvPr>
@@ -5188,72 +6832,413 @@
             <p:ph idx="1"/>
           </p:nvPr>
         </p:nvSpPr>
-        <p:spPr/>
-        <p:txBody>
-          <a:bodyPr/>
-          <a:lstStyle/>
-          <a:p>
-            <a:r>
-              <a:rPr lang="en-US" dirty="0"/>
-              <a:t>Most recent relevant data: 2017 ACS</a:t>
-            </a:r>
-          </a:p>
-          <a:p>
-            <a:r>
-              <a:rPr lang="en-US" dirty="0"/>
-              <a:t>Estimates not raw data</a:t>
-            </a:r>
-          </a:p>
-          <a:p>
-            <a:r>
-              <a:rPr lang="en-US" dirty="0"/>
-              <a:t>Different geographical units</a:t>
-            </a:r>
-          </a:p>
-          <a:p>
-            <a:pPr lvl="1"/>
-            <a:r>
-              <a:rPr lang="en-US" dirty="0"/>
-              <a:t>Census Tracts</a:t>
-            </a:r>
-          </a:p>
-          <a:p>
-            <a:pPr lvl="1"/>
-            <a:r>
-              <a:rPr lang="en-US" dirty="0"/>
-              <a:t>Census Blocks</a:t>
-            </a:r>
-          </a:p>
-          <a:p>
-            <a:r>
-              <a:rPr lang="en-US" dirty="0"/>
-              <a:t>API</a:t>
-            </a:r>
-          </a:p>
-          <a:p>
-            <a:r>
-              <a:rPr lang="en-US" dirty="0"/>
-              <a:t>Table Numbers</a:t>
-            </a:r>
-          </a:p>
-          <a:p>
-            <a:pPr marL="0" indent="0">
-              <a:buNone/>
-            </a:pPr>
+        <p:spPr>
+          <a:xfrm>
+            <a:off x="542952" y="2040192"/>
+            <a:ext cx="3807753" cy="4422601"/>
+          </a:xfrm>
+        </p:spPr>
+        <p:txBody>
+          <a:bodyPr>
+            <a:normAutofit/>
+          </a:bodyPr>
+          <a:lstStyle/>
+          <a:p>
+            <a:r>
+              <a:rPr lang="en-US" sz="2400" dirty="0"/>
+              <a:t>R and </a:t>
+            </a:r>
+            <a:r>
+              <a:rPr lang="en-US" sz="2400" dirty="0" err="1"/>
+              <a:t>Rstudio</a:t>
+            </a:r>
+            <a:endParaRPr lang="en-US" sz="2400" dirty="0"/>
+          </a:p>
+          <a:p>
+            <a:r>
+              <a:rPr lang="en-US" sz="2400" dirty="0"/>
+              <a:t>Download 2017 ACS data via API</a:t>
+            </a:r>
+          </a:p>
+          <a:p>
+            <a:r>
+              <a:rPr lang="en-US" sz="2400" dirty="0"/>
+              <a:t>Leaflet package: Create interactive maps</a:t>
+            </a:r>
+          </a:p>
+          <a:p>
+            <a:r>
+              <a:rPr lang="en-US" sz="2400" dirty="0"/>
+              <a:t>Shiny: Create application for data dashboard</a:t>
+            </a:r>
+          </a:p>
+          <a:p>
+            <a:r>
+              <a:rPr lang="en-US" sz="2400" dirty="0" err="1"/>
+              <a:t>Shinyapps.io</a:t>
+            </a:r>
+            <a:r>
+              <a:rPr lang="en-US" sz="2400" dirty="0"/>
+              <a:t>: upload dashboard to URL for sharing</a:t>
+            </a:r>
+          </a:p>
+        </p:txBody>
+      </p:sp>
+      <p:pic>
+        <p:nvPicPr>
+          <p:cNvPr id="7" name="Picture 6">
+            <a:extLst>
+              <a:ext uri="{FF2B5EF4-FFF2-40B4-BE49-F238E27FC236}">
+                <a16:creationId xmlns:a16="http://schemas.microsoft.com/office/drawing/2014/main" id="{AAA65D3A-7852-B94E-AFE5-2197B072CA51}"/>
+              </a:ext>
+            </a:extLst>
+          </p:cNvPr>
+          <p:cNvPicPr>
+            <a:picLocks noChangeAspect="1"/>
+          </p:cNvPicPr>
+          <p:nvPr/>
+        </p:nvPicPr>
+        <p:blipFill rotWithShape="1">
+          <a:blip r:embed="rId3"/>
+          <a:srcRect l="7707" r="12615"/>
+          <a:stretch/>
+        </p:blipFill>
+        <p:spPr>
+          <a:xfrm>
+            <a:off x="6394537" y="2387505"/>
+            <a:ext cx="1541504" cy="2171240"/>
+          </a:xfrm>
+          <a:prstGeom prst="rect">
+            <a:avLst/>
+          </a:prstGeom>
+          <a:ln>
+            <a:solidFill>
+              <a:schemeClr val="tx1"/>
+            </a:solidFill>
+          </a:ln>
+        </p:spPr>
+      </p:pic>
+      <p:pic>
+        <p:nvPicPr>
+          <p:cNvPr id="5" name="Picture 4">
+            <a:extLst>
+              <a:ext uri="{FF2B5EF4-FFF2-40B4-BE49-F238E27FC236}">
+                <a16:creationId xmlns:a16="http://schemas.microsoft.com/office/drawing/2014/main" id="{A9AA9147-DD1C-824E-8DBE-91942FFF5065}"/>
+              </a:ext>
+            </a:extLst>
+          </p:cNvPr>
+          <p:cNvPicPr>
+            <a:picLocks noChangeAspect="1"/>
+          </p:cNvPicPr>
+          <p:nvPr/>
+        </p:nvPicPr>
+        <p:blipFill>
+          <a:blip r:embed="rId4"/>
+          <a:stretch>
+            <a:fillRect/>
+          </a:stretch>
+        </p:blipFill>
+        <p:spPr>
+          <a:xfrm>
+            <a:off x="7632876" y="3473125"/>
+            <a:ext cx="1541503" cy="2171240"/>
+          </a:xfrm>
+          <a:prstGeom prst="rect">
+            <a:avLst/>
+          </a:prstGeom>
+          <a:ln>
+            <a:solidFill>
+              <a:schemeClr val="tx1"/>
+            </a:solidFill>
+          </a:ln>
+        </p:spPr>
+      </p:pic>
+      <p:pic>
+        <p:nvPicPr>
+          <p:cNvPr id="11" name="Picture 10">
+            <a:extLst>
+              <a:ext uri="{FF2B5EF4-FFF2-40B4-BE49-F238E27FC236}">
+                <a16:creationId xmlns:a16="http://schemas.microsoft.com/office/drawing/2014/main" id="{81CBA978-62E9-F249-8A79-D7B7D5C23C5D}"/>
+              </a:ext>
+            </a:extLst>
+          </p:cNvPr>
+          <p:cNvPicPr>
+            <a:picLocks noChangeAspect="1"/>
+          </p:cNvPicPr>
+          <p:nvPr/>
+        </p:nvPicPr>
+        <p:blipFill>
+          <a:blip r:embed="rId5"/>
+          <a:srcRect/>
+          <a:stretch/>
+        </p:blipFill>
+        <p:spPr>
+          <a:xfrm>
+            <a:off x="9058327" y="3845345"/>
+            <a:ext cx="2784627" cy="2858316"/>
+          </a:xfrm>
+          <a:prstGeom prst="rect">
+            <a:avLst/>
+          </a:prstGeom>
+          <a:ln>
+            <a:solidFill>
+              <a:schemeClr val="tx1"/>
+            </a:solidFill>
+          </a:ln>
+        </p:spPr>
+      </p:pic>
+      <p:sp>
+        <p:nvSpPr>
+          <p:cNvPr id="15" name="Right Arrow 14">
+            <a:extLst>
+              <a:ext uri="{FF2B5EF4-FFF2-40B4-BE49-F238E27FC236}">
+                <a16:creationId xmlns:a16="http://schemas.microsoft.com/office/drawing/2014/main" id="{BF5937BB-6368-DE45-83DC-C27957CA94E2}"/>
+              </a:ext>
+            </a:extLst>
+          </p:cNvPr>
+          <p:cNvSpPr/>
+          <p:nvPr/>
+        </p:nvSpPr>
+        <p:spPr>
+          <a:xfrm rot="1999415">
+            <a:off x="6090571" y="3115990"/>
+            <a:ext cx="505366" cy="250371"/>
+          </a:xfrm>
+          <a:prstGeom prst="rightArrow">
+            <a:avLst/>
+          </a:prstGeom>
+          <a:solidFill>
+            <a:srgbClr val="FF0000"/>
+          </a:solidFill>
+        </p:spPr>
+        <p:style>
+          <a:lnRef idx="2">
+            <a:schemeClr val="accent1">
+              <a:shade val="50000"/>
+            </a:schemeClr>
+          </a:lnRef>
+          <a:fillRef idx="1">
+            <a:schemeClr val="accent1"/>
+          </a:fillRef>
+          <a:effectRef idx="0">
+            <a:schemeClr val="accent1"/>
+          </a:effectRef>
+          <a:fontRef idx="minor">
+            <a:schemeClr val="lt1"/>
+          </a:fontRef>
+        </p:style>
+        <p:txBody>
+          <a:bodyPr rtlCol="0" anchor="ctr"/>
+          <a:lstStyle/>
+          <a:p>
+            <a:pPr algn="ctr"/>
             <a:endParaRPr lang="en-US" dirty="0"/>
           </a:p>
-          <a:p>
-            <a:endParaRPr lang="en-US" dirty="0"/>
-          </a:p>
-          <a:p>
-            <a:endParaRPr lang="en-US" dirty="0"/>
+        </p:txBody>
+      </p:sp>
+      <p:sp>
+        <p:nvSpPr>
+          <p:cNvPr id="17" name="Right Arrow 16">
+            <a:extLst>
+              <a:ext uri="{FF2B5EF4-FFF2-40B4-BE49-F238E27FC236}">
+                <a16:creationId xmlns:a16="http://schemas.microsoft.com/office/drawing/2014/main" id="{CEB16C6B-DCF8-7246-B582-409024363635}"/>
+              </a:ext>
+            </a:extLst>
+          </p:cNvPr>
+          <p:cNvSpPr/>
+          <p:nvPr/>
+        </p:nvSpPr>
+        <p:spPr>
+          <a:xfrm rot="1999415">
+            <a:off x="8805643" y="5149318"/>
+            <a:ext cx="505366" cy="250371"/>
+          </a:xfrm>
+          <a:prstGeom prst="rightArrow">
+            <a:avLst/>
+          </a:prstGeom>
+          <a:solidFill>
+            <a:srgbClr val="FF0000"/>
+          </a:solidFill>
+        </p:spPr>
+        <p:style>
+          <a:lnRef idx="2">
+            <a:schemeClr val="accent1">
+              <a:shade val="50000"/>
+            </a:schemeClr>
+          </a:lnRef>
+          <a:fillRef idx="1">
+            <a:schemeClr val="accent1"/>
+          </a:fillRef>
+          <a:effectRef idx="0">
+            <a:schemeClr val="accent1"/>
+          </a:effectRef>
+          <a:fontRef idx="minor">
+            <a:schemeClr val="lt1"/>
+          </a:fontRef>
+        </p:style>
+        <p:txBody>
+          <a:bodyPr rtlCol="0" anchor="ctr"/>
+          <a:lstStyle/>
+          <a:p>
+            <a:pPr algn="ctr"/>
+            <a:endParaRPr lang="en-US"/>
+          </a:p>
+        </p:txBody>
+      </p:sp>
+      <p:sp>
+        <p:nvSpPr>
+          <p:cNvPr id="18" name="Right Arrow 17">
+            <a:extLst>
+              <a:ext uri="{FF2B5EF4-FFF2-40B4-BE49-F238E27FC236}">
+                <a16:creationId xmlns:a16="http://schemas.microsoft.com/office/drawing/2014/main" id="{82DA3F37-BCCC-F94F-89F0-1E343436A58A}"/>
+              </a:ext>
+            </a:extLst>
+          </p:cNvPr>
+          <p:cNvSpPr/>
+          <p:nvPr/>
+        </p:nvSpPr>
+        <p:spPr>
+          <a:xfrm rot="1999415">
+            <a:off x="7380191" y="4036750"/>
+            <a:ext cx="505366" cy="250371"/>
+          </a:xfrm>
+          <a:prstGeom prst="rightArrow">
+            <a:avLst/>
+          </a:prstGeom>
+          <a:solidFill>
+            <a:srgbClr val="FF0000"/>
+          </a:solidFill>
+        </p:spPr>
+        <p:style>
+          <a:lnRef idx="2">
+            <a:schemeClr val="accent1">
+              <a:shade val="50000"/>
+            </a:schemeClr>
+          </a:lnRef>
+          <a:fillRef idx="1">
+            <a:schemeClr val="accent1"/>
+          </a:fillRef>
+          <a:effectRef idx="0">
+            <a:schemeClr val="accent1"/>
+          </a:effectRef>
+          <a:fontRef idx="minor">
+            <a:schemeClr val="lt1"/>
+          </a:fontRef>
+        </p:style>
+        <p:txBody>
+          <a:bodyPr rtlCol="0" anchor="ctr"/>
+          <a:lstStyle/>
+          <a:p>
+            <a:pPr algn="ctr"/>
+            <a:endParaRPr lang="en-US"/>
+          </a:p>
+        </p:txBody>
+      </p:sp>
+      <p:pic>
+        <p:nvPicPr>
+          <p:cNvPr id="20" name="Graphic 19">
+            <a:extLst>
+              <a:ext uri="{FF2B5EF4-FFF2-40B4-BE49-F238E27FC236}">
+                <a16:creationId xmlns:a16="http://schemas.microsoft.com/office/drawing/2014/main" id="{534C5F0C-0D35-934F-8131-E0238FB8972F}"/>
+              </a:ext>
+            </a:extLst>
+          </p:cNvPr>
+          <p:cNvPicPr>
+            <a:picLocks noChangeAspect="1"/>
+          </p:cNvPicPr>
+          <p:nvPr/>
+        </p:nvPicPr>
+        <p:blipFill>
+          <a:blip r:embed="rId6">
+            <a:extLst>
+              <a:ext uri="{96DAC541-7B7A-43D3-8B79-37D633B846F1}">
+                <asvg:svgBlip xmlns:asvg="http://schemas.microsoft.com/office/drawing/2016/SVG/main" r:embed="rId7"/>
+              </a:ext>
+            </a:extLst>
+          </a:blip>
+          <a:stretch>
+            <a:fillRect/>
+          </a:stretch>
+        </p:blipFill>
+        <p:spPr>
+          <a:xfrm>
+            <a:off x="9794630" y="365677"/>
+            <a:ext cx="1312020" cy="1014822"/>
+          </a:xfrm>
+          <a:prstGeom prst="rect">
+            <a:avLst/>
+          </a:prstGeom>
+        </p:spPr>
+      </p:pic>
+      <p:pic>
+        <p:nvPicPr>
+          <p:cNvPr id="22" name="Picture 21">
+            <a:extLst>
+              <a:ext uri="{FF2B5EF4-FFF2-40B4-BE49-F238E27FC236}">
+                <a16:creationId xmlns:a16="http://schemas.microsoft.com/office/drawing/2014/main" id="{F342DA79-D3CC-7942-B4E3-AC29CA13FEBE}"/>
+              </a:ext>
+            </a:extLst>
+          </p:cNvPr>
+          <p:cNvPicPr>
+            <a:picLocks noChangeAspect="1"/>
+          </p:cNvPicPr>
+          <p:nvPr/>
+        </p:nvPicPr>
+        <p:blipFill>
+          <a:blip r:embed="rId8"/>
+          <a:stretch>
+            <a:fillRect/>
+          </a:stretch>
+        </p:blipFill>
+        <p:spPr>
+          <a:xfrm>
+            <a:off x="9979873" y="2040192"/>
+            <a:ext cx="1145460" cy="1145460"/>
+          </a:xfrm>
+          <a:prstGeom prst="rect">
+            <a:avLst/>
+          </a:prstGeom>
+        </p:spPr>
+      </p:pic>
+      <p:sp>
+        <p:nvSpPr>
+          <p:cNvPr id="23" name="TextBox 22">
+            <a:extLst>
+              <a:ext uri="{FF2B5EF4-FFF2-40B4-BE49-F238E27FC236}">
+                <a16:creationId xmlns:a16="http://schemas.microsoft.com/office/drawing/2014/main" id="{00FCA6C2-1FDF-0E48-8012-EC4D2D0F7ABF}"/>
+              </a:ext>
+            </a:extLst>
+          </p:cNvPr>
+          <p:cNvSpPr txBox="1"/>
+          <p:nvPr/>
+        </p:nvSpPr>
+        <p:spPr>
+          <a:xfrm>
+            <a:off x="10404497" y="1521886"/>
+            <a:ext cx="296211" cy="461665"/>
+          </a:xfrm>
+          <a:prstGeom prst="rect">
+            <a:avLst/>
+          </a:prstGeom>
+          <a:noFill/>
+        </p:spPr>
+        <p:txBody>
+          <a:bodyPr wrap="square" rtlCol="0">
+            <a:spAutoFit/>
+          </a:bodyPr>
+          <a:lstStyle/>
+          <a:p>
+            <a:r>
+              <a:rPr lang="en-US" sz="2400" dirty="0"/>
+              <a:t>+</a:t>
+            </a:r>
           </a:p>
         </p:txBody>
       </p:sp>
     </p:spTree>
     <p:extLst>
       <p:ext uri="{BB962C8B-B14F-4D97-AF65-F5344CB8AC3E}">
-        <p14:creationId xmlns:p14="http://schemas.microsoft.com/office/powerpoint/2010/main" val="3330616162"/>
+        <p14:creationId xmlns:p14="http://schemas.microsoft.com/office/powerpoint/2010/main" val="2332630592"/>
       </p:ext>
     </p:extLst>
   </p:cSld>
@@ -5285,7 +7270,7 @@
           <p:cNvPr id="2" name="Title 1">
             <a:extLst>
               <a:ext uri="{FF2B5EF4-FFF2-40B4-BE49-F238E27FC236}">
-                <a16:creationId xmlns:a16="http://schemas.microsoft.com/office/drawing/2014/main" id="{CF28C8A5-3C10-724F-9E8F-C1F0F7944D77}"/>
+                <a16:creationId xmlns:a16="http://schemas.microsoft.com/office/drawing/2014/main" id="{5746F866-E9C8-5B4A-B7C5-4D53903A76AB}"/>
               </a:ext>
             </a:extLst>
           </p:cNvPr>
@@ -5296,14 +7281,19 @@
             <p:ph type="title"/>
           </p:nvPr>
         </p:nvSpPr>
-        <p:spPr/>
+        <p:spPr>
+          <a:xfrm>
+            <a:off x="838201" y="365125"/>
+            <a:ext cx="4338234" cy="1325563"/>
+          </a:xfrm>
+        </p:spPr>
         <p:txBody>
           <a:bodyPr/>
           <a:lstStyle/>
           <a:p>
             <a:r>
               <a:rPr lang="en-US" dirty="0"/>
-              <a:t>Maps</a:t>
+              <a:t>Map Dashboard</a:t>
             </a:r>
           </a:p>
         </p:txBody>
@@ -5313,7 +7303,7 @@
           <p:cNvPr id="3" name="Content Placeholder 2">
             <a:extLst>
               <a:ext uri="{FF2B5EF4-FFF2-40B4-BE49-F238E27FC236}">
-                <a16:creationId xmlns:a16="http://schemas.microsoft.com/office/drawing/2014/main" id="{2E3FC499-CE14-0A47-9D73-3214D38D1EB4}"/>
+                <a16:creationId xmlns:a16="http://schemas.microsoft.com/office/drawing/2014/main" id="{501D6C72-6DFC-3C44-802D-421401AFCEF1}"/>
               </a:ext>
             </a:extLst>
           </p:cNvPr>
@@ -5321,34 +7311,84 @@
             <a:spLocks noGrp="1"/>
           </p:cNvSpPr>
           <p:nvPr>
-            <p:ph idx="1"/>
-          </p:nvPr>
-        </p:nvSpPr>
-        <p:spPr/>
-        <p:txBody>
-          <a:bodyPr/>
-          <a:lstStyle/>
-          <a:p>
-            <a:r>
-              <a:rPr lang="en-US" dirty="0"/>
-              <a:t>R and </a:t>
-            </a:r>
-            <a:r>
-              <a:rPr lang="en-US" dirty="0" err="1"/>
+            <p:ph sz="half" idx="1"/>
+          </p:nvPr>
+        </p:nvSpPr>
+        <p:spPr>
+          <a:xfrm>
+            <a:off x="838200" y="1937288"/>
+            <a:ext cx="5181600" cy="4239675"/>
+          </a:xfrm>
+        </p:spPr>
+        <p:txBody>
+          <a:bodyPr>
+            <a:normAutofit/>
+          </a:bodyPr>
+          <a:lstStyle/>
+          <a:p>
+            <a:r>
+              <a:rPr lang="en-US" sz="2400" dirty="0"/>
+              <a:t>URL: </a:t>
+            </a:r>
+            <a:r>
+              <a:rPr lang="en-US" sz="2400" dirty="0">
+                <a:hlinkClick r:id="rId2"/>
+              </a:rPr>
+              <a:t>https://kostler.shinyapps.io/SPL-Seattle-Census-Data/</a:t>
+            </a:r>
+            <a:r>
+              <a:rPr lang="en-US" sz="2400" dirty="0"/>
+              <a:t> </a:t>
+            </a:r>
+          </a:p>
+          <a:p>
+            <a:r>
+              <a:rPr lang="en-US" sz="2400" dirty="0"/>
+              <a:t>Browser based</a:t>
+            </a:r>
+          </a:p>
+          <a:p>
+            <a:r>
+              <a:rPr lang="en-US" sz="2400" dirty="0"/>
+              <a:t>Hosted by </a:t>
+            </a:r>
+            <a:r>
+              <a:rPr lang="en-US" sz="2400" dirty="0" err="1"/>
               <a:t>Rstudio</a:t>
             </a:r>
-            <a:endParaRPr lang="en-US" dirty="0"/>
-          </a:p>
-          <a:p>
-            <a:r>
-              <a:rPr lang="en-US" dirty="0"/>
-              <a:t>Leaflet Package</a:t>
-            </a:r>
-          </a:p>
-          <a:p>
-            <a:r>
-              <a:rPr lang="en-US" dirty="0"/>
-              <a:t>Shiny app</a:t>
+            <a:endParaRPr lang="en-US" sz="2400" dirty="0"/>
+          </a:p>
+          <a:p>
+            <a:r>
+              <a:rPr lang="en-US" sz="2400" dirty="0"/>
+              <a:t>Interactive</a:t>
+            </a:r>
+          </a:p>
+          <a:p>
+            <a:r>
+              <a:rPr lang="en-US" sz="2400" dirty="0"/>
+              <a:t>Code easily modified:</a:t>
+            </a:r>
+          </a:p>
+          <a:p>
+            <a:pPr lvl="1"/>
+            <a:r>
+              <a:rPr lang="en-US" sz="2000" dirty="0"/>
+              <a:t>Update with yearly census data releases</a:t>
+            </a:r>
+          </a:p>
+          <a:p>
+            <a:pPr lvl="1"/>
+            <a:r>
+              <a:rPr lang="en-US" sz="2000" dirty="0"/>
+              <a:t>Add new data layers</a:t>
+            </a:r>
+          </a:p>
+          <a:p>
+            <a:pPr lvl="1"/>
+            <a:r>
+              <a:rPr lang="en-US" sz="2000" dirty="0"/>
+              <a:t>Different city or library system</a:t>
             </a:r>
           </a:p>
         </p:txBody>
@@ -5358,7 +7398,7 @@
           <p:cNvPr id="5" name="Picture 4">
             <a:extLst>
               <a:ext uri="{FF2B5EF4-FFF2-40B4-BE49-F238E27FC236}">
-                <a16:creationId xmlns:a16="http://schemas.microsoft.com/office/drawing/2014/main" id="{A9AA9147-DD1C-824E-8DBE-91942FFF5065}"/>
+                <a16:creationId xmlns:a16="http://schemas.microsoft.com/office/drawing/2014/main" id="{BBA8F2CC-5CD6-D746-AF22-81A4A0EE15FE}"/>
               </a:ext>
             </a:extLst>
           </p:cNvPr>
@@ -5368,44 +7408,14 @@
           <p:nvPr/>
         </p:nvPicPr>
         <p:blipFill>
-          <a:blip r:embed="rId2"/>
-          <a:stretch>
-            <a:fillRect/>
-          </a:stretch>
-        </p:blipFill>
-        <p:spPr>
-          <a:xfrm>
-            <a:off x="8264505" y="671512"/>
-            <a:ext cx="3089295" cy="4351338"/>
-          </a:xfrm>
-          <a:prstGeom prst="rect">
-            <a:avLst/>
-          </a:prstGeom>
-        </p:spPr>
-      </p:pic>
-      <p:pic>
-        <p:nvPicPr>
-          <p:cNvPr id="7" name="Picture 6">
-            <a:extLst>
-              <a:ext uri="{FF2B5EF4-FFF2-40B4-BE49-F238E27FC236}">
-                <a16:creationId xmlns:a16="http://schemas.microsoft.com/office/drawing/2014/main" id="{AAA65D3A-7852-B94E-AFE5-2197B072CA51}"/>
-              </a:ext>
-            </a:extLst>
-          </p:cNvPr>
-          <p:cNvPicPr>
-            <a:picLocks noChangeAspect="1"/>
-          </p:cNvPicPr>
-          <p:nvPr/>
-        </p:nvPicPr>
-        <p:blipFill rotWithShape="1">
           <a:blip r:embed="rId3"/>
-          <a:srcRect l="7707" r="12615"/>
+          <a:srcRect/>
           <a:stretch/>
         </p:blipFill>
         <p:spPr>
           <a:xfrm>
-            <a:off x="3927496" y="671512"/>
-            <a:ext cx="3089296" cy="4351338"/>
+            <a:off x="6096000" y="510252"/>
+            <a:ext cx="5828390" cy="5982623"/>
           </a:xfrm>
           <a:prstGeom prst="rect">
             <a:avLst/>
@@ -5415,7 +7425,7 @@
     </p:spTree>
     <p:extLst>
       <p:ext uri="{BB962C8B-B14F-4D97-AF65-F5344CB8AC3E}">
-        <p14:creationId xmlns:p14="http://schemas.microsoft.com/office/powerpoint/2010/main" val="2332630592"/>
+        <p14:creationId xmlns:p14="http://schemas.microsoft.com/office/powerpoint/2010/main" val="3690678085"/>
       </p:ext>
     </p:extLst>
   </p:cSld>
@@ -5426,6 +7436,266 @@
 </file>
 
 <file path=ppt/theme/theme1.xml><?xml version="1.0" encoding="utf-8"?>
+<a:theme xmlns:a="http://schemas.openxmlformats.org/drawingml/2006/main" name="Parcel">
+  <a:themeElements>
+    <a:clrScheme name="Parcel">
+      <a:dk1>
+        <a:srgbClr val="000000"/>
+      </a:dk1>
+      <a:lt1>
+        <a:srgbClr val="FFFFFF"/>
+      </a:lt1>
+      <a:dk2>
+        <a:srgbClr val="4A5356"/>
+      </a:dk2>
+      <a:lt2>
+        <a:srgbClr val="E8E3CE"/>
+      </a:lt2>
+      <a:accent1>
+        <a:srgbClr val="F6A21D"/>
+      </a:accent1>
+      <a:accent2>
+        <a:srgbClr val="9BAFB5"/>
+      </a:accent2>
+      <a:accent3>
+        <a:srgbClr val="C96731"/>
+      </a:accent3>
+      <a:accent4>
+        <a:srgbClr val="9CA383"/>
+      </a:accent4>
+      <a:accent5>
+        <a:srgbClr val="87795D"/>
+      </a:accent5>
+      <a:accent6>
+        <a:srgbClr val="A0988C"/>
+      </a:accent6>
+      <a:hlink>
+        <a:srgbClr val="00B0F0"/>
+      </a:hlink>
+      <a:folHlink>
+        <a:srgbClr val="738F97"/>
+      </a:folHlink>
+    </a:clrScheme>
+    <a:fontScheme name="Parcel">
+      <a:majorFont>
+        <a:latin typeface="Gill Sans MT" panose="020B0502020104020203"/>
+        <a:ea typeface=""/>
+        <a:cs typeface=""/>
+        <a:font script="Grek" typeface="Corbel"/>
+        <a:font script="Cyrl" typeface="Corbel"/>
+        <a:font script="Jpan" typeface="HGｺﾞｼｯｸE"/>
+        <a:font script="Hang" typeface="휴먼매직체"/>
+        <a:font script="Hans" typeface="华文中宋"/>
+        <a:font script="Hant" typeface="微軟正黑體"/>
+        <a:font script="Arab" typeface="Majalla UI"/>
+        <a:font script="Hebr" typeface="Arial"/>
+        <a:font script="Thai" typeface="Cordia New"/>
+        <a:font script="Ethi" typeface="Nyala"/>
+        <a:font script="Beng" typeface="Vrinda"/>
+        <a:font script="Gujr" typeface="Shruti"/>
+        <a:font script="Khmr" typeface="DaunPenh"/>
+        <a:font script="Knda" typeface="Tunga"/>
+        <a:font script="Guru" typeface="Raavi"/>
+        <a:font script="Cans" typeface="Euphemia"/>
+        <a:font script="Cher" typeface="Plantagenet Cherokee"/>
+        <a:font script="Yiii" typeface="Microsoft Yi Baiti"/>
+        <a:font script="Tibt" typeface="Microsoft Himalaya"/>
+        <a:font script="Thaa" typeface="MV Boli"/>
+        <a:font script="Deva" typeface="Mangal"/>
+        <a:font script="Telu" typeface="Gautami"/>
+        <a:font script="Taml" typeface="Latha"/>
+        <a:font script="Syrc" typeface="Estrangelo Edessa"/>
+        <a:font script="Orya" typeface="Kalinga"/>
+        <a:font script="Mlym" typeface="Kartika"/>
+        <a:font script="Laoo" typeface="DokChampa"/>
+        <a:font script="Sinh" typeface="Iskoola Pota"/>
+        <a:font script="Mong" typeface="Mongolian Baiti"/>
+        <a:font script="Viet" typeface="Tahoma"/>
+        <a:font script="Uigh" typeface="Microsoft Uighur"/>
+        <a:font script="Geor" typeface="Sylfaen"/>
+      </a:majorFont>
+      <a:minorFont>
+        <a:latin typeface="Gill Sans MT" panose="020B0502020104020203"/>
+        <a:ea typeface=""/>
+        <a:cs typeface=""/>
+        <a:font script="Grek" typeface="Corbel"/>
+        <a:font script="Cyrl" typeface="Corbel"/>
+        <a:font script="Jpan" typeface="HGｺﾞｼｯｸE"/>
+        <a:font script="Hang" typeface="휴먼매직체"/>
+        <a:font script="Hans" typeface="华文中宋"/>
+        <a:font script="Hant" typeface="微軟正黑體"/>
+        <a:font script="Arab" typeface="Majalla UI"/>
+        <a:font script="Hebr" typeface="Arial"/>
+        <a:font script="Thai" typeface="Cordia New"/>
+        <a:font script="Ethi" typeface="Nyala"/>
+        <a:font script="Beng" typeface="Vrinda"/>
+        <a:font script="Gujr" typeface="Shruti"/>
+        <a:font script="Khmr" typeface="DaunPenh"/>
+        <a:font script="Knda" typeface="Tunga"/>
+        <a:font script="Guru" typeface="Raavi"/>
+        <a:font script="Cans" typeface="Euphemia"/>
+        <a:font script="Cher" typeface="Plantagenet Cherokee"/>
+        <a:font script="Yiii" typeface="Microsoft Yi Baiti"/>
+        <a:font script="Tibt" typeface="Microsoft Himalaya"/>
+        <a:font script="Thaa" typeface="MV Boli"/>
+        <a:font script="Deva" typeface="Mangal"/>
+        <a:font script="Telu" typeface="Gautami"/>
+        <a:font script="Taml" typeface="Latha"/>
+        <a:font script="Syrc" typeface="Estrangelo Edessa"/>
+        <a:font script="Orya" typeface="Kalinga"/>
+        <a:font script="Mlym" typeface="Kartika"/>
+        <a:font script="Laoo" typeface="DokChampa"/>
+        <a:font script="Sinh" typeface="Iskoola Pota"/>
+        <a:font script="Mong" typeface="Mongolian Baiti"/>
+        <a:font script="Viet" typeface="Tahoma"/>
+        <a:font script="Uigh" typeface="Microsoft Uighur"/>
+        <a:font script="Geor" typeface="Sylfaen"/>
+      </a:minorFont>
+    </a:fontScheme>
+    <a:fmtScheme name="Parcel">
+      <a:fillStyleLst>
+        <a:solidFill>
+          <a:schemeClr val="phClr"/>
+        </a:solidFill>
+        <a:gradFill rotWithShape="1">
+          <a:gsLst>
+            <a:gs pos="0">
+              <a:schemeClr val="phClr">
+                <a:tint val="80000"/>
+                <a:satMod val="107000"/>
+                <a:lumMod val="103000"/>
+              </a:schemeClr>
+            </a:gs>
+            <a:gs pos="100000">
+              <a:schemeClr val="phClr">
+                <a:tint val="82000"/>
+                <a:satMod val="109000"/>
+                <a:lumMod val="103000"/>
+              </a:schemeClr>
+            </a:gs>
+          </a:gsLst>
+          <a:lin ang="5400000" scaled="0"/>
+        </a:gradFill>
+        <a:gradFill rotWithShape="1">
+          <a:gsLst>
+            <a:gs pos="0">
+              <a:schemeClr val="phClr">
+                <a:tint val="97000"/>
+                <a:satMod val="100000"/>
+                <a:lumMod val="102000"/>
+              </a:schemeClr>
+            </a:gs>
+            <a:gs pos="50000">
+              <a:schemeClr val="phClr">
+                <a:shade val="100000"/>
+                <a:satMod val="103000"/>
+                <a:lumMod val="100000"/>
+              </a:schemeClr>
+            </a:gs>
+            <a:gs pos="100000">
+              <a:schemeClr val="phClr">
+                <a:shade val="93000"/>
+                <a:satMod val="110000"/>
+                <a:lumMod val="99000"/>
+              </a:schemeClr>
+            </a:gs>
+          </a:gsLst>
+          <a:lin ang="5400000" scaled="0"/>
+        </a:gradFill>
+      </a:fillStyleLst>
+      <a:lnStyleLst>
+        <a:ln w="6350" cap="flat" cmpd="sng" algn="ctr">
+          <a:solidFill>
+            <a:schemeClr val="phClr"/>
+          </a:solidFill>
+          <a:prstDash val="solid"/>
+        </a:ln>
+        <a:ln w="12700" cap="flat" cmpd="sng" algn="ctr">
+          <a:solidFill>
+            <a:schemeClr val="phClr"/>
+          </a:solidFill>
+          <a:prstDash val="solid"/>
+        </a:ln>
+        <a:ln w="31750" cap="flat" cmpd="sng" algn="ctr">
+          <a:solidFill>
+            <a:schemeClr val="phClr"/>
+          </a:solidFill>
+          <a:prstDash val="solid"/>
+        </a:ln>
+      </a:lnStyleLst>
+      <a:effectStyleLst>
+        <a:effectStyle>
+          <a:effectLst/>
+        </a:effectStyle>
+        <a:effectStyle>
+          <a:effectLst/>
+        </a:effectStyle>
+        <a:effectStyle>
+          <a:effectLst>
+            <a:outerShdw blurRad="55880" dist="15240" dir="5400000" algn="ctr" rotWithShape="0">
+              <a:srgbClr val="000000">
+                <a:alpha val="45000"/>
+              </a:srgbClr>
+            </a:outerShdw>
+          </a:effectLst>
+          <a:scene3d>
+            <a:camera prst="orthographicFront">
+              <a:rot lat="0" lon="0" rev="0"/>
+            </a:camera>
+            <a:lightRig rig="brightRoom" dir="tl"/>
+          </a:scene3d>
+          <a:sp3d prstMaterial="dkEdge">
+            <a:bevelT w="0" h="0"/>
+          </a:sp3d>
+        </a:effectStyle>
+      </a:effectStyleLst>
+      <a:bgFillStyleLst>
+        <a:solidFill>
+          <a:schemeClr val="phClr"/>
+        </a:solidFill>
+        <a:solidFill>
+          <a:schemeClr val="phClr">
+            <a:tint val="95000"/>
+            <a:satMod val="170000"/>
+          </a:schemeClr>
+        </a:solidFill>
+        <a:gradFill rotWithShape="1">
+          <a:gsLst>
+            <a:gs pos="0">
+              <a:schemeClr val="phClr">
+                <a:tint val="97000"/>
+                <a:shade val="100000"/>
+                <a:satMod val="185000"/>
+                <a:lumMod val="120000"/>
+              </a:schemeClr>
+            </a:gs>
+            <a:gs pos="100000">
+              <a:schemeClr val="phClr">
+                <a:tint val="96000"/>
+                <a:shade val="95000"/>
+                <a:satMod val="215000"/>
+                <a:lumMod val="80000"/>
+              </a:schemeClr>
+            </a:gs>
+          </a:gsLst>
+          <a:path path="circle">
+            <a:fillToRect l="50000" t="55000" r="125000" b="100000"/>
+          </a:path>
+        </a:gradFill>
+      </a:bgFillStyleLst>
+    </a:fmtScheme>
+  </a:themeElements>
+  <a:objectDefaults/>
+  <a:extraClrSchemeLst/>
+  <a:extLst>
+    <a:ext uri="{05A4C25C-085E-4340-85A3-A5531E510DB2}">
+      <thm15:themeFamily xmlns:thm15="http://schemas.microsoft.com/office/thememl/2012/main" name="Parcel" id="{8BEC4385-4EB9-4D53-BFB5-0EA123736B6D}" vid="{4DB32801-28C0-48B0-8C1D-A9A58613615A}"/>
+    </a:ext>
+  </a:extLst>
+</a:theme>
+</file>
+
+<file path=ppt/theme/theme2.xml><?xml version="1.0" encoding="utf-8"?>
 <a:theme xmlns:a="http://schemas.openxmlformats.org/drawingml/2006/main" name="Office Theme">
   <a:themeElements>
     <a:clrScheme name="Office">

--- a/ODL_showcasepres.pptx
+++ b/ODL_showcasepres.pptx
@@ -5553,7 +5553,7 @@
         </p:spPr>
         <p:txBody>
           <a:bodyPr>
-            <a:normAutofit lnSpcReduction="10000"/>
+            <a:normAutofit fontScale="92500" lnSpcReduction="20000"/>
           </a:bodyPr>
           <a:lstStyle/>
           <a:p>
@@ -5574,6 +5574,13 @@
             <a:r>
               <a:rPr lang="en-US" sz="2800" dirty="0"/>
               <a:t>Create Binder instance for R Notebook in GitHub Repo</a:t>
+            </a:r>
+          </a:p>
+          <a:p>
+            <a:pPr lvl="1"/>
+            <a:r>
+              <a:rPr lang="en-US" sz="2800" dirty="0"/>
+              <a:t>Directed Field Work or Capstone</a:t>
             </a:r>
           </a:p>
           <a:p>

--- a/ODL_showcasepres.pptx
+++ b/ODL_showcasepres.pptx
@@ -5517,7 +5517,12 @@
             <p:ph type="title"/>
           </p:nvPr>
         </p:nvSpPr>
-        <p:spPr/>
+        <p:spPr>
+          <a:xfrm>
+            <a:off x="2231136" y="685723"/>
+            <a:ext cx="7729728" cy="1188720"/>
+          </a:xfrm>
+        </p:spPr>
         <p:txBody>
           <a:bodyPr/>
           <a:lstStyle/>
@@ -5547,13 +5552,13 @@
         </p:nvSpPr>
         <p:spPr>
           <a:xfrm>
-            <a:off x="2231136" y="2495228"/>
-            <a:ext cx="7729728" cy="4045058"/>
+            <a:off x="2231136" y="2309247"/>
+            <a:ext cx="7729728" cy="4231039"/>
           </a:xfrm>
         </p:spPr>
         <p:txBody>
           <a:bodyPr>
-            <a:normAutofit fontScale="92500" lnSpcReduction="20000"/>
+            <a:normAutofit fontScale="92500" lnSpcReduction="10000"/>
           </a:bodyPr>
           <a:lstStyle/>
           <a:p>
@@ -7357,13 +7362,8 @@
           <a:p>
             <a:r>
               <a:rPr lang="en-US" sz="2400" dirty="0"/>
-              <a:t>Hosted by </a:t>
-            </a:r>
-            <a:r>
-              <a:rPr lang="en-US" sz="2400" dirty="0" err="1"/>
-              <a:t>Rstudio</a:t>
-            </a:r>
-            <a:endParaRPr lang="en-US" sz="2400" dirty="0"/>
+              <a:t>Hosted by RStudio</a:t>
+            </a:r>
           </a:p>
           <a:p>
             <a:r>
